--- a/2019.12.20_esp32-cam/ESP32-CAM-AI影像辨識應用.pptx
+++ b/2019.12.20_esp32-cam/ESP32-CAM-AI影像辨識應用.pptx
@@ -10779,7 +10779,7 @@
               <a:t>Webduino</a:t>
             </a:r>
             <a:r>
-              <a:rPr lang="zh-TW" altLang="en-US" sz="3800" dirty="0" smtClean="0">
+              <a:rPr lang="zh-TW" altLang="en-US" sz="3800" smtClean="0">
                 <a:solidFill>
                   <a:schemeClr val="accent2">
                     <a:lumMod val="60000"/>
@@ -10787,7 +10787,7 @@
                   </a:schemeClr>
                 </a:solidFill>
               </a:rPr>
-              <a:t>雲端平台產生</a:t>
+              <a:t>積木網站產生</a:t>
             </a:r>
             <a:r>
               <a:rPr lang="en-US" altLang="zh-TW" sz="3800" dirty="0" err="1" smtClean="0">
@@ -13075,13 +13075,29 @@
             </a:r>
             <a:r>
               <a:rPr lang="zh-TW" altLang="en-US" sz="3600" dirty="0" smtClean="0"/>
-              <a:t> 人</a:t>
-            </a:r>
-            <a:r>
-              <a:rPr lang="zh-TW" altLang="en-US" sz="3600" dirty="0"/>
-              <a:t>臉辨識範例與模組程式自訂指令</a:t>
-            </a:r>
-            <a:endParaRPr lang="en-US" altLang="zh-TW" sz="3600" dirty="0"/>
+              <a:t> </a:t>
+            </a:r>
+            <a:r>
+              <a:rPr lang="zh-TW" altLang="en-US" sz="3600" dirty="0" smtClean="0">
+                <a:solidFill>
+                  <a:srgbClr val="92D050"/>
+                </a:solidFill>
+              </a:rPr>
+              <a:t>模組</a:t>
+            </a:r>
+            <a:r>
+              <a:rPr lang="zh-TW" altLang="en-US" sz="3600" dirty="0">
+                <a:solidFill>
+                  <a:srgbClr val="92D050"/>
+                </a:solidFill>
+              </a:rPr>
+              <a:t>程式自訂指令與人臉辨識實作</a:t>
+            </a:r>
+            <a:endParaRPr lang="en-US" altLang="zh-TW" sz="3600" dirty="0">
+              <a:solidFill>
+                <a:srgbClr val="92D050"/>
+              </a:solidFill>
+            </a:endParaRPr>
           </a:p>
           <a:p>
             <a:pPr marL="0" indent="0">
@@ -14619,18 +14635,34 @@
               <a:t>11:00~12:00 </a:t>
             </a:r>
             <a:r>
-              <a:rPr lang="en-US" altLang="zh-TW" sz="3600" dirty="0" err="1"/>
+              <a:rPr lang="en-US" altLang="zh-TW" sz="3600" dirty="0" err="1">
+                <a:solidFill>
+                  <a:srgbClr val="92D050"/>
+                </a:solidFill>
+              </a:rPr>
               <a:t>tfjs</a:t>
             </a:r>
             <a:r>
-              <a:rPr lang="zh-TW" altLang="en-US" sz="3600" dirty="0"/>
+              <a:rPr lang="zh-TW" altLang="en-US" sz="3600" dirty="0">
+                <a:solidFill>
+                  <a:srgbClr val="92D050"/>
+                </a:solidFill>
+              </a:rPr>
               <a:t>物件監視、物件追蹤實</a:t>
             </a:r>
             <a:r>
-              <a:rPr lang="zh-TW" altLang="en-US" sz="3600" dirty="0" smtClean="0"/>
+              <a:rPr lang="zh-TW" altLang="en-US" sz="3600" dirty="0" smtClean="0">
+                <a:solidFill>
+                  <a:srgbClr val="92D050"/>
+                </a:solidFill>
+              </a:rPr>
               <a:t>作</a:t>
             </a:r>
-            <a:endParaRPr lang="en-US" altLang="zh-TW" sz="3600" dirty="0" smtClean="0"/>
+            <a:endParaRPr lang="en-US" altLang="zh-TW" sz="3600" dirty="0" smtClean="0">
+              <a:solidFill>
+                <a:srgbClr val="92D050"/>
+              </a:solidFill>
+            </a:endParaRPr>
           </a:p>
           <a:p>
             <a:pPr marL="0" indent="0">
@@ -20142,8 +20174,12 @@
               <a:buNone/>
             </a:pPr>
             <a:r>
-              <a:rPr lang="en-US" altLang="zh-TW" sz="3600" dirty="0"/>
-              <a:t>10:00~11:00 </a:t>
+              <a:rPr lang="en-US" altLang="zh-TW" sz="3600" dirty="0" smtClean="0"/>
+              <a:t>10:00~11:00</a:t>
+            </a:r>
+            <a:r>
+              <a:rPr lang="zh-TW" altLang="en-US" sz="3600" dirty="0" smtClean="0"/>
+              <a:t> </a:t>
             </a:r>
             <a:r>
               <a:rPr lang="zh-TW" altLang="en-US" sz="3600" dirty="0" smtClean="0">
@@ -20151,9 +20187,49 @@
                   <a:srgbClr val="92D050"/>
                 </a:solidFill>
               </a:rPr>
-              <a:t>人臉辨識範例與模組程式自訂指令</a:t>
-            </a:r>
-            <a:endParaRPr lang="en-US" altLang="zh-TW" sz="3600" dirty="0">
+              <a:t>模組</a:t>
+            </a:r>
+            <a:r>
+              <a:rPr lang="zh-TW" altLang="en-US" sz="3600" dirty="0">
+                <a:solidFill>
+                  <a:srgbClr val="92D050"/>
+                </a:solidFill>
+              </a:rPr>
+              <a:t>程式自訂</a:t>
+            </a:r>
+            <a:r>
+              <a:rPr lang="zh-TW" altLang="en-US" sz="3600" dirty="0" smtClean="0">
+                <a:solidFill>
+                  <a:srgbClr val="92D050"/>
+                </a:solidFill>
+              </a:rPr>
+              <a:t>指令與</a:t>
+            </a:r>
+            <a:r>
+              <a:rPr lang="zh-TW" altLang="en-US" sz="3600" dirty="0" smtClean="0">
+                <a:solidFill>
+                  <a:srgbClr val="92D050"/>
+                </a:solidFill>
+              </a:rPr>
+              <a:t>人</a:t>
+            </a:r>
+            <a:r>
+              <a:rPr lang="zh-TW" altLang="en-US" sz="3600" dirty="0" smtClean="0">
+                <a:solidFill>
+                  <a:srgbClr val="92D050"/>
+                </a:solidFill>
+              </a:rPr>
+              <a:t>臉</a:t>
+            </a:r>
+            <a:r>
+              <a:rPr lang="zh-TW" altLang="en-US" sz="3600" dirty="0" smtClean="0">
+                <a:solidFill>
+                  <a:srgbClr val="92D050"/>
+                </a:solidFill>
+              </a:rPr>
+              <a:t>辨識實作</a:t>
+            </a:r>
+            <a:endParaRPr lang="en-US" altLang="zh-TW" sz="3600" dirty="0" smtClean="0">
               <a:solidFill>
                 <a:srgbClr val="92D050"/>
               </a:solidFill>
@@ -22513,6 +22589,142 @@
 </file>
 
 <file path=customXml/item1.xml><?xml version="1.0" encoding="utf-8"?>
+<p:properties xmlns:p="http://schemas.microsoft.com/office/2006/metadata/properties" xmlns:xsi="http://www.w3.org/2001/XMLSchema-instance" xmlns:pc="http://schemas.microsoft.com/office/infopath/2007/PartnerControls">
+  <documentManagement>
+    <LocPublishedLinkedAssetsLookup xmlns="4873beb7-5857-4685-be1f-d57550cc96cc" xsi:nil="true"/>
+    <ApprovalStatus xmlns="4873beb7-5857-4685-be1f-d57550cc96cc">InProgress</ApprovalStatus>
+    <MarketSpecific xmlns="4873beb7-5857-4685-be1f-d57550cc96cc">false</MarketSpecific>
+    <LocComments xmlns="4873beb7-5857-4685-be1f-d57550cc96cc" xsi:nil="true"/>
+    <LocLastLocAttemptVersionTypeLookup xmlns="4873beb7-5857-4685-be1f-d57550cc96cc" xsi:nil="true"/>
+    <DirectSourceMarket xmlns="4873beb7-5857-4685-be1f-d57550cc96cc" xsi:nil="true"/>
+    <ThumbnailAssetId xmlns="4873beb7-5857-4685-be1f-d57550cc96cc" xsi:nil="true"/>
+    <PrimaryImageGen xmlns="4873beb7-5857-4685-be1f-d57550cc96cc">false</PrimaryImageGen>
+    <LocNewPublishedVersionLookup xmlns="4873beb7-5857-4685-be1f-d57550cc96cc" xsi:nil="true"/>
+    <LegacyData xmlns="4873beb7-5857-4685-be1f-d57550cc96cc" xsi:nil="true"/>
+    <LocRecommendedHandoff xmlns="4873beb7-5857-4685-be1f-d57550cc96cc" xsi:nil="true"/>
+    <BusinessGroup xmlns="4873beb7-5857-4685-be1f-d57550cc96cc" xsi:nil="true"/>
+    <BlockPublish xmlns="4873beb7-5857-4685-be1f-d57550cc96cc">false</BlockPublish>
+    <TPFriendlyName xmlns="4873beb7-5857-4685-be1f-d57550cc96cc" xsi:nil="true"/>
+    <LocOverallPublishStatusLookup xmlns="4873beb7-5857-4685-be1f-d57550cc96cc" xsi:nil="true"/>
+    <NumericId xmlns="4873beb7-5857-4685-be1f-d57550cc96cc" xsi:nil="true"/>
+    <APEditor xmlns="4873beb7-5857-4685-be1f-d57550cc96cc">
+      <UserInfo>
+        <DisplayName/>
+        <AccountId xsi:nil="true"/>
+        <AccountType/>
+      </UserInfo>
+    </APEditor>
+    <SourceTitle xmlns="4873beb7-5857-4685-be1f-d57550cc96cc" xsi:nil="true"/>
+    <OpenTemplate xmlns="4873beb7-5857-4685-be1f-d57550cc96cc">true</OpenTemplate>
+    <LocOverallLocStatusLookup xmlns="4873beb7-5857-4685-be1f-d57550cc96cc" xsi:nil="true"/>
+    <UALocComments xmlns="4873beb7-5857-4685-be1f-d57550cc96cc" xsi:nil="true"/>
+    <ParentAssetId xmlns="4873beb7-5857-4685-be1f-d57550cc96cc" xsi:nil="true"/>
+    <IntlLangReviewDate xmlns="4873beb7-5857-4685-be1f-d57550cc96cc" xsi:nil="true"/>
+    <FeatureTagsTaxHTField0 xmlns="4873beb7-5857-4685-be1f-d57550cc96cc">
+      <Terms xmlns="http://schemas.microsoft.com/office/infopath/2007/PartnerControls"/>
+    </FeatureTagsTaxHTField0>
+    <PublishStatusLookup xmlns="4873beb7-5857-4685-be1f-d57550cc96cc">
+      <Value>1345093</Value>
+    </PublishStatusLookup>
+    <Providers xmlns="4873beb7-5857-4685-be1f-d57550cc96cc" xsi:nil="true"/>
+    <MachineTranslated xmlns="4873beb7-5857-4685-be1f-d57550cc96cc">false</MachineTranslated>
+    <OriginalSourceMarket xmlns="4873beb7-5857-4685-be1f-d57550cc96cc" xsi:nil="true"/>
+    <APDescription xmlns="4873beb7-5857-4685-be1f-d57550cc96cc">This simple template design works for technology and  businesses, but it's versatile enough to use in other contexts.  It features multiple slide layouts designed for widescreen (16x9 resolution) and includes a sample SmartArt list and chart that are easily editable.</APDescription>
+    <ClipArtFilename xmlns="4873beb7-5857-4685-be1f-d57550cc96cc" xsi:nil="true"/>
+    <ContentItem xmlns="4873beb7-5857-4685-be1f-d57550cc96cc" xsi:nil="true"/>
+    <TPInstallLocation xmlns="4873beb7-5857-4685-be1f-d57550cc96cc" xsi:nil="true"/>
+    <PublishTargets xmlns="4873beb7-5857-4685-be1f-d57550cc96cc">OfficeOnlineVNext</PublishTargets>
+    <TimesCloned xmlns="4873beb7-5857-4685-be1f-d57550cc96cc" xsi:nil="true"/>
+    <AssetStart xmlns="4873beb7-5857-4685-be1f-d57550cc96cc">2011-11-26T00:30:00+00:00</AssetStart>
+    <Provider xmlns="4873beb7-5857-4685-be1f-d57550cc96cc" xsi:nil="true"/>
+    <AcquiredFrom xmlns="4873beb7-5857-4685-be1f-d57550cc96cc">Internal MS</AcquiredFrom>
+    <FriendlyTitle xmlns="4873beb7-5857-4685-be1f-d57550cc96cc" xsi:nil="true"/>
+    <LastHandOff xmlns="4873beb7-5857-4685-be1f-d57550cc96cc" xsi:nil="true"/>
+    <TPClientViewer xmlns="4873beb7-5857-4685-be1f-d57550cc96cc" xsi:nil="true"/>
+    <TemplateStatus xmlns="4873beb7-5857-4685-be1f-d57550cc96cc">Complete</TemplateStatus>
+    <Downloads xmlns="4873beb7-5857-4685-be1f-d57550cc96cc">0</Downloads>
+    <OOCacheId xmlns="4873beb7-5857-4685-be1f-d57550cc96cc" xsi:nil="true"/>
+    <IsDeleted xmlns="4873beb7-5857-4685-be1f-d57550cc96cc">false</IsDeleted>
+    <LocPublishedDependentAssetsLookup xmlns="4873beb7-5857-4685-be1f-d57550cc96cc" xsi:nil="true"/>
+    <TPExecutable xmlns="4873beb7-5857-4685-be1f-d57550cc96cc" xsi:nil="true"/>
+    <EditorialTags xmlns="4873beb7-5857-4685-be1f-d57550cc96cc" xsi:nil="true"/>
+    <SubmitterId xmlns="4873beb7-5857-4685-be1f-d57550cc96cc" xsi:nil="true"/>
+    <ApprovalLog xmlns="4873beb7-5857-4685-be1f-d57550cc96cc" xsi:nil="true"/>
+    <AssetType xmlns="4873beb7-5857-4685-be1f-d57550cc96cc">TP</AssetType>
+    <BugNumber xmlns="4873beb7-5857-4685-be1f-d57550cc96cc" xsi:nil="true"/>
+    <CSXSubmissionDate xmlns="4873beb7-5857-4685-be1f-d57550cc96cc" xsi:nil="true"/>
+    <CSXUpdate xmlns="4873beb7-5857-4685-be1f-d57550cc96cc">false</CSXUpdate>
+    <Milestone xmlns="4873beb7-5857-4685-be1f-d57550cc96cc" xsi:nil="true"/>
+    <RecommendationsModifier xmlns="4873beb7-5857-4685-be1f-d57550cc96cc" xsi:nil="true"/>
+    <OriginAsset xmlns="4873beb7-5857-4685-be1f-d57550cc96cc" xsi:nil="true"/>
+    <TPComponent xmlns="4873beb7-5857-4685-be1f-d57550cc96cc" xsi:nil="true"/>
+    <AssetId xmlns="4873beb7-5857-4685-be1f-d57550cc96cc">TP102787989</AssetId>
+    <IntlLocPriority xmlns="4873beb7-5857-4685-be1f-d57550cc96cc" xsi:nil="true"/>
+    <PolicheckWords xmlns="4873beb7-5857-4685-be1f-d57550cc96cc" xsi:nil="true"/>
+    <TPLaunchHelpLink xmlns="4873beb7-5857-4685-be1f-d57550cc96cc" xsi:nil="true"/>
+    <TPApplication xmlns="4873beb7-5857-4685-be1f-d57550cc96cc" xsi:nil="true"/>
+    <CrawlForDependencies xmlns="4873beb7-5857-4685-be1f-d57550cc96cc">false</CrawlForDependencies>
+    <HandoffToMSDN xmlns="4873beb7-5857-4685-be1f-d57550cc96cc" xsi:nil="true"/>
+    <PlannedPubDate xmlns="4873beb7-5857-4685-be1f-d57550cc96cc" xsi:nil="true"/>
+    <IntlLangReviewer xmlns="4873beb7-5857-4685-be1f-d57550cc96cc" xsi:nil="true"/>
+    <TrustLevel xmlns="4873beb7-5857-4685-be1f-d57550cc96cc">1 Microsoft Managed Content</TrustLevel>
+    <LocLastLocAttemptVersionLookup xmlns="4873beb7-5857-4685-be1f-d57550cc96cc">694266</LocLastLocAttemptVersionLookup>
+    <LocProcessedForHandoffsLookup xmlns="4873beb7-5857-4685-be1f-d57550cc96cc" xsi:nil="true"/>
+    <IsSearchable xmlns="4873beb7-5857-4685-be1f-d57550cc96cc">true</IsSearchable>
+    <TemplateTemplateType xmlns="4873beb7-5857-4685-be1f-d57550cc96cc">PowerPoint Presentation Template</TemplateTemplateType>
+    <CampaignTagsTaxHTField0 xmlns="4873beb7-5857-4685-be1f-d57550cc96cc">
+      <Terms xmlns="http://schemas.microsoft.com/office/infopath/2007/PartnerControls"/>
+    </CampaignTagsTaxHTField0>
+    <TPNamespace xmlns="4873beb7-5857-4685-be1f-d57550cc96cc" xsi:nil="true"/>
+    <LocOverallPreviewStatusLookup xmlns="4873beb7-5857-4685-be1f-d57550cc96cc" xsi:nil="true"/>
+    <TaxCatchAll xmlns="4873beb7-5857-4685-be1f-d57550cc96cc"/>
+    <Markets xmlns="4873beb7-5857-4685-be1f-d57550cc96cc"/>
+    <UAProjectedTotalWords xmlns="4873beb7-5857-4685-be1f-d57550cc96cc" xsi:nil="true"/>
+    <IntlLangReview xmlns="4873beb7-5857-4685-be1f-d57550cc96cc" xsi:nil="true"/>
+    <OutputCachingOn xmlns="4873beb7-5857-4685-be1f-d57550cc96cc">false</OutputCachingOn>
+    <AverageRating xmlns="4873beb7-5857-4685-be1f-d57550cc96cc" xsi:nil="true"/>
+    <APAuthor xmlns="4873beb7-5857-4685-be1f-d57550cc96cc">
+      <UserInfo>
+        <DisplayName>REDMOND\kristaa</DisplayName>
+        <AccountId>136</AccountId>
+        <AccountType/>
+      </UserInfo>
+    </APAuthor>
+    <LocManualTestRequired xmlns="4873beb7-5857-4685-be1f-d57550cc96cc">false</LocManualTestRequired>
+    <TPCommandLine xmlns="4873beb7-5857-4685-be1f-d57550cc96cc" xsi:nil="true"/>
+    <TPAppVersion xmlns="4873beb7-5857-4685-be1f-d57550cc96cc" xsi:nil="true"/>
+    <EditorialStatus xmlns="4873beb7-5857-4685-be1f-d57550cc96cc">Complete</EditorialStatus>
+    <LastModifiedDateTime xmlns="4873beb7-5857-4685-be1f-d57550cc96cc" xsi:nil="true"/>
+    <ScenarioTagsTaxHTField0 xmlns="4873beb7-5857-4685-be1f-d57550cc96cc">
+      <Terms xmlns="http://schemas.microsoft.com/office/infopath/2007/PartnerControls"/>
+    </ScenarioTagsTaxHTField0>
+    <LocProcessedForMarketsLookup xmlns="4873beb7-5857-4685-be1f-d57550cc96cc" xsi:nil="true"/>
+    <TPLaunchHelpLinkType xmlns="4873beb7-5857-4685-be1f-d57550cc96cc">Template</TPLaunchHelpLinkType>
+    <OriginalRelease xmlns="4873beb7-5857-4685-be1f-d57550cc96cc">15</OriginalRelease>
+    <LocalizationTagsTaxHTField0 xmlns="4873beb7-5857-4685-be1f-d57550cc96cc">
+      <Terms xmlns="http://schemas.microsoft.com/office/infopath/2007/PartnerControls"/>
+    </LocalizationTagsTaxHTField0>
+    <UACurrentWords xmlns="4873beb7-5857-4685-be1f-d57550cc96cc" xsi:nil="true"/>
+    <ArtSampleDocs xmlns="4873beb7-5857-4685-be1f-d57550cc96cc" xsi:nil="true"/>
+    <UALocRecommendation xmlns="4873beb7-5857-4685-be1f-d57550cc96cc">Localize</UALocRecommendation>
+    <Manager xmlns="4873beb7-5857-4685-be1f-d57550cc96cc" xsi:nil="true"/>
+    <LocOverallHandbackStatusLookup xmlns="4873beb7-5857-4685-be1f-d57550cc96cc" xsi:nil="true"/>
+    <ShowIn xmlns="4873beb7-5857-4685-be1f-d57550cc96cc">Show everywhere</ShowIn>
+    <UANotes xmlns="4873beb7-5857-4685-be1f-d57550cc96cc" xsi:nil="true"/>
+    <InternalTagsTaxHTField0 xmlns="4873beb7-5857-4685-be1f-d57550cc96cc">
+      <Terms xmlns="http://schemas.microsoft.com/office/infopath/2007/PartnerControls"/>
+    </InternalTagsTaxHTField0>
+    <CSXHash xmlns="4873beb7-5857-4685-be1f-d57550cc96cc" xsi:nil="true"/>
+    <VoteCount xmlns="4873beb7-5857-4685-be1f-d57550cc96cc" xsi:nil="true"/>
+    <AssetExpire xmlns="4873beb7-5857-4685-be1f-d57550cc96cc">2029-05-12T07:00:00+00:00</AssetExpire>
+    <DSATActionTaken xmlns="4873beb7-5857-4685-be1f-d57550cc96cc" xsi:nil="true"/>
+    <CSXSubmissionMarket xmlns="4873beb7-5857-4685-be1f-d57550cc96cc" xsi:nil="true"/>
+    <LocMarketGroupTiers2 xmlns="4873beb7-5857-4685-be1f-d57550cc96cc" xsi:nil="true"/>
+  </documentManagement>
+</p:properties>
+</file>
+
+<file path=customXml/item2.xml><?xml version="1.0" encoding="utf-8"?>
 <ct:contentTypeSchema xmlns:ct="http://schemas.microsoft.com/office/2006/metadata/contentType" xmlns:ma="http://schemas.microsoft.com/office/2006/metadata/properties/metaAttributes" ct:_="" ma:_="" ma:contentTypeName="TemplateFile" ma:contentTypeID="0x0101006EDDDB5EE6D98C44930B742096920B300400F5B6D36B3EF94B4E9A635CDF2A18F5B8" ma:contentTypeVersion="72" ma:contentTypeDescription="Create a new document." ma:contentTypeScope="" ma:versionID="a23e56308344d904b51738559c3d67c9">
   <xsd:schema xmlns:xsd="http://www.w3.org/2001/XMLSchema" xmlns:xs="http://www.w3.org/2001/XMLSchema" xmlns:p="http://schemas.microsoft.com/office/2006/metadata/properties" xmlns:ns2="4873beb7-5857-4685-be1f-d57550cc96cc" targetNamespace="http://schemas.microsoft.com/office/2006/metadata/properties" ma:root="true" ma:fieldsID="cd0908cc4600e77bf5da051303e00c8d" ns2:_="">
     <xsd:import namespace="4873beb7-5857-4685-be1f-d57550cc96cc"/>
@@ -23552,142 +23764,6 @@
 </ct:contentTypeSchema>
 </file>
 
-<file path=customXml/item2.xml><?xml version="1.0" encoding="utf-8"?>
-<p:properties xmlns:p="http://schemas.microsoft.com/office/2006/metadata/properties" xmlns:xsi="http://www.w3.org/2001/XMLSchema-instance" xmlns:pc="http://schemas.microsoft.com/office/infopath/2007/PartnerControls">
-  <documentManagement>
-    <LocPublishedLinkedAssetsLookup xmlns="4873beb7-5857-4685-be1f-d57550cc96cc" xsi:nil="true"/>
-    <ApprovalStatus xmlns="4873beb7-5857-4685-be1f-d57550cc96cc">InProgress</ApprovalStatus>
-    <MarketSpecific xmlns="4873beb7-5857-4685-be1f-d57550cc96cc">false</MarketSpecific>
-    <LocComments xmlns="4873beb7-5857-4685-be1f-d57550cc96cc" xsi:nil="true"/>
-    <LocLastLocAttemptVersionTypeLookup xmlns="4873beb7-5857-4685-be1f-d57550cc96cc" xsi:nil="true"/>
-    <DirectSourceMarket xmlns="4873beb7-5857-4685-be1f-d57550cc96cc" xsi:nil="true"/>
-    <ThumbnailAssetId xmlns="4873beb7-5857-4685-be1f-d57550cc96cc" xsi:nil="true"/>
-    <PrimaryImageGen xmlns="4873beb7-5857-4685-be1f-d57550cc96cc">false</PrimaryImageGen>
-    <LocNewPublishedVersionLookup xmlns="4873beb7-5857-4685-be1f-d57550cc96cc" xsi:nil="true"/>
-    <LegacyData xmlns="4873beb7-5857-4685-be1f-d57550cc96cc" xsi:nil="true"/>
-    <LocRecommendedHandoff xmlns="4873beb7-5857-4685-be1f-d57550cc96cc" xsi:nil="true"/>
-    <BusinessGroup xmlns="4873beb7-5857-4685-be1f-d57550cc96cc" xsi:nil="true"/>
-    <BlockPublish xmlns="4873beb7-5857-4685-be1f-d57550cc96cc">false</BlockPublish>
-    <TPFriendlyName xmlns="4873beb7-5857-4685-be1f-d57550cc96cc" xsi:nil="true"/>
-    <LocOverallPublishStatusLookup xmlns="4873beb7-5857-4685-be1f-d57550cc96cc" xsi:nil="true"/>
-    <NumericId xmlns="4873beb7-5857-4685-be1f-d57550cc96cc" xsi:nil="true"/>
-    <APEditor xmlns="4873beb7-5857-4685-be1f-d57550cc96cc">
-      <UserInfo>
-        <DisplayName/>
-        <AccountId xsi:nil="true"/>
-        <AccountType/>
-      </UserInfo>
-    </APEditor>
-    <SourceTitle xmlns="4873beb7-5857-4685-be1f-d57550cc96cc" xsi:nil="true"/>
-    <OpenTemplate xmlns="4873beb7-5857-4685-be1f-d57550cc96cc">true</OpenTemplate>
-    <LocOverallLocStatusLookup xmlns="4873beb7-5857-4685-be1f-d57550cc96cc" xsi:nil="true"/>
-    <UALocComments xmlns="4873beb7-5857-4685-be1f-d57550cc96cc" xsi:nil="true"/>
-    <ParentAssetId xmlns="4873beb7-5857-4685-be1f-d57550cc96cc" xsi:nil="true"/>
-    <IntlLangReviewDate xmlns="4873beb7-5857-4685-be1f-d57550cc96cc" xsi:nil="true"/>
-    <FeatureTagsTaxHTField0 xmlns="4873beb7-5857-4685-be1f-d57550cc96cc">
-      <Terms xmlns="http://schemas.microsoft.com/office/infopath/2007/PartnerControls"/>
-    </FeatureTagsTaxHTField0>
-    <PublishStatusLookup xmlns="4873beb7-5857-4685-be1f-d57550cc96cc">
-      <Value>1345093</Value>
-    </PublishStatusLookup>
-    <Providers xmlns="4873beb7-5857-4685-be1f-d57550cc96cc" xsi:nil="true"/>
-    <MachineTranslated xmlns="4873beb7-5857-4685-be1f-d57550cc96cc">false</MachineTranslated>
-    <OriginalSourceMarket xmlns="4873beb7-5857-4685-be1f-d57550cc96cc" xsi:nil="true"/>
-    <APDescription xmlns="4873beb7-5857-4685-be1f-d57550cc96cc">This simple template design works for technology and  businesses, but it's versatile enough to use in other contexts.  It features multiple slide layouts designed for widescreen (16x9 resolution) and includes a sample SmartArt list and chart that are easily editable.</APDescription>
-    <ClipArtFilename xmlns="4873beb7-5857-4685-be1f-d57550cc96cc" xsi:nil="true"/>
-    <ContentItem xmlns="4873beb7-5857-4685-be1f-d57550cc96cc" xsi:nil="true"/>
-    <TPInstallLocation xmlns="4873beb7-5857-4685-be1f-d57550cc96cc" xsi:nil="true"/>
-    <PublishTargets xmlns="4873beb7-5857-4685-be1f-d57550cc96cc">OfficeOnlineVNext</PublishTargets>
-    <TimesCloned xmlns="4873beb7-5857-4685-be1f-d57550cc96cc" xsi:nil="true"/>
-    <AssetStart xmlns="4873beb7-5857-4685-be1f-d57550cc96cc">2011-11-26T00:30:00+00:00</AssetStart>
-    <Provider xmlns="4873beb7-5857-4685-be1f-d57550cc96cc" xsi:nil="true"/>
-    <AcquiredFrom xmlns="4873beb7-5857-4685-be1f-d57550cc96cc">Internal MS</AcquiredFrom>
-    <FriendlyTitle xmlns="4873beb7-5857-4685-be1f-d57550cc96cc" xsi:nil="true"/>
-    <LastHandOff xmlns="4873beb7-5857-4685-be1f-d57550cc96cc" xsi:nil="true"/>
-    <TPClientViewer xmlns="4873beb7-5857-4685-be1f-d57550cc96cc" xsi:nil="true"/>
-    <TemplateStatus xmlns="4873beb7-5857-4685-be1f-d57550cc96cc">Complete</TemplateStatus>
-    <Downloads xmlns="4873beb7-5857-4685-be1f-d57550cc96cc">0</Downloads>
-    <OOCacheId xmlns="4873beb7-5857-4685-be1f-d57550cc96cc" xsi:nil="true"/>
-    <IsDeleted xmlns="4873beb7-5857-4685-be1f-d57550cc96cc">false</IsDeleted>
-    <LocPublishedDependentAssetsLookup xmlns="4873beb7-5857-4685-be1f-d57550cc96cc" xsi:nil="true"/>
-    <TPExecutable xmlns="4873beb7-5857-4685-be1f-d57550cc96cc" xsi:nil="true"/>
-    <EditorialTags xmlns="4873beb7-5857-4685-be1f-d57550cc96cc" xsi:nil="true"/>
-    <SubmitterId xmlns="4873beb7-5857-4685-be1f-d57550cc96cc" xsi:nil="true"/>
-    <ApprovalLog xmlns="4873beb7-5857-4685-be1f-d57550cc96cc" xsi:nil="true"/>
-    <AssetType xmlns="4873beb7-5857-4685-be1f-d57550cc96cc">TP</AssetType>
-    <BugNumber xmlns="4873beb7-5857-4685-be1f-d57550cc96cc" xsi:nil="true"/>
-    <CSXSubmissionDate xmlns="4873beb7-5857-4685-be1f-d57550cc96cc" xsi:nil="true"/>
-    <CSXUpdate xmlns="4873beb7-5857-4685-be1f-d57550cc96cc">false</CSXUpdate>
-    <Milestone xmlns="4873beb7-5857-4685-be1f-d57550cc96cc" xsi:nil="true"/>
-    <RecommendationsModifier xmlns="4873beb7-5857-4685-be1f-d57550cc96cc" xsi:nil="true"/>
-    <OriginAsset xmlns="4873beb7-5857-4685-be1f-d57550cc96cc" xsi:nil="true"/>
-    <TPComponent xmlns="4873beb7-5857-4685-be1f-d57550cc96cc" xsi:nil="true"/>
-    <AssetId xmlns="4873beb7-5857-4685-be1f-d57550cc96cc">TP102787989</AssetId>
-    <IntlLocPriority xmlns="4873beb7-5857-4685-be1f-d57550cc96cc" xsi:nil="true"/>
-    <PolicheckWords xmlns="4873beb7-5857-4685-be1f-d57550cc96cc" xsi:nil="true"/>
-    <TPLaunchHelpLink xmlns="4873beb7-5857-4685-be1f-d57550cc96cc" xsi:nil="true"/>
-    <TPApplication xmlns="4873beb7-5857-4685-be1f-d57550cc96cc" xsi:nil="true"/>
-    <CrawlForDependencies xmlns="4873beb7-5857-4685-be1f-d57550cc96cc">false</CrawlForDependencies>
-    <HandoffToMSDN xmlns="4873beb7-5857-4685-be1f-d57550cc96cc" xsi:nil="true"/>
-    <PlannedPubDate xmlns="4873beb7-5857-4685-be1f-d57550cc96cc" xsi:nil="true"/>
-    <IntlLangReviewer xmlns="4873beb7-5857-4685-be1f-d57550cc96cc" xsi:nil="true"/>
-    <TrustLevel xmlns="4873beb7-5857-4685-be1f-d57550cc96cc">1 Microsoft Managed Content</TrustLevel>
-    <LocLastLocAttemptVersionLookup xmlns="4873beb7-5857-4685-be1f-d57550cc96cc">694266</LocLastLocAttemptVersionLookup>
-    <LocProcessedForHandoffsLookup xmlns="4873beb7-5857-4685-be1f-d57550cc96cc" xsi:nil="true"/>
-    <IsSearchable xmlns="4873beb7-5857-4685-be1f-d57550cc96cc">true</IsSearchable>
-    <TemplateTemplateType xmlns="4873beb7-5857-4685-be1f-d57550cc96cc">PowerPoint Presentation Template</TemplateTemplateType>
-    <CampaignTagsTaxHTField0 xmlns="4873beb7-5857-4685-be1f-d57550cc96cc">
-      <Terms xmlns="http://schemas.microsoft.com/office/infopath/2007/PartnerControls"/>
-    </CampaignTagsTaxHTField0>
-    <TPNamespace xmlns="4873beb7-5857-4685-be1f-d57550cc96cc" xsi:nil="true"/>
-    <LocOverallPreviewStatusLookup xmlns="4873beb7-5857-4685-be1f-d57550cc96cc" xsi:nil="true"/>
-    <TaxCatchAll xmlns="4873beb7-5857-4685-be1f-d57550cc96cc"/>
-    <Markets xmlns="4873beb7-5857-4685-be1f-d57550cc96cc"/>
-    <UAProjectedTotalWords xmlns="4873beb7-5857-4685-be1f-d57550cc96cc" xsi:nil="true"/>
-    <IntlLangReview xmlns="4873beb7-5857-4685-be1f-d57550cc96cc" xsi:nil="true"/>
-    <OutputCachingOn xmlns="4873beb7-5857-4685-be1f-d57550cc96cc">false</OutputCachingOn>
-    <AverageRating xmlns="4873beb7-5857-4685-be1f-d57550cc96cc" xsi:nil="true"/>
-    <APAuthor xmlns="4873beb7-5857-4685-be1f-d57550cc96cc">
-      <UserInfo>
-        <DisplayName>REDMOND\kristaa</DisplayName>
-        <AccountId>136</AccountId>
-        <AccountType/>
-      </UserInfo>
-    </APAuthor>
-    <LocManualTestRequired xmlns="4873beb7-5857-4685-be1f-d57550cc96cc">false</LocManualTestRequired>
-    <TPCommandLine xmlns="4873beb7-5857-4685-be1f-d57550cc96cc" xsi:nil="true"/>
-    <TPAppVersion xmlns="4873beb7-5857-4685-be1f-d57550cc96cc" xsi:nil="true"/>
-    <EditorialStatus xmlns="4873beb7-5857-4685-be1f-d57550cc96cc">Complete</EditorialStatus>
-    <LastModifiedDateTime xmlns="4873beb7-5857-4685-be1f-d57550cc96cc" xsi:nil="true"/>
-    <ScenarioTagsTaxHTField0 xmlns="4873beb7-5857-4685-be1f-d57550cc96cc">
-      <Terms xmlns="http://schemas.microsoft.com/office/infopath/2007/PartnerControls"/>
-    </ScenarioTagsTaxHTField0>
-    <LocProcessedForMarketsLookup xmlns="4873beb7-5857-4685-be1f-d57550cc96cc" xsi:nil="true"/>
-    <TPLaunchHelpLinkType xmlns="4873beb7-5857-4685-be1f-d57550cc96cc">Template</TPLaunchHelpLinkType>
-    <OriginalRelease xmlns="4873beb7-5857-4685-be1f-d57550cc96cc">15</OriginalRelease>
-    <LocalizationTagsTaxHTField0 xmlns="4873beb7-5857-4685-be1f-d57550cc96cc">
-      <Terms xmlns="http://schemas.microsoft.com/office/infopath/2007/PartnerControls"/>
-    </LocalizationTagsTaxHTField0>
-    <UACurrentWords xmlns="4873beb7-5857-4685-be1f-d57550cc96cc" xsi:nil="true"/>
-    <ArtSampleDocs xmlns="4873beb7-5857-4685-be1f-d57550cc96cc" xsi:nil="true"/>
-    <UALocRecommendation xmlns="4873beb7-5857-4685-be1f-d57550cc96cc">Localize</UALocRecommendation>
-    <Manager xmlns="4873beb7-5857-4685-be1f-d57550cc96cc" xsi:nil="true"/>
-    <LocOverallHandbackStatusLookup xmlns="4873beb7-5857-4685-be1f-d57550cc96cc" xsi:nil="true"/>
-    <ShowIn xmlns="4873beb7-5857-4685-be1f-d57550cc96cc">Show everywhere</ShowIn>
-    <UANotes xmlns="4873beb7-5857-4685-be1f-d57550cc96cc" xsi:nil="true"/>
-    <InternalTagsTaxHTField0 xmlns="4873beb7-5857-4685-be1f-d57550cc96cc">
-      <Terms xmlns="http://schemas.microsoft.com/office/infopath/2007/PartnerControls"/>
-    </InternalTagsTaxHTField0>
-    <CSXHash xmlns="4873beb7-5857-4685-be1f-d57550cc96cc" xsi:nil="true"/>
-    <VoteCount xmlns="4873beb7-5857-4685-be1f-d57550cc96cc" xsi:nil="true"/>
-    <AssetExpire xmlns="4873beb7-5857-4685-be1f-d57550cc96cc">2029-05-12T07:00:00+00:00</AssetExpire>
-    <DSATActionTaken xmlns="4873beb7-5857-4685-be1f-d57550cc96cc" xsi:nil="true"/>
-    <CSXSubmissionMarket xmlns="4873beb7-5857-4685-be1f-d57550cc96cc" xsi:nil="true"/>
-    <LocMarketGroupTiers2 xmlns="4873beb7-5857-4685-be1f-d57550cc96cc" xsi:nil="true"/>
-  </documentManagement>
-</p:properties>
-</file>
-
 <file path=customXml/item3.xml><?xml version="1.0" encoding="utf-8"?>
 <?mso-contentType ?>
 <FormTemplates xmlns="http://schemas.microsoft.com/sharepoint/v3/contenttype/forms">
@@ -23698,6 +23774,22 @@
 </file>
 
 <file path=customXml/itemProps1.xml><?xml version="1.0" encoding="utf-8"?>
+<ds:datastoreItem xmlns:ds="http://schemas.openxmlformats.org/officeDocument/2006/customXml" ds:itemID="{60C67BEE-D13F-4BD2-98A5-34D8A0977F68}">
+  <ds:schemaRefs>
+    <ds:schemaRef ds:uri="http://purl.org/dc/elements/1.1/"/>
+    <ds:schemaRef ds:uri="http://www.w3.org/XML/1998/namespace"/>
+    <ds:schemaRef ds:uri="http://schemas.microsoft.com/office/2006/metadata/properties"/>
+    <ds:schemaRef ds:uri="http://purl.org/dc/terms/"/>
+    <ds:schemaRef ds:uri="http://purl.org/dc/dcmitype/"/>
+    <ds:schemaRef ds:uri="http://schemas.microsoft.com/office/2006/documentManagement/types"/>
+    <ds:schemaRef ds:uri="http://schemas.openxmlformats.org/package/2006/metadata/core-properties"/>
+    <ds:schemaRef ds:uri="http://schemas.microsoft.com/office/infopath/2007/PartnerControls"/>
+    <ds:schemaRef ds:uri="4873beb7-5857-4685-be1f-d57550cc96cc"/>
+  </ds:schemaRefs>
+</ds:datastoreItem>
+</file>
+
+<file path=customXml/itemProps2.xml><?xml version="1.0" encoding="utf-8"?>
 <ds:datastoreItem xmlns:ds="http://schemas.openxmlformats.org/officeDocument/2006/customXml" ds:itemID="{A09BF4D4-EF60-4196-BFC3-9462D607978C}">
   <ds:schemaRefs>
     <ds:schemaRef ds:uri="http://schemas.microsoft.com/office/2006/metadata/contentType"/>
@@ -23715,22 +23807,6 @@
 </ds:datastoreItem>
 </file>
 
-<file path=customXml/itemProps2.xml><?xml version="1.0" encoding="utf-8"?>
-<ds:datastoreItem xmlns:ds="http://schemas.openxmlformats.org/officeDocument/2006/customXml" ds:itemID="{60C67BEE-D13F-4BD2-98A5-34D8A0977F68}">
-  <ds:schemaRefs>
-    <ds:schemaRef ds:uri="http://purl.org/dc/elements/1.1/"/>
-    <ds:schemaRef ds:uri="http://www.w3.org/XML/1998/namespace"/>
-    <ds:schemaRef ds:uri="http://schemas.microsoft.com/office/2006/metadata/properties"/>
-    <ds:schemaRef ds:uri="http://purl.org/dc/terms/"/>
-    <ds:schemaRef ds:uri="http://purl.org/dc/dcmitype/"/>
-    <ds:schemaRef ds:uri="http://schemas.microsoft.com/office/2006/documentManagement/types"/>
-    <ds:schemaRef ds:uri="http://schemas.openxmlformats.org/package/2006/metadata/core-properties"/>
-    <ds:schemaRef ds:uri="http://schemas.microsoft.com/office/infopath/2007/PartnerControls"/>
-    <ds:schemaRef ds:uri="4873beb7-5857-4685-be1f-d57550cc96cc"/>
-  </ds:schemaRefs>
-</ds:datastoreItem>
-</file>
-
 <file path=customXml/itemProps3.xml><?xml version="1.0" encoding="utf-8"?>
 <ds:datastoreItem xmlns:ds="http://schemas.openxmlformats.org/officeDocument/2006/customXml" ds:itemID="{3836F65B-1B07-41EE-A0E8-BC6EF3855225}">
   <ds:schemaRefs>

--- a/2019.12.20_esp32-cam/ESP32-CAM-AI影像辨識應用.pptx
+++ b/2019.12.20_esp32-cam/ESP32-CAM-AI影像辨識應用.pptx
@@ -12745,12 +12745,12 @@
         <p:spPr>
           <a:xfrm>
             <a:off x="1485900" y="1268760"/>
-            <a:ext cx="9145016" cy="5688632"/>
+            <a:ext cx="9433048" cy="5688632"/>
           </a:xfrm>
         </p:spPr>
         <p:txBody>
           <a:bodyPr rtlCol="0">
-            <a:normAutofit/>
+            <a:normAutofit lnSpcReduction="10000"/>
           </a:bodyPr>
           <a:lstStyle/>
           <a:p>
@@ -12787,8 +12787,45 @@
                   <a:srgbClr val="FFC000"/>
                 </a:solidFill>
               </a:rPr>
-              <a:t>或匯入圖片訓練辨識 </a:t>
-            </a:r>
+              <a:t>或匯入圖片訓練</a:t>
+            </a:r>
+            <a:r>
+              <a:rPr lang="zh-TW" altLang="en-US" dirty="0" smtClean="0">
+                <a:solidFill>
+                  <a:srgbClr val="FFC000"/>
+                </a:solidFill>
+              </a:rPr>
+              <a:t>辨識</a:t>
+            </a:r>
+            <a:r>
+              <a:rPr lang="en-US" altLang="zh-TW" dirty="0" smtClean="0">
+                <a:solidFill>
+                  <a:srgbClr val="FFC000"/>
+                </a:solidFill>
+              </a:rPr>
+              <a:t>(</a:t>
+            </a:r>
+            <a:r>
+              <a:rPr lang="zh-TW" altLang="en-US" dirty="0" smtClean="0">
+                <a:solidFill>
+                  <a:srgbClr val="FFC000"/>
+                </a:solidFill>
+              </a:rPr>
+              <a:t>可訓練辨識數字</a:t>
+            </a:r>
+            <a:r>
+              <a:rPr lang="en-US" altLang="zh-TW" dirty="0" smtClean="0">
+                <a:solidFill>
+                  <a:srgbClr val="FFC000"/>
+                </a:solidFill>
+              </a:rPr>
+              <a:t>)</a:t>
+            </a:r>
+          </a:p>
+          <a:p>
+            <a:pPr marL="0" indent="0">
+              <a:buNone/>
+            </a:pPr>
             <a:r>
               <a:rPr lang="en-US" altLang="zh-TW" dirty="0" smtClean="0">
                 <a:hlinkClick r:id="rId3"/>
@@ -20203,31 +20240,7 @@
                   <a:srgbClr val="92D050"/>
                 </a:solidFill>
               </a:rPr>
-              <a:t>指令與</a:t>
-            </a:r>
-            <a:r>
-              <a:rPr lang="zh-TW" altLang="en-US" sz="3600" dirty="0" smtClean="0">
-                <a:solidFill>
-                  <a:srgbClr val="92D050"/>
-                </a:solidFill>
-              </a:rPr>
-              <a:t>人</a:t>
-            </a:r>
-            <a:r>
-              <a:rPr lang="zh-TW" altLang="en-US" sz="3600" dirty="0" smtClean="0">
-                <a:solidFill>
-                  <a:srgbClr val="92D050"/>
-                </a:solidFill>
-              </a:rPr>
-              <a:t>臉</a:t>
-            </a:r>
-            <a:r>
-              <a:rPr lang="zh-TW" altLang="en-US" sz="3600" dirty="0" smtClean="0">
-                <a:solidFill>
-                  <a:srgbClr val="92D050"/>
-                </a:solidFill>
-              </a:rPr>
-              <a:t>辨識實作</a:t>
+              <a:t>指令與人臉辨識實作</a:t>
             </a:r>
             <a:endParaRPr lang="en-US" altLang="zh-TW" sz="3600" dirty="0" smtClean="0">
               <a:solidFill>
@@ -22589,142 +22602,6 @@
 </file>
 
 <file path=customXml/item1.xml><?xml version="1.0" encoding="utf-8"?>
-<p:properties xmlns:p="http://schemas.microsoft.com/office/2006/metadata/properties" xmlns:xsi="http://www.w3.org/2001/XMLSchema-instance" xmlns:pc="http://schemas.microsoft.com/office/infopath/2007/PartnerControls">
-  <documentManagement>
-    <LocPublishedLinkedAssetsLookup xmlns="4873beb7-5857-4685-be1f-d57550cc96cc" xsi:nil="true"/>
-    <ApprovalStatus xmlns="4873beb7-5857-4685-be1f-d57550cc96cc">InProgress</ApprovalStatus>
-    <MarketSpecific xmlns="4873beb7-5857-4685-be1f-d57550cc96cc">false</MarketSpecific>
-    <LocComments xmlns="4873beb7-5857-4685-be1f-d57550cc96cc" xsi:nil="true"/>
-    <LocLastLocAttemptVersionTypeLookup xmlns="4873beb7-5857-4685-be1f-d57550cc96cc" xsi:nil="true"/>
-    <DirectSourceMarket xmlns="4873beb7-5857-4685-be1f-d57550cc96cc" xsi:nil="true"/>
-    <ThumbnailAssetId xmlns="4873beb7-5857-4685-be1f-d57550cc96cc" xsi:nil="true"/>
-    <PrimaryImageGen xmlns="4873beb7-5857-4685-be1f-d57550cc96cc">false</PrimaryImageGen>
-    <LocNewPublishedVersionLookup xmlns="4873beb7-5857-4685-be1f-d57550cc96cc" xsi:nil="true"/>
-    <LegacyData xmlns="4873beb7-5857-4685-be1f-d57550cc96cc" xsi:nil="true"/>
-    <LocRecommendedHandoff xmlns="4873beb7-5857-4685-be1f-d57550cc96cc" xsi:nil="true"/>
-    <BusinessGroup xmlns="4873beb7-5857-4685-be1f-d57550cc96cc" xsi:nil="true"/>
-    <BlockPublish xmlns="4873beb7-5857-4685-be1f-d57550cc96cc">false</BlockPublish>
-    <TPFriendlyName xmlns="4873beb7-5857-4685-be1f-d57550cc96cc" xsi:nil="true"/>
-    <LocOverallPublishStatusLookup xmlns="4873beb7-5857-4685-be1f-d57550cc96cc" xsi:nil="true"/>
-    <NumericId xmlns="4873beb7-5857-4685-be1f-d57550cc96cc" xsi:nil="true"/>
-    <APEditor xmlns="4873beb7-5857-4685-be1f-d57550cc96cc">
-      <UserInfo>
-        <DisplayName/>
-        <AccountId xsi:nil="true"/>
-        <AccountType/>
-      </UserInfo>
-    </APEditor>
-    <SourceTitle xmlns="4873beb7-5857-4685-be1f-d57550cc96cc" xsi:nil="true"/>
-    <OpenTemplate xmlns="4873beb7-5857-4685-be1f-d57550cc96cc">true</OpenTemplate>
-    <LocOverallLocStatusLookup xmlns="4873beb7-5857-4685-be1f-d57550cc96cc" xsi:nil="true"/>
-    <UALocComments xmlns="4873beb7-5857-4685-be1f-d57550cc96cc" xsi:nil="true"/>
-    <ParentAssetId xmlns="4873beb7-5857-4685-be1f-d57550cc96cc" xsi:nil="true"/>
-    <IntlLangReviewDate xmlns="4873beb7-5857-4685-be1f-d57550cc96cc" xsi:nil="true"/>
-    <FeatureTagsTaxHTField0 xmlns="4873beb7-5857-4685-be1f-d57550cc96cc">
-      <Terms xmlns="http://schemas.microsoft.com/office/infopath/2007/PartnerControls"/>
-    </FeatureTagsTaxHTField0>
-    <PublishStatusLookup xmlns="4873beb7-5857-4685-be1f-d57550cc96cc">
-      <Value>1345093</Value>
-    </PublishStatusLookup>
-    <Providers xmlns="4873beb7-5857-4685-be1f-d57550cc96cc" xsi:nil="true"/>
-    <MachineTranslated xmlns="4873beb7-5857-4685-be1f-d57550cc96cc">false</MachineTranslated>
-    <OriginalSourceMarket xmlns="4873beb7-5857-4685-be1f-d57550cc96cc" xsi:nil="true"/>
-    <APDescription xmlns="4873beb7-5857-4685-be1f-d57550cc96cc">This simple template design works for technology and  businesses, but it's versatile enough to use in other contexts.  It features multiple slide layouts designed for widescreen (16x9 resolution) and includes a sample SmartArt list and chart that are easily editable.</APDescription>
-    <ClipArtFilename xmlns="4873beb7-5857-4685-be1f-d57550cc96cc" xsi:nil="true"/>
-    <ContentItem xmlns="4873beb7-5857-4685-be1f-d57550cc96cc" xsi:nil="true"/>
-    <TPInstallLocation xmlns="4873beb7-5857-4685-be1f-d57550cc96cc" xsi:nil="true"/>
-    <PublishTargets xmlns="4873beb7-5857-4685-be1f-d57550cc96cc">OfficeOnlineVNext</PublishTargets>
-    <TimesCloned xmlns="4873beb7-5857-4685-be1f-d57550cc96cc" xsi:nil="true"/>
-    <AssetStart xmlns="4873beb7-5857-4685-be1f-d57550cc96cc">2011-11-26T00:30:00+00:00</AssetStart>
-    <Provider xmlns="4873beb7-5857-4685-be1f-d57550cc96cc" xsi:nil="true"/>
-    <AcquiredFrom xmlns="4873beb7-5857-4685-be1f-d57550cc96cc">Internal MS</AcquiredFrom>
-    <FriendlyTitle xmlns="4873beb7-5857-4685-be1f-d57550cc96cc" xsi:nil="true"/>
-    <LastHandOff xmlns="4873beb7-5857-4685-be1f-d57550cc96cc" xsi:nil="true"/>
-    <TPClientViewer xmlns="4873beb7-5857-4685-be1f-d57550cc96cc" xsi:nil="true"/>
-    <TemplateStatus xmlns="4873beb7-5857-4685-be1f-d57550cc96cc">Complete</TemplateStatus>
-    <Downloads xmlns="4873beb7-5857-4685-be1f-d57550cc96cc">0</Downloads>
-    <OOCacheId xmlns="4873beb7-5857-4685-be1f-d57550cc96cc" xsi:nil="true"/>
-    <IsDeleted xmlns="4873beb7-5857-4685-be1f-d57550cc96cc">false</IsDeleted>
-    <LocPublishedDependentAssetsLookup xmlns="4873beb7-5857-4685-be1f-d57550cc96cc" xsi:nil="true"/>
-    <TPExecutable xmlns="4873beb7-5857-4685-be1f-d57550cc96cc" xsi:nil="true"/>
-    <EditorialTags xmlns="4873beb7-5857-4685-be1f-d57550cc96cc" xsi:nil="true"/>
-    <SubmitterId xmlns="4873beb7-5857-4685-be1f-d57550cc96cc" xsi:nil="true"/>
-    <ApprovalLog xmlns="4873beb7-5857-4685-be1f-d57550cc96cc" xsi:nil="true"/>
-    <AssetType xmlns="4873beb7-5857-4685-be1f-d57550cc96cc">TP</AssetType>
-    <BugNumber xmlns="4873beb7-5857-4685-be1f-d57550cc96cc" xsi:nil="true"/>
-    <CSXSubmissionDate xmlns="4873beb7-5857-4685-be1f-d57550cc96cc" xsi:nil="true"/>
-    <CSXUpdate xmlns="4873beb7-5857-4685-be1f-d57550cc96cc">false</CSXUpdate>
-    <Milestone xmlns="4873beb7-5857-4685-be1f-d57550cc96cc" xsi:nil="true"/>
-    <RecommendationsModifier xmlns="4873beb7-5857-4685-be1f-d57550cc96cc" xsi:nil="true"/>
-    <OriginAsset xmlns="4873beb7-5857-4685-be1f-d57550cc96cc" xsi:nil="true"/>
-    <TPComponent xmlns="4873beb7-5857-4685-be1f-d57550cc96cc" xsi:nil="true"/>
-    <AssetId xmlns="4873beb7-5857-4685-be1f-d57550cc96cc">TP102787989</AssetId>
-    <IntlLocPriority xmlns="4873beb7-5857-4685-be1f-d57550cc96cc" xsi:nil="true"/>
-    <PolicheckWords xmlns="4873beb7-5857-4685-be1f-d57550cc96cc" xsi:nil="true"/>
-    <TPLaunchHelpLink xmlns="4873beb7-5857-4685-be1f-d57550cc96cc" xsi:nil="true"/>
-    <TPApplication xmlns="4873beb7-5857-4685-be1f-d57550cc96cc" xsi:nil="true"/>
-    <CrawlForDependencies xmlns="4873beb7-5857-4685-be1f-d57550cc96cc">false</CrawlForDependencies>
-    <HandoffToMSDN xmlns="4873beb7-5857-4685-be1f-d57550cc96cc" xsi:nil="true"/>
-    <PlannedPubDate xmlns="4873beb7-5857-4685-be1f-d57550cc96cc" xsi:nil="true"/>
-    <IntlLangReviewer xmlns="4873beb7-5857-4685-be1f-d57550cc96cc" xsi:nil="true"/>
-    <TrustLevel xmlns="4873beb7-5857-4685-be1f-d57550cc96cc">1 Microsoft Managed Content</TrustLevel>
-    <LocLastLocAttemptVersionLookup xmlns="4873beb7-5857-4685-be1f-d57550cc96cc">694266</LocLastLocAttemptVersionLookup>
-    <LocProcessedForHandoffsLookup xmlns="4873beb7-5857-4685-be1f-d57550cc96cc" xsi:nil="true"/>
-    <IsSearchable xmlns="4873beb7-5857-4685-be1f-d57550cc96cc">true</IsSearchable>
-    <TemplateTemplateType xmlns="4873beb7-5857-4685-be1f-d57550cc96cc">PowerPoint Presentation Template</TemplateTemplateType>
-    <CampaignTagsTaxHTField0 xmlns="4873beb7-5857-4685-be1f-d57550cc96cc">
-      <Terms xmlns="http://schemas.microsoft.com/office/infopath/2007/PartnerControls"/>
-    </CampaignTagsTaxHTField0>
-    <TPNamespace xmlns="4873beb7-5857-4685-be1f-d57550cc96cc" xsi:nil="true"/>
-    <LocOverallPreviewStatusLookup xmlns="4873beb7-5857-4685-be1f-d57550cc96cc" xsi:nil="true"/>
-    <TaxCatchAll xmlns="4873beb7-5857-4685-be1f-d57550cc96cc"/>
-    <Markets xmlns="4873beb7-5857-4685-be1f-d57550cc96cc"/>
-    <UAProjectedTotalWords xmlns="4873beb7-5857-4685-be1f-d57550cc96cc" xsi:nil="true"/>
-    <IntlLangReview xmlns="4873beb7-5857-4685-be1f-d57550cc96cc" xsi:nil="true"/>
-    <OutputCachingOn xmlns="4873beb7-5857-4685-be1f-d57550cc96cc">false</OutputCachingOn>
-    <AverageRating xmlns="4873beb7-5857-4685-be1f-d57550cc96cc" xsi:nil="true"/>
-    <APAuthor xmlns="4873beb7-5857-4685-be1f-d57550cc96cc">
-      <UserInfo>
-        <DisplayName>REDMOND\kristaa</DisplayName>
-        <AccountId>136</AccountId>
-        <AccountType/>
-      </UserInfo>
-    </APAuthor>
-    <LocManualTestRequired xmlns="4873beb7-5857-4685-be1f-d57550cc96cc">false</LocManualTestRequired>
-    <TPCommandLine xmlns="4873beb7-5857-4685-be1f-d57550cc96cc" xsi:nil="true"/>
-    <TPAppVersion xmlns="4873beb7-5857-4685-be1f-d57550cc96cc" xsi:nil="true"/>
-    <EditorialStatus xmlns="4873beb7-5857-4685-be1f-d57550cc96cc">Complete</EditorialStatus>
-    <LastModifiedDateTime xmlns="4873beb7-5857-4685-be1f-d57550cc96cc" xsi:nil="true"/>
-    <ScenarioTagsTaxHTField0 xmlns="4873beb7-5857-4685-be1f-d57550cc96cc">
-      <Terms xmlns="http://schemas.microsoft.com/office/infopath/2007/PartnerControls"/>
-    </ScenarioTagsTaxHTField0>
-    <LocProcessedForMarketsLookup xmlns="4873beb7-5857-4685-be1f-d57550cc96cc" xsi:nil="true"/>
-    <TPLaunchHelpLinkType xmlns="4873beb7-5857-4685-be1f-d57550cc96cc">Template</TPLaunchHelpLinkType>
-    <OriginalRelease xmlns="4873beb7-5857-4685-be1f-d57550cc96cc">15</OriginalRelease>
-    <LocalizationTagsTaxHTField0 xmlns="4873beb7-5857-4685-be1f-d57550cc96cc">
-      <Terms xmlns="http://schemas.microsoft.com/office/infopath/2007/PartnerControls"/>
-    </LocalizationTagsTaxHTField0>
-    <UACurrentWords xmlns="4873beb7-5857-4685-be1f-d57550cc96cc" xsi:nil="true"/>
-    <ArtSampleDocs xmlns="4873beb7-5857-4685-be1f-d57550cc96cc" xsi:nil="true"/>
-    <UALocRecommendation xmlns="4873beb7-5857-4685-be1f-d57550cc96cc">Localize</UALocRecommendation>
-    <Manager xmlns="4873beb7-5857-4685-be1f-d57550cc96cc" xsi:nil="true"/>
-    <LocOverallHandbackStatusLookup xmlns="4873beb7-5857-4685-be1f-d57550cc96cc" xsi:nil="true"/>
-    <ShowIn xmlns="4873beb7-5857-4685-be1f-d57550cc96cc">Show everywhere</ShowIn>
-    <UANotes xmlns="4873beb7-5857-4685-be1f-d57550cc96cc" xsi:nil="true"/>
-    <InternalTagsTaxHTField0 xmlns="4873beb7-5857-4685-be1f-d57550cc96cc">
-      <Terms xmlns="http://schemas.microsoft.com/office/infopath/2007/PartnerControls"/>
-    </InternalTagsTaxHTField0>
-    <CSXHash xmlns="4873beb7-5857-4685-be1f-d57550cc96cc" xsi:nil="true"/>
-    <VoteCount xmlns="4873beb7-5857-4685-be1f-d57550cc96cc" xsi:nil="true"/>
-    <AssetExpire xmlns="4873beb7-5857-4685-be1f-d57550cc96cc">2029-05-12T07:00:00+00:00</AssetExpire>
-    <DSATActionTaken xmlns="4873beb7-5857-4685-be1f-d57550cc96cc" xsi:nil="true"/>
-    <CSXSubmissionMarket xmlns="4873beb7-5857-4685-be1f-d57550cc96cc" xsi:nil="true"/>
-    <LocMarketGroupTiers2 xmlns="4873beb7-5857-4685-be1f-d57550cc96cc" xsi:nil="true"/>
-  </documentManagement>
-</p:properties>
-</file>
-
-<file path=customXml/item2.xml><?xml version="1.0" encoding="utf-8"?>
 <ct:contentTypeSchema xmlns:ct="http://schemas.microsoft.com/office/2006/metadata/contentType" xmlns:ma="http://schemas.microsoft.com/office/2006/metadata/properties/metaAttributes" ct:_="" ma:_="" ma:contentTypeName="TemplateFile" ma:contentTypeID="0x0101006EDDDB5EE6D98C44930B742096920B300400F5B6D36B3EF94B4E9A635CDF2A18F5B8" ma:contentTypeVersion="72" ma:contentTypeDescription="Create a new document." ma:contentTypeScope="" ma:versionID="a23e56308344d904b51738559c3d67c9">
   <xsd:schema xmlns:xsd="http://www.w3.org/2001/XMLSchema" xmlns:xs="http://www.w3.org/2001/XMLSchema" xmlns:p="http://schemas.microsoft.com/office/2006/metadata/properties" xmlns:ns2="4873beb7-5857-4685-be1f-d57550cc96cc" targetNamespace="http://schemas.microsoft.com/office/2006/metadata/properties" ma:root="true" ma:fieldsID="cd0908cc4600e77bf5da051303e00c8d" ns2:_="">
     <xsd:import namespace="4873beb7-5857-4685-be1f-d57550cc96cc"/>
@@ -23764,6 +23641,142 @@
 </ct:contentTypeSchema>
 </file>
 
+<file path=customXml/item2.xml><?xml version="1.0" encoding="utf-8"?>
+<p:properties xmlns:p="http://schemas.microsoft.com/office/2006/metadata/properties" xmlns:xsi="http://www.w3.org/2001/XMLSchema-instance" xmlns:pc="http://schemas.microsoft.com/office/infopath/2007/PartnerControls">
+  <documentManagement>
+    <LocPublishedLinkedAssetsLookup xmlns="4873beb7-5857-4685-be1f-d57550cc96cc" xsi:nil="true"/>
+    <ApprovalStatus xmlns="4873beb7-5857-4685-be1f-d57550cc96cc">InProgress</ApprovalStatus>
+    <MarketSpecific xmlns="4873beb7-5857-4685-be1f-d57550cc96cc">false</MarketSpecific>
+    <LocComments xmlns="4873beb7-5857-4685-be1f-d57550cc96cc" xsi:nil="true"/>
+    <LocLastLocAttemptVersionTypeLookup xmlns="4873beb7-5857-4685-be1f-d57550cc96cc" xsi:nil="true"/>
+    <DirectSourceMarket xmlns="4873beb7-5857-4685-be1f-d57550cc96cc" xsi:nil="true"/>
+    <ThumbnailAssetId xmlns="4873beb7-5857-4685-be1f-d57550cc96cc" xsi:nil="true"/>
+    <PrimaryImageGen xmlns="4873beb7-5857-4685-be1f-d57550cc96cc">false</PrimaryImageGen>
+    <LocNewPublishedVersionLookup xmlns="4873beb7-5857-4685-be1f-d57550cc96cc" xsi:nil="true"/>
+    <LegacyData xmlns="4873beb7-5857-4685-be1f-d57550cc96cc" xsi:nil="true"/>
+    <LocRecommendedHandoff xmlns="4873beb7-5857-4685-be1f-d57550cc96cc" xsi:nil="true"/>
+    <BusinessGroup xmlns="4873beb7-5857-4685-be1f-d57550cc96cc" xsi:nil="true"/>
+    <BlockPublish xmlns="4873beb7-5857-4685-be1f-d57550cc96cc">false</BlockPublish>
+    <TPFriendlyName xmlns="4873beb7-5857-4685-be1f-d57550cc96cc" xsi:nil="true"/>
+    <LocOverallPublishStatusLookup xmlns="4873beb7-5857-4685-be1f-d57550cc96cc" xsi:nil="true"/>
+    <NumericId xmlns="4873beb7-5857-4685-be1f-d57550cc96cc" xsi:nil="true"/>
+    <APEditor xmlns="4873beb7-5857-4685-be1f-d57550cc96cc">
+      <UserInfo>
+        <DisplayName/>
+        <AccountId xsi:nil="true"/>
+        <AccountType/>
+      </UserInfo>
+    </APEditor>
+    <SourceTitle xmlns="4873beb7-5857-4685-be1f-d57550cc96cc" xsi:nil="true"/>
+    <OpenTemplate xmlns="4873beb7-5857-4685-be1f-d57550cc96cc">true</OpenTemplate>
+    <LocOverallLocStatusLookup xmlns="4873beb7-5857-4685-be1f-d57550cc96cc" xsi:nil="true"/>
+    <UALocComments xmlns="4873beb7-5857-4685-be1f-d57550cc96cc" xsi:nil="true"/>
+    <ParentAssetId xmlns="4873beb7-5857-4685-be1f-d57550cc96cc" xsi:nil="true"/>
+    <IntlLangReviewDate xmlns="4873beb7-5857-4685-be1f-d57550cc96cc" xsi:nil="true"/>
+    <FeatureTagsTaxHTField0 xmlns="4873beb7-5857-4685-be1f-d57550cc96cc">
+      <Terms xmlns="http://schemas.microsoft.com/office/infopath/2007/PartnerControls"/>
+    </FeatureTagsTaxHTField0>
+    <PublishStatusLookup xmlns="4873beb7-5857-4685-be1f-d57550cc96cc">
+      <Value>1345093</Value>
+    </PublishStatusLookup>
+    <Providers xmlns="4873beb7-5857-4685-be1f-d57550cc96cc" xsi:nil="true"/>
+    <MachineTranslated xmlns="4873beb7-5857-4685-be1f-d57550cc96cc">false</MachineTranslated>
+    <OriginalSourceMarket xmlns="4873beb7-5857-4685-be1f-d57550cc96cc" xsi:nil="true"/>
+    <APDescription xmlns="4873beb7-5857-4685-be1f-d57550cc96cc">This simple template design works for technology and  businesses, but it's versatile enough to use in other contexts.  It features multiple slide layouts designed for widescreen (16x9 resolution) and includes a sample SmartArt list and chart that are easily editable.</APDescription>
+    <ClipArtFilename xmlns="4873beb7-5857-4685-be1f-d57550cc96cc" xsi:nil="true"/>
+    <ContentItem xmlns="4873beb7-5857-4685-be1f-d57550cc96cc" xsi:nil="true"/>
+    <TPInstallLocation xmlns="4873beb7-5857-4685-be1f-d57550cc96cc" xsi:nil="true"/>
+    <PublishTargets xmlns="4873beb7-5857-4685-be1f-d57550cc96cc">OfficeOnlineVNext</PublishTargets>
+    <TimesCloned xmlns="4873beb7-5857-4685-be1f-d57550cc96cc" xsi:nil="true"/>
+    <AssetStart xmlns="4873beb7-5857-4685-be1f-d57550cc96cc">2011-11-26T00:30:00+00:00</AssetStart>
+    <Provider xmlns="4873beb7-5857-4685-be1f-d57550cc96cc" xsi:nil="true"/>
+    <AcquiredFrom xmlns="4873beb7-5857-4685-be1f-d57550cc96cc">Internal MS</AcquiredFrom>
+    <FriendlyTitle xmlns="4873beb7-5857-4685-be1f-d57550cc96cc" xsi:nil="true"/>
+    <LastHandOff xmlns="4873beb7-5857-4685-be1f-d57550cc96cc" xsi:nil="true"/>
+    <TPClientViewer xmlns="4873beb7-5857-4685-be1f-d57550cc96cc" xsi:nil="true"/>
+    <TemplateStatus xmlns="4873beb7-5857-4685-be1f-d57550cc96cc">Complete</TemplateStatus>
+    <Downloads xmlns="4873beb7-5857-4685-be1f-d57550cc96cc">0</Downloads>
+    <OOCacheId xmlns="4873beb7-5857-4685-be1f-d57550cc96cc" xsi:nil="true"/>
+    <IsDeleted xmlns="4873beb7-5857-4685-be1f-d57550cc96cc">false</IsDeleted>
+    <LocPublishedDependentAssetsLookup xmlns="4873beb7-5857-4685-be1f-d57550cc96cc" xsi:nil="true"/>
+    <TPExecutable xmlns="4873beb7-5857-4685-be1f-d57550cc96cc" xsi:nil="true"/>
+    <EditorialTags xmlns="4873beb7-5857-4685-be1f-d57550cc96cc" xsi:nil="true"/>
+    <SubmitterId xmlns="4873beb7-5857-4685-be1f-d57550cc96cc" xsi:nil="true"/>
+    <ApprovalLog xmlns="4873beb7-5857-4685-be1f-d57550cc96cc" xsi:nil="true"/>
+    <AssetType xmlns="4873beb7-5857-4685-be1f-d57550cc96cc">TP</AssetType>
+    <BugNumber xmlns="4873beb7-5857-4685-be1f-d57550cc96cc" xsi:nil="true"/>
+    <CSXSubmissionDate xmlns="4873beb7-5857-4685-be1f-d57550cc96cc" xsi:nil="true"/>
+    <CSXUpdate xmlns="4873beb7-5857-4685-be1f-d57550cc96cc">false</CSXUpdate>
+    <Milestone xmlns="4873beb7-5857-4685-be1f-d57550cc96cc" xsi:nil="true"/>
+    <RecommendationsModifier xmlns="4873beb7-5857-4685-be1f-d57550cc96cc" xsi:nil="true"/>
+    <OriginAsset xmlns="4873beb7-5857-4685-be1f-d57550cc96cc" xsi:nil="true"/>
+    <TPComponent xmlns="4873beb7-5857-4685-be1f-d57550cc96cc" xsi:nil="true"/>
+    <AssetId xmlns="4873beb7-5857-4685-be1f-d57550cc96cc">TP102787989</AssetId>
+    <IntlLocPriority xmlns="4873beb7-5857-4685-be1f-d57550cc96cc" xsi:nil="true"/>
+    <PolicheckWords xmlns="4873beb7-5857-4685-be1f-d57550cc96cc" xsi:nil="true"/>
+    <TPLaunchHelpLink xmlns="4873beb7-5857-4685-be1f-d57550cc96cc" xsi:nil="true"/>
+    <TPApplication xmlns="4873beb7-5857-4685-be1f-d57550cc96cc" xsi:nil="true"/>
+    <CrawlForDependencies xmlns="4873beb7-5857-4685-be1f-d57550cc96cc">false</CrawlForDependencies>
+    <HandoffToMSDN xmlns="4873beb7-5857-4685-be1f-d57550cc96cc" xsi:nil="true"/>
+    <PlannedPubDate xmlns="4873beb7-5857-4685-be1f-d57550cc96cc" xsi:nil="true"/>
+    <IntlLangReviewer xmlns="4873beb7-5857-4685-be1f-d57550cc96cc" xsi:nil="true"/>
+    <TrustLevel xmlns="4873beb7-5857-4685-be1f-d57550cc96cc">1 Microsoft Managed Content</TrustLevel>
+    <LocLastLocAttemptVersionLookup xmlns="4873beb7-5857-4685-be1f-d57550cc96cc">694266</LocLastLocAttemptVersionLookup>
+    <LocProcessedForHandoffsLookup xmlns="4873beb7-5857-4685-be1f-d57550cc96cc" xsi:nil="true"/>
+    <IsSearchable xmlns="4873beb7-5857-4685-be1f-d57550cc96cc">true</IsSearchable>
+    <TemplateTemplateType xmlns="4873beb7-5857-4685-be1f-d57550cc96cc">PowerPoint Presentation Template</TemplateTemplateType>
+    <CampaignTagsTaxHTField0 xmlns="4873beb7-5857-4685-be1f-d57550cc96cc">
+      <Terms xmlns="http://schemas.microsoft.com/office/infopath/2007/PartnerControls"/>
+    </CampaignTagsTaxHTField0>
+    <TPNamespace xmlns="4873beb7-5857-4685-be1f-d57550cc96cc" xsi:nil="true"/>
+    <LocOverallPreviewStatusLookup xmlns="4873beb7-5857-4685-be1f-d57550cc96cc" xsi:nil="true"/>
+    <TaxCatchAll xmlns="4873beb7-5857-4685-be1f-d57550cc96cc"/>
+    <Markets xmlns="4873beb7-5857-4685-be1f-d57550cc96cc"/>
+    <UAProjectedTotalWords xmlns="4873beb7-5857-4685-be1f-d57550cc96cc" xsi:nil="true"/>
+    <IntlLangReview xmlns="4873beb7-5857-4685-be1f-d57550cc96cc" xsi:nil="true"/>
+    <OutputCachingOn xmlns="4873beb7-5857-4685-be1f-d57550cc96cc">false</OutputCachingOn>
+    <AverageRating xmlns="4873beb7-5857-4685-be1f-d57550cc96cc" xsi:nil="true"/>
+    <APAuthor xmlns="4873beb7-5857-4685-be1f-d57550cc96cc">
+      <UserInfo>
+        <DisplayName>REDMOND\kristaa</DisplayName>
+        <AccountId>136</AccountId>
+        <AccountType/>
+      </UserInfo>
+    </APAuthor>
+    <LocManualTestRequired xmlns="4873beb7-5857-4685-be1f-d57550cc96cc">false</LocManualTestRequired>
+    <TPCommandLine xmlns="4873beb7-5857-4685-be1f-d57550cc96cc" xsi:nil="true"/>
+    <TPAppVersion xmlns="4873beb7-5857-4685-be1f-d57550cc96cc" xsi:nil="true"/>
+    <EditorialStatus xmlns="4873beb7-5857-4685-be1f-d57550cc96cc">Complete</EditorialStatus>
+    <LastModifiedDateTime xmlns="4873beb7-5857-4685-be1f-d57550cc96cc" xsi:nil="true"/>
+    <ScenarioTagsTaxHTField0 xmlns="4873beb7-5857-4685-be1f-d57550cc96cc">
+      <Terms xmlns="http://schemas.microsoft.com/office/infopath/2007/PartnerControls"/>
+    </ScenarioTagsTaxHTField0>
+    <LocProcessedForMarketsLookup xmlns="4873beb7-5857-4685-be1f-d57550cc96cc" xsi:nil="true"/>
+    <TPLaunchHelpLinkType xmlns="4873beb7-5857-4685-be1f-d57550cc96cc">Template</TPLaunchHelpLinkType>
+    <OriginalRelease xmlns="4873beb7-5857-4685-be1f-d57550cc96cc">15</OriginalRelease>
+    <LocalizationTagsTaxHTField0 xmlns="4873beb7-5857-4685-be1f-d57550cc96cc">
+      <Terms xmlns="http://schemas.microsoft.com/office/infopath/2007/PartnerControls"/>
+    </LocalizationTagsTaxHTField0>
+    <UACurrentWords xmlns="4873beb7-5857-4685-be1f-d57550cc96cc" xsi:nil="true"/>
+    <ArtSampleDocs xmlns="4873beb7-5857-4685-be1f-d57550cc96cc" xsi:nil="true"/>
+    <UALocRecommendation xmlns="4873beb7-5857-4685-be1f-d57550cc96cc">Localize</UALocRecommendation>
+    <Manager xmlns="4873beb7-5857-4685-be1f-d57550cc96cc" xsi:nil="true"/>
+    <LocOverallHandbackStatusLookup xmlns="4873beb7-5857-4685-be1f-d57550cc96cc" xsi:nil="true"/>
+    <ShowIn xmlns="4873beb7-5857-4685-be1f-d57550cc96cc">Show everywhere</ShowIn>
+    <UANotes xmlns="4873beb7-5857-4685-be1f-d57550cc96cc" xsi:nil="true"/>
+    <InternalTagsTaxHTField0 xmlns="4873beb7-5857-4685-be1f-d57550cc96cc">
+      <Terms xmlns="http://schemas.microsoft.com/office/infopath/2007/PartnerControls"/>
+    </InternalTagsTaxHTField0>
+    <CSXHash xmlns="4873beb7-5857-4685-be1f-d57550cc96cc" xsi:nil="true"/>
+    <VoteCount xmlns="4873beb7-5857-4685-be1f-d57550cc96cc" xsi:nil="true"/>
+    <AssetExpire xmlns="4873beb7-5857-4685-be1f-d57550cc96cc">2029-05-12T07:00:00+00:00</AssetExpire>
+    <DSATActionTaken xmlns="4873beb7-5857-4685-be1f-d57550cc96cc" xsi:nil="true"/>
+    <CSXSubmissionMarket xmlns="4873beb7-5857-4685-be1f-d57550cc96cc" xsi:nil="true"/>
+    <LocMarketGroupTiers2 xmlns="4873beb7-5857-4685-be1f-d57550cc96cc" xsi:nil="true"/>
+  </documentManagement>
+</p:properties>
+</file>
+
 <file path=customXml/item3.xml><?xml version="1.0" encoding="utf-8"?>
 <?mso-contentType ?>
 <FormTemplates xmlns="http://schemas.microsoft.com/sharepoint/v3/contenttype/forms">
@@ -23774,22 +23787,6 @@
 </file>
 
 <file path=customXml/itemProps1.xml><?xml version="1.0" encoding="utf-8"?>
-<ds:datastoreItem xmlns:ds="http://schemas.openxmlformats.org/officeDocument/2006/customXml" ds:itemID="{60C67BEE-D13F-4BD2-98A5-34D8A0977F68}">
-  <ds:schemaRefs>
-    <ds:schemaRef ds:uri="http://purl.org/dc/elements/1.1/"/>
-    <ds:schemaRef ds:uri="http://www.w3.org/XML/1998/namespace"/>
-    <ds:schemaRef ds:uri="http://schemas.microsoft.com/office/2006/metadata/properties"/>
-    <ds:schemaRef ds:uri="http://purl.org/dc/terms/"/>
-    <ds:schemaRef ds:uri="http://purl.org/dc/dcmitype/"/>
-    <ds:schemaRef ds:uri="http://schemas.microsoft.com/office/2006/documentManagement/types"/>
-    <ds:schemaRef ds:uri="http://schemas.openxmlformats.org/package/2006/metadata/core-properties"/>
-    <ds:schemaRef ds:uri="http://schemas.microsoft.com/office/infopath/2007/PartnerControls"/>
-    <ds:schemaRef ds:uri="4873beb7-5857-4685-be1f-d57550cc96cc"/>
-  </ds:schemaRefs>
-</ds:datastoreItem>
-</file>
-
-<file path=customXml/itemProps2.xml><?xml version="1.0" encoding="utf-8"?>
 <ds:datastoreItem xmlns:ds="http://schemas.openxmlformats.org/officeDocument/2006/customXml" ds:itemID="{A09BF4D4-EF60-4196-BFC3-9462D607978C}">
   <ds:schemaRefs>
     <ds:schemaRef ds:uri="http://schemas.microsoft.com/office/2006/metadata/contentType"/>
@@ -23807,6 +23804,22 @@
 </ds:datastoreItem>
 </file>
 
+<file path=customXml/itemProps2.xml><?xml version="1.0" encoding="utf-8"?>
+<ds:datastoreItem xmlns:ds="http://schemas.openxmlformats.org/officeDocument/2006/customXml" ds:itemID="{60C67BEE-D13F-4BD2-98A5-34D8A0977F68}">
+  <ds:schemaRefs>
+    <ds:schemaRef ds:uri="http://purl.org/dc/elements/1.1/"/>
+    <ds:schemaRef ds:uri="http://www.w3.org/XML/1998/namespace"/>
+    <ds:schemaRef ds:uri="http://schemas.microsoft.com/office/2006/metadata/properties"/>
+    <ds:schemaRef ds:uri="http://purl.org/dc/terms/"/>
+    <ds:schemaRef ds:uri="http://purl.org/dc/dcmitype/"/>
+    <ds:schemaRef ds:uri="http://schemas.microsoft.com/office/2006/documentManagement/types"/>
+    <ds:schemaRef ds:uri="http://schemas.openxmlformats.org/package/2006/metadata/core-properties"/>
+    <ds:schemaRef ds:uri="http://schemas.microsoft.com/office/infopath/2007/PartnerControls"/>
+    <ds:schemaRef ds:uri="4873beb7-5857-4685-be1f-d57550cc96cc"/>
+  </ds:schemaRefs>
+</ds:datastoreItem>
+</file>
+
 <file path=customXml/itemProps3.xml><?xml version="1.0" encoding="utf-8"?>
 <ds:datastoreItem xmlns:ds="http://schemas.openxmlformats.org/officeDocument/2006/customXml" ds:itemID="{3836F65B-1B07-41EE-A0E8-BC6EF3855225}">
   <ds:schemaRefs>

--- a/2019.12.20_esp32-cam/ESP32-CAM-AI影像辨識應用.pptx
+++ b/2019.12.20_esp32-cam/ESP32-CAM-AI影像辨識應用.pptx
@@ -14379,8 +14379,8 @@
         </p:nvSpPr>
         <p:spPr>
           <a:xfrm>
-            <a:off x="1485900" y="404664"/>
-            <a:ext cx="9145016" cy="5472608"/>
+            <a:off x="1413892" y="401836"/>
+            <a:ext cx="10657184" cy="5472608"/>
           </a:xfrm>
         </p:spPr>
         <p:txBody>
@@ -14393,7 +14393,7 @@
               <a:buNone/>
             </a:pPr>
             <a:r>
-              <a:rPr lang="en-US" altLang="zh-TW" sz="3600" dirty="0" smtClean="0">
+              <a:rPr lang="en-US" altLang="zh-TW" sz="3200" dirty="0" smtClean="0">
                 <a:solidFill>
                   <a:schemeClr val="accent2">
                     <a:lumMod val="60000"/>
@@ -14404,7 +14404,7 @@
               <a:t>(6)</a:t>
             </a:r>
             <a:r>
-              <a:rPr lang="zh-TW" altLang="en-US" sz="3600" dirty="0">
+              <a:rPr lang="zh-TW" altLang="en-US" sz="3200" dirty="0">
                 <a:solidFill>
                   <a:schemeClr val="accent2">
                     <a:lumMod val="60000"/>
@@ -14415,7 +14415,7 @@
               <a:t>自訂指令控制馬達驅動</a:t>
             </a:r>
             <a:r>
-              <a:rPr lang="en-US" altLang="zh-TW" sz="3600" dirty="0">
+              <a:rPr lang="en-US" altLang="zh-TW" sz="3200" dirty="0" smtClean="0">
                 <a:solidFill>
                   <a:schemeClr val="accent2">
                     <a:lumMod val="60000"/>
@@ -14425,6 +14425,69 @@
               </a:rPr>
               <a:t>IC</a:t>
             </a:r>
+            <a:r>
+              <a:rPr lang="zh-TW" altLang="en-US" sz="3200" dirty="0" smtClean="0">
+                <a:solidFill>
+                  <a:schemeClr val="accent2">
+                    <a:lumMod val="60000"/>
+                    <a:lumOff val="40000"/>
+                  </a:schemeClr>
+                </a:solidFill>
+              </a:rPr>
+              <a:t> </a:t>
+            </a:r>
+            <a:r>
+              <a:rPr lang="en-US" altLang="zh-TW" sz="3200" dirty="0" smtClean="0">
+                <a:solidFill>
+                  <a:schemeClr val="accent2">
+                    <a:lumMod val="60000"/>
+                    <a:lumOff val="40000"/>
+                  </a:schemeClr>
+                </a:solidFill>
+              </a:rPr>
+              <a:t>(</a:t>
+            </a:r>
+            <a:r>
+              <a:rPr lang="zh-TW" altLang="en-US" sz="3200" dirty="0" smtClean="0">
+                <a:solidFill>
+                  <a:schemeClr val="accent2">
+                    <a:lumMod val="60000"/>
+                    <a:lumOff val="40000"/>
+                  </a:schemeClr>
+                </a:solidFill>
+              </a:rPr>
+              <a:t>登月小車切換開關至</a:t>
+            </a:r>
+            <a:r>
+              <a:rPr lang="en-US" altLang="zh-TW" sz="3200" dirty="0" err="1" smtClean="0">
+                <a:solidFill>
+                  <a:schemeClr val="accent2">
+                    <a:lumMod val="60000"/>
+                    <a:lumOff val="40000"/>
+                  </a:schemeClr>
+                </a:solidFill>
+              </a:rPr>
+              <a:t>Webbit</a:t>
+            </a:r>
+            <a:r>
+              <a:rPr lang="en-US" altLang="zh-TW" sz="3200" dirty="0" smtClean="0">
+                <a:solidFill>
+                  <a:schemeClr val="accent2">
+                    <a:lumMod val="60000"/>
+                    <a:lumOff val="40000"/>
+                  </a:schemeClr>
+                </a:solidFill>
+              </a:rPr>
+              <a:t>)</a:t>
+            </a:r>
+            <a:endParaRPr lang="en-US" altLang="zh-TW" sz="3200" dirty="0">
+              <a:solidFill>
+                <a:schemeClr val="accent2">
+                  <a:lumMod val="60000"/>
+                  <a:lumOff val="40000"/>
+                </a:schemeClr>
+              </a:solidFill>
+            </a:endParaRPr>
           </a:p>
           <a:p>
             <a:pPr marL="0" indent="0">
@@ -14503,8 +14566,8 @@
         </p:blipFill>
         <p:spPr bwMode="auto">
           <a:xfrm>
-            <a:off x="2205980" y="980728"/>
-            <a:ext cx="5613696" cy="2280564"/>
+            <a:off x="1845940" y="980728"/>
+            <a:ext cx="5561229" cy="2280564"/>
           </a:xfrm>
           <a:prstGeom prst="rect">
             <a:avLst/>
@@ -14564,7 +14627,7 @@
       </p:pic>
       <p:pic>
         <p:nvPicPr>
-          <p:cNvPr id="2" name="圖片 1"/>
+          <p:cNvPr id="4" name="圖片 3"/>
           <p:cNvPicPr>
             <a:picLocks noChangeAspect="1"/>
           </p:cNvPicPr>
@@ -14577,9 +14640,9 @@
           </a:stretch>
         </p:blipFill>
         <p:spPr>
-          <a:xfrm rot="5400000">
-            <a:off x="7459321" y="916416"/>
-            <a:ext cx="4311574" cy="4449104"/>
+          <a:xfrm>
+            <a:off x="7407169" y="980728"/>
+            <a:ext cx="4448175" cy="4314825"/>
           </a:xfrm>
           <a:prstGeom prst="rect">
             <a:avLst/>
@@ -22602,6 +22665,142 @@
 </file>
 
 <file path=customXml/item1.xml><?xml version="1.0" encoding="utf-8"?>
+<p:properties xmlns:p="http://schemas.microsoft.com/office/2006/metadata/properties" xmlns:xsi="http://www.w3.org/2001/XMLSchema-instance" xmlns:pc="http://schemas.microsoft.com/office/infopath/2007/PartnerControls">
+  <documentManagement>
+    <LocPublishedLinkedAssetsLookup xmlns="4873beb7-5857-4685-be1f-d57550cc96cc" xsi:nil="true"/>
+    <ApprovalStatus xmlns="4873beb7-5857-4685-be1f-d57550cc96cc">InProgress</ApprovalStatus>
+    <MarketSpecific xmlns="4873beb7-5857-4685-be1f-d57550cc96cc">false</MarketSpecific>
+    <LocComments xmlns="4873beb7-5857-4685-be1f-d57550cc96cc" xsi:nil="true"/>
+    <LocLastLocAttemptVersionTypeLookup xmlns="4873beb7-5857-4685-be1f-d57550cc96cc" xsi:nil="true"/>
+    <DirectSourceMarket xmlns="4873beb7-5857-4685-be1f-d57550cc96cc" xsi:nil="true"/>
+    <ThumbnailAssetId xmlns="4873beb7-5857-4685-be1f-d57550cc96cc" xsi:nil="true"/>
+    <PrimaryImageGen xmlns="4873beb7-5857-4685-be1f-d57550cc96cc">false</PrimaryImageGen>
+    <LocNewPublishedVersionLookup xmlns="4873beb7-5857-4685-be1f-d57550cc96cc" xsi:nil="true"/>
+    <LegacyData xmlns="4873beb7-5857-4685-be1f-d57550cc96cc" xsi:nil="true"/>
+    <LocRecommendedHandoff xmlns="4873beb7-5857-4685-be1f-d57550cc96cc" xsi:nil="true"/>
+    <BusinessGroup xmlns="4873beb7-5857-4685-be1f-d57550cc96cc" xsi:nil="true"/>
+    <BlockPublish xmlns="4873beb7-5857-4685-be1f-d57550cc96cc">false</BlockPublish>
+    <TPFriendlyName xmlns="4873beb7-5857-4685-be1f-d57550cc96cc" xsi:nil="true"/>
+    <LocOverallPublishStatusLookup xmlns="4873beb7-5857-4685-be1f-d57550cc96cc" xsi:nil="true"/>
+    <NumericId xmlns="4873beb7-5857-4685-be1f-d57550cc96cc" xsi:nil="true"/>
+    <APEditor xmlns="4873beb7-5857-4685-be1f-d57550cc96cc">
+      <UserInfo>
+        <DisplayName/>
+        <AccountId xsi:nil="true"/>
+        <AccountType/>
+      </UserInfo>
+    </APEditor>
+    <SourceTitle xmlns="4873beb7-5857-4685-be1f-d57550cc96cc" xsi:nil="true"/>
+    <OpenTemplate xmlns="4873beb7-5857-4685-be1f-d57550cc96cc">true</OpenTemplate>
+    <LocOverallLocStatusLookup xmlns="4873beb7-5857-4685-be1f-d57550cc96cc" xsi:nil="true"/>
+    <UALocComments xmlns="4873beb7-5857-4685-be1f-d57550cc96cc" xsi:nil="true"/>
+    <ParentAssetId xmlns="4873beb7-5857-4685-be1f-d57550cc96cc" xsi:nil="true"/>
+    <IntlLangReviewDate xmlns="4873beb7-5857-4685-be1f-d57550cc96cc" xsi:nil="true"/>
+    <FeatureTagsTaxHTField0 xmlns="4873beb7-5857-4685-be1f-d57550cc96cc">
+      <Terms xmlns="http://schemas.microsoft.com/office/infopath/2007/PartnerControls"/>
+    </FeatureTagsTaxHTField0>
+    <PublishStatusLookup xmlns="4873beb7-5857-4685-be1f-d57550cc96cc">
+      <Value>1345093</Value>
+    </PublishStatusLookup>
+    <Providers xmlns="4873beb7-5857-4685-be1f-d57550cc96cc" xsi:nil="true"/>
+    <MachineTranslated xmlns="4873beb7-5857-4685-be1f-d57550cc96cc">false</MachineTranslated>
+    <OriginalSourceMarket xmlns="4873beb7-5857-4685-be1f-d57550cc96cc" xsi:nil="true"/>
+    <APDescription xmlns="4873beb7-5857-4685-be1f-d57550cc96cc">This simple template design works for technology and  businesses, but it's versatile enough to use in other contexts.  It features multiple slide layouts designed for widescreen (16x9 resolution) and includes a sample SmartArt list and chart that are easily editable.</APDescription>
+    <ClipArtFilename xmlns="4873beb7-5857-4685-be1f-d57550cc96cc" xsi:nil="true"/>
+    <ContentItem xmlns="4873beb7-5857-4685-be1f-d57550cc96cc" xsi:nil="true"/>
+    <TPInstallLocation xmlns="4873beb7-5857-4685-be1f-d57550cc96cc" xsi:nil="true"/>
+    <PublishTargets xmlns="4873beb7-5857-4685-be1f-d57550cc96cc">OfficeOnlineVNext</PublishTargets>
+    <TimesCloned xmlns="4873beb7-5857-4685-be1f-d57550cc96cc" xsi:nil="true"/>
+    <AssetStart xmlns="4873beb7-5857-4685-be1f-d57550cc96cc">2011-11-26T00:30:00+00:00</AssetStart>
+    <Provider xmlns="4873beb7-5857-4685-be1f-d57550cc96cc" xsi:nil="true"/>
+    <AcquiredFrom xmlns="4873beb7-5857-4685-be1f-d57550cc96cc">Internal MS</AcquiredFrom>
+    <FriendlyTitle xmlns="4873beb7-5857-4685-be1f-d57550cc96cc" xsi:nil="true"/>
+    <LastHandOff xmlns="4873beb7-5857-4685-be1f-d57550cc96cc" xsi:nil="true"/>
+    <TPClientViewer xmlns="4873beb7-5857-4685-be1f-d57550cc96cc" xsi:nil="true"/>
+    <TemplateStatus xmlns="4873beb7-5857-4685-be1f-d57550cc96cc">Complete</TemplateStatus>
+    <Downloads xmlns="4873beb7-5857-4685-be1f-d57550cc96cc">0</Downloads>
+    <OOCacheId xmlns="4873beb7-5857-4685-be1f-d57550cc96cc" xsi:nil="true"/>
+    <IsDeleted xmlns="4873beb7-5857-4685-be1f-d57550cc96cc">false</IsDeleted>
+    <LocPublishedDependentAssetsLookup xmlns="4873beb7-5857-4685-be1f-d57550cc96cc" xsi:nil="true"/>
+    <TPExecutable xmlns="4873beb7-5857-4685-be1f-d57550cc96cc" xsi:nil="true"/>
+    <EditorialTags xmlns="4873beb7-5857-4685-be1f-d57550cc96cc" xsi:nil="true"/>
+    <SubmitterId xmlns="4873beb7-5857-4685-be1f-d57550cc96cc" xsi:nil="true"/>
+    <ApprovalLog xmlns="4873beb7-5857-4685-be1f-d57550cc96cc" xsi:nil="true"/>
+    <AssetType xmlns="4873beb7-5857-4685-be1f-d57550cc96cc">TP</AssetType>
+    <BugNumber xmlns="4873beb7-5857-4685-be1f-d57550cc96cc" xsi:nil="true"/>
+    <CSXSubmissionDate xmlns="4873beb7-5857-4685-be1f-d57550cc96cc" xsi:nil="true"/>
+    <CSXUpdate xmlns="4873beb7-5857-4685-be1f-d57550cc96cc">false</CSXUpdate>
+    <Milestone xmlns="4873beb7-5857-4685-be1f-d57550cc96cc" xsi:nil="true"/>
+    <RecommendationsModifier xmlns="4873beb7-5857-4685-be1f-d57550cc96cc" xsi:nil="true"/>
+    <OriginAsset xmlns="4873beb7-5857-4685-be1f-d57550cc96cc" xsi:nil="true"/>
+    <TPComponent xmlns="4873beb7-5857-4685-be1f-d57550cc96cc" xsi:nil="true"/>
+    <AssetId xmlns="4873beb7-5857-4685-be1f-d57550cc96cc">TP102787989</AssetId>
+    <IntlLocPriority xmlns="4873beb7-5857-4685-be1f-d57550cc96cc" xsi:nil="true"/>
+    <PolicheckWords xmlns="4873beb7-5857-4685-be1f-d57550cc96cc" xsi:nil="true"/>
+    <TPLaunchHelpLink xmlns="4873beb7-5857-4685-be1f-d57550cc96cc" xsi:nil="true"/>
+    <TPApplication xmlns="4873beb7-5857-4685-be1f-d57550cc96cc" xsi:nil="true"/>
+    <CrawlForDependencies xmlns="4873beb7-5857-4685-be1f-d57550cc96cc">false</CrawlForDependencies>
+    <HandoffToMSDN xmlns="4873beb7-5857-4685-be1f-d57550cc96cc" xsi:nil="true"/>
+    <PlannedPubDate xmlns="4873beb7-5857-4685-be1f-d57550cc96cc" xsi:nil="true"/>
+    <IntlLangReviewer xmlns="4873beb7-5857-4685-be1f-d57550cc96cc" xsi:nil="true"/>
+    <TrustLevel xmlns="4873beb7-5857-4685-be1f-d57550cc96cc">1 Microsoft Managed Content</TrustLevel>
+    <LocLastLocAttemptVersionLookup xmlns="4873beb7-5857-4685-be1f-d57550cc96cc">694266</LocLastLocAttemptVersionLookup>
+    <LocProcessedForHandoffsLookup xmlns="4873beb7-5857-4685-be1f-d57550cc96cc" xsi:nil="true"/>
+    <IsSearchable xmlns="4873beb7-5857-4685-be1f-d57550cc96cc">true</IsSearchable>
+    <TemplateTemplateType xmlns="4873beb7-5857-4685-be1f-d57550cc96cc">PowerPoint Presentation Template</TemplateTemplateType>
+    <CampaignTagsTaxHTField0 xmlns="4873beb7-5857-4685-be1f-d57550cc96cc">
+      <Terms xmlns="http://schemas.microsoft.com/office/infopath/2007/PartnerControls"/>
+    </CampaignTagsTaxHTField0>
+    <TPNamespace xmlns="4873beb7-5857-4685-be1f-d57550cc96cc" xsi:nil="true"/>
+    <LocOverallPreviewStatusLookup xmlns="4873beb7-5857-4685-be1f-d57550cc96cc" xsi:nil="true"/>
+    <TaxCatchAll xmlns="4873beb7-5857-4685-be1f-d57550cc96cc"/>
+    <Markets xmlns="4873beb7-5857-4685-be1f-d57550cc96cc"/>
+    <UAProjectedTotalWords xmlns="4873beb7-5857-4685-be1f-d57550cc96cc" xsi:nil="true"/>
+    <IntlLangReview xmlns="4873beb7-5857-4685-be1f-d57550cc96cc" xsi:nil="true"/>
+    <OutputCachingOn xmlns="4873beb7-5857-4685-be1f-d57550cc96cc">false</OutputCachingOn>
+    <AverageRating xmlns="4873beb7-5857-4685-be1f-d57550cc96cc" xsi:nil="true"/>
+    <APAuthor xmlns="4873beb7-5857-4685-be1f-d57550cc96cc">
+      <UserInfo>
+        <DisplayName>REDMOND\kristaa</DisplayName>
+        <AccountId>136</AccountId>
+        <AccountType/>
+      </UserInfo>
+    </APAuthor>
+    <LocManualTestRequired xmlns="4873beb7-5857-4685-be1f-d57550cc96cc">false</LocManualTestRequired>
+    <TPCommandLine xmlns="4873beb7-5857-4685-be1f-d57550cc96cc" xsi:nil="true"/>
+    <TPAppVersion xmlns="4873beb7-5857-4685-be1f-d57550cc96cc" xsi:nil="true"/>
+    <EditorialStatus xmlns="4873beb7-5857-4685-be1f-d57550cc96cc">Complete</EditorialStatus>
+    <LastModifiedDateTime xmlns="4873beb7-5857-4685-be1f-d57550cc96cc" xsi:nil="true"/>
+    <ScenarioTagsTaxHTField0 xmlns="4873beb7-5857-4685-be1f-d57550cc96cc">
+      <Terms xmlns="http://schemas.microsoft.com/office/infopath/2007/PartnerControls"/>
+    </ScenarioTagsTaxHTField0>
+    <LocProcessedForMarketsLookup xmlns="4873beb7-5857-4685-be1f-d57550cc96cc" xsi:nil="true"/>
+    <TPLaunchHelpLinkType xmlns="4873beb7-5857-4685-be1f-d57550cc96cc">Template</TPLaunchHelpLinkType>
+    <OriginalRelease xmlns="4873beb7-5857-4685-be1f-d57550cc96cc">15</OriginalRelease>
+    <LocalizationTagsTaxHTField0 xmlns="4873beb7-5857-4685-be1f-d57550cc96cc">
+      <Terms xmlns="http://schemas.microsoft.com/office/infopath/2007/PartnerControls"/>
+    </LocalizationTagsTaxHTField0>
+    <UACurrentWords xmlns="4873beb7-5857-4685-be1f-d57550cc96cc" xsi:nil="true"/>
+    <ArtSampleDocs xmlns="4873beb7-5857-4685-be1f-d57550cc96cc" xsi:nil="true"/>
+    <UALocRecommendation xmlns="4873beb7-5857-4685-be1f-d57550cc96cc">Localize</UALocRecommendation>
+    <Manager xmlns="4873beb7-5857-4685-be1f-d57550cc96cc" xsi:nil="true"/>
+    <LocOverallHandbackStatusLookup xmlns="4873beb7-5857-4685-be1f-d57550cc96cc" xsi:nil="true"/>
+    <ShowIn xmlns="4873beb7-5857-4685-be1f-d57550cc96cc">Show everywhere</ShowIn>
+    <UANotes xmlns="4873beb7-5857-4685-be1f-d57550cc96cc" xsi:nil="true"/>
+    <InternalTagsTaxHTField0 xmlns="4873beb7-5857-4685-be1f-d57550cc96cc">
+      <Terms xmlns="http://schemas.microsoft.com/office/infopath/2007/PartnerControls"/>
+    </InternalTagsTaxHTField0>
+    <CSXHash xmlns="4873beb7-5857-4685-be1f-d57550cc96cc" xsi:nil="true"/>
+    <VoteCount xmlns="4873beb7-5857-4685-be1f-d57550cc96cc" xsi:nil="true"/>
+    <AssetExpire xmlns="4873beb7-5857-4685-be1f-d57550cc96cc">2029-05-12T07:00:00+00:00</AssetExpire>
+    <DSATActionTaken xmlns="4873beb7-5857-4685-be1f-d57550cc96cc" xsi:nil="true"/>
+    <CSXSubmissionMarket xmlns="4873beb7-5857-4685-be1f-d57550cc96cc" xsi:nil="true"/>
+    <LocMarketGroupTiers2 xmlns="4873beb7-5857-4685-be1f-d57550cc96cc" xsi:nil="true"/>
+  </documentManagement>
+</p:properties>
+</file>
+
+<file path=customXml/item2.xml><?xml version="1.0" encoding="utf-8"?>
 <ct:contentTypeSchema xmlns:ct="http://schemas.microsoft.com/office/2006/metadata/contentType" xmlns:ma="http://schemas.microsoft.com/office/2006/metadata/properties/metaAttributes" ct:_="" ma:_="" ma:contentTypeName="TemplateFile" ma:contentTypeID="0x0101006EDDDB5EE6D98C44930B742096920B300400F5B6D36B3EF94B4E9A635CDF2A18F5B8" ma:contentTypeVersion="72" ma:contentTypeDescription="Create a new document." ma:contentTypeScope="" ma:versionID="a23e56308344d904b51738559c3d67c9">
   <xsd:schema xmlns:xsd="http://www.w3.org/2001/XMLSchema" xmlns:xs="http://www.w3.org/2001/XMLSchema" xmlns:p="http://schemas.microsoft.com/office/2006/metadata/properties" xmlns:ns2="4873beb7-5857-4685-be1f-d57550cc96cc" targetNamespace="http://schemas.microsoft.com/office/2006/metadata/properties" ma:root="true" ma:fieldsID="cd0908cc4600e77bf5da051303e00c8d" ns2:_="">
     <xsd:import namespace="4873beb7-5857-4685-be1f-d57550cc96cc"/>
@@ -23641,142 +23840,6 @@
 </ct:contentTypeSchema>
 </file>
 
-<file path=customXml/item2.xml><?xml version="1.0" encoding="utf-8"?>
-<p:properties xmlns:p="http://schemas.microsoft.com/office/2006/metadata/properties" xmlns:xsi="http://www.w3.org/2001/XMLSchema-instance" xmlns:pc="http://schemas.microsoft.com/office/infopath/2007/PartnerControls">
-  <documentManagement>
-    <LocPublishedLinkedAssetsLookup xmlns="4873beb7-5857-4685-be1f-d57550cc96cc" xsi:nil="true"/>
-    <ApprovalStatus xmlns="4873beb7-5857-4685-be1f-d57550cc96cc">InProgress</ApprovalStatus>
-    <MarketSpecific xmlns="4873beb7-5857-4685-be1f-d57550cc96cc">false</MarketSpecific>
-    <LocComments xmlns="4873beb7-5857-4685-be1f-d57550cc96cc" xsi:nil="true"/>
-    <LocLastLocAttemptVersionTypeLookup xmlns="4873beb7-5857-4685-be1f-d57550cc96cc" xsi:nil="true"/>
-    <DirectSourceMarket xmlns="4873beb7-5857-4685-be1f-d57550cc96cc" xsi:nil="true"/>
-    <ThumbnailAssetId xmlns="4873beb7-5857-4685-be1f-d57550cc96cc" xsi:nil="true"/>
-    <PrimaryImageGen xmlns="4873beb7-5857-4685-be1f-d57550cc96cc">false</PrimaryImageGen>
-    <LocNewPublishedVersionLookup xmlns="4873beb7-5857-4685-be1f-d57550cc96cc" xsi:nil="true"/>
-    <LegacyData xmlns="4873beb7-5857-4685-be1f-d57550cc96cc" xsi:nil="true"/>
-    <LocRecommendedHandoff xmlns="4873beb7-5857-4685-be1f-d57550cc96cc" xsi:nil="true"/>
-    <BusinessGroup xmlns="4873beb7-5857-4685-be1f-d57550cc96cc" xsi:nil="true"/>
-    <BlockPublish xmlns="4873beb7-5857-4685-be1f-d57550cc96cc">false</BlockPublish>
-    <TPFriendlyName xmlns="4873beb7-5857-4685-be1f-d57550cc96cc" xsi:nil="true"/>
-    <LocOverallPublishStatusLookup xmlns="4873beb7-5857-4685-be1f-d57550cc96cc" xsi:nil="true"/>
-    <NumericId xmlns="4873beb7-5857-4685-be1f-d57550cc96cc" xsi:nil="true"/>
-    <APEditor xmlns="4873beb7-5857-4685-be1f-d57550cc96cc">
-      <UserInfo>
-        <DisplayName/>
-        <AccountId xsi:nil="true"/>
-        <AccountType/>
-      </UserInfo>
-    </APEditor>
-    <SourceTitle xmlns="4873beb7-5857-4685-be1f-d57550cc96cc" xsi:nil="true"/>
-    <OpenTemplate xmlns="4873beb7-5857-4685-be1f-d57550cc96cc">true</OpenTemplate>
-    <LocOverallLocStatusLookup xmlns="4873beb7-5857-4685-be1f-d57550cc96cc" xsi:nil="true"/>
-    <UALocComments xmlns="4873beb7-5857-4685-be1f-d57550cc96cc" xsi:nil="true"/>
-    <ParentAssetId xmlns="4873beb7-5857-4685-be1f-d57550cc96cc" xsi:nil="true"/>
-    <IntlLangReviewDate xmlns="4873beb7-5857-4685-be1f-d57550cc96cc" xsi:nil="true"/>
-    <FeatureTagsTaxHTField0 xmlns="4873beb7-5857-4685-be1f-d57550cc96cc">
-      <Terms xmlns="http://schemas.microsoft.com/office/infopath/2007/PartnerControls"/>
-    </FeatureTagsTaxHTField0>
-    <PublishStatusLookup xmlns="4873beb7-5857-4685-be1f-d57550cc96cc">
-      <Value>1345093</Value>
-    </PublishStatusLookup>
-    <Providers xmlns="4873beb7-5857-4685-be1f-d57550cc96cc" xsi:nil="true"/>
-    <MachineTranslated xmlns="4873beb7-5857-4685-be1f-d57550cc96cc">false</MachineTranslated>
-    <OriginalSourceMarket xmlns="4873beb7-5857-4685-be1f-d57550cc96cc" xsi:nil="true"/>
-    <APDescription xmlns="4873beb7-5857-4685-be1f-d57550cc96cc">This simple template design works for technology and  businesses, but it's versatile enough to use in other contexts.  It features multiple slide layouts designed for widescreen (16x9 resolution) and includes a sample SmartArt list and chart that are easily editable.</APDescription>
-    <ClipArtFilename xmlns="4873beb7-5857-4685-be1f-d57550cc96cc" xsi:nil="true"/>
-    <ContentItem xmlns="4873beb7-5857-4685-be1f-d57550cc96cc" xsi:nil="true"/>
-    <TPInstallLocation xmlns="4873beb7-5857-4685-be1f-d57550cc96cc" xsi:nil="true"/>
-    <PublishTargets xmlns="4873beb7-5857-4685-be1f-d57550cc96cc">OfficeOnlineVNext</PublishTargets>
-    <TimesCloned xmlns="4873beb7-5857-4685-be1f-d57550cc96cc" xsi:nil="true"/>
-    <AssetStart xmlns="4873beb7-5857-4685-be1f-d57550cc96cc">2011-11-26T00:30:00+00:00</AssetStart>
-    <Provider xmlns="4873beb7-5857-4685-be1f-d57550cc96cc" xsi:nil="true"/>
-    <AcquiredFrom xmlns="4873beb7-5857-4685-be1f-d57550cc96cc">Internal MS</AcquiredFrom>
-    <FriendlyTitle xmlns="4873beb7-5857-4685-be1f-d57550cc96cc" xsi:nil="true"/>
-    <LastHandOff xmlns="4873beb7-5857-4685-be1f-d57550cc96cc" xsi:nil="true"/>
-    <TPClientViewer xmlns="4873beb7-5857-4685-be1f-d57550cc96cc" xsi:nil="true"/>
-    <TemplateStatus xmlns="4873beb7-5857-4685-be1f-d57550cc96cc">Complete</TemplateStatus>
-    <Downloads xmlns="4873beb7-5857-4685-be1f-d57550cc96cc">0</Downloads>
-    <OOCacheId xmlns="4873beb7-5857-4685-be1f-d57550cc96cc" xsi:nil="true"/>
-    <IsDeleted xmlns="4873beb7-5857-4685-be1f-d57550cc96cc">false</IsDeleted>
-    <LocPublishedDependentAssetsLookup xmlns="4873beb7-5857-4685-be1f-d57550cc96cc" xsi:nil="true"/>
-    <TPExecutable xmlns="4873beb7-5857-4685-be1f-d57550cc96cc" xsi:nil="true"/>
-    <EditorialTags xmlns="4873beb7-5857-4685-be1f-d57550cc96cc" xsi:nil="true"/>
-    <SubmitterId xmlns="4873beb7-5857-4685-be1f-d57550cc96cc" xsi:nil="true"/>
-    <ApprovalLog xmlns="4873beb7-5857-4685-be1f-d57550cc96cc" xsi:nil="true"/>
-    <AssetType xmlns="4873beb7-5857-4685-be1f-d57550cc96cc">TP</AssetType>
-    <BugNumber xmlns="4873beb7-5857-4685-be1f-d57550cc96cc" xsi:nil="true"/>
-    <CSXSubmissionDate xmlns="4873beb7-5857-4685-be1f-d57550cc96cc" xsi:nil="true"/>
-    <CSXUpdate xmlns="4873beb7-5857-4685-be1f-d57550cc96cc">false</CSXUpdate>
-    <Milestone xmlns="4873beb7-5857-4685-be1f-d57550cc96cc" xsi:nil="true"/>
-    <RecommendationsModifier xmlns="4873beb7-5857-4685-be1f-d57550cc96cc" xsi:nil="true"/>
-    <OriginAsset xmlns="4873beb7-5857-4685-be1f-d57550cc96cc" xsi:nil="true"/>
-    <TPComponent xmlns="4873beb7-5857-4685-be1f-d57550cc96cc" xsi:nil="true"/>
-    <AssetId xmlns="4873beb7-5857-4685-be1f-d57550cc96cc">TP102787989</AssetId>
-    <IntlLocPriority xmlns="4873beb7-5857-4685-be1f-d57550cc96cc" xsi:nil="true"/>
-    <PolicheckWords xmlns="4873beb7-5857-4685-be1f-d57550cc96cc" xsi:nil="true"/>
-    <TPLaunchHelpLink xmlns="4873beb7-5857-4685-be1f-d57550cc96cc" xsi:nil="true"/>
-    <TPApplication xmlns="4873beb7-5857-4685-be1f-d57550cc96cc" xsi:nil="true"/>
-    <CrawlForDependencies xmlns="4873beb7-5857-4685-be1f-d57550cc96cc">false</CrawlForDependencies>
-    <HandoffToMSDN xmlns="4873beb7-5857-4685-be1f-d57550cc96cc" xsi:nil="true"/>
-    <PlannedPubDate xmlns="4873beb7-5857-4685-be1f-d57550cc96cc" xsi:nil="true"/>
-    <IntlLangReviewer xmlns="4873beb7-5857-4685-be1f-d57550cc96cc" xsi:nil="true"/>
-    <TrustLevel xmlns="4873beb7-5857-4685-be1f-d57550cc96cc">1 Microsoft Managed Content</TrustLevel>
-    <LocLastLocAttemptVersionLookup xmlns="4873beb7-5857-4685-be1f-d57550cc96cc">694266</LocLastLocAttemptVersionLookup>
-    <LocProcessedForHandoffsLookup xmlns="4873beb7-5857-4685-be1f-d57550cc96cc" xsi:nil="true"/>
-    <IsSearchable xmlns="4873beb7-5857-4685-be1f-d57550cc96cc">true</IsSearchable>
-    <TemplateTemplateType xmlns="4873beb7-5857-4685-be1f-d57550cc96cc">PowerPoint Presentation Template</TemplateTemplateType>
-    <CampaignTagsTaxHTField0 xmlns="4873beb7-5857-4685-be1f-d57550cc96cc">
-      <Terms xmlns="http://schemas.microsoft.com/office/infopath/2007/PartnerControls"/>
-    </CampaignTagsTaxHTField0>
-    <TPNamespace xmlns="4873beb7-5857-4685-be1f-d57550cc96cc" xsi:nil="true"/>
-    <LocOverallPreviewStatusLookup xmlns="4873beb7-5857-4685-be1f-d57550cc96cc" xsi:nil="true"/>
-    <TaxCatchAll xmlns="4873beb7-5857-4685-be1f-d57550cc96cc"/>
-    <Markets xmlns="4873beb7-5857-4685-be1f-d57550cc96cc"/>
-    <UAProjectedTotalWords xmlns="4873beb7-5857-4685-be1f-d57550cc96cc" xsi:nil="true"/>
-    <IntlLangReview xmlns="4873beb7-5857-4685-be1f-d57550cc96cc" xsi:nil="true"/>
-    <OutputCachingOn xmlns="4873beb7-5857-4685-be1f-d57550cc96cc">false</OutputCachingOn>
-    <AverageRating xmlns="4873beb7-5857-4685-be1f-d57550cc96cc" xsi:nil="true"/>
-    <APAuthor xmlns="4873beb7-5857-4685-be1f-d57550cc96cc">
-      <UserInfo>
-        <DisplayName>REDMOND\kristaa</DisplayName>
-        <AccountId>136</AccountId>
-        <AccountType/>
-      </UserInfo>
-    </APAuthor>
-    <LocManualTestRequired xmlns="4873beb7-5857-4685-be1f-d57550cc96cc">false</LocManualTestRequired>
-    <TPCommandLine xmlns="4873beb7-5857-4685-be1f-d57550cc96cc" xsi:nil="true"/>
-    <TPAppVersion xmlns="4873beb7-5857-4685-be1f-d57550cc96cc" xsi:nil="true"/>
-    <EditorialStatus xmlns="4873beb7-5857-4685-be1f-d57550cc96cc">Complete</EditorialStatus>
-    <LastModifiedDateTime xmlns="4873beb7-5857-4685-be1f-d57550cc96cc" xsi:nil="true"/>
-    <ScenarioTagsTaxHTField0 xmlns="4873beb7-5857-4685-be1f-d57550cc96cc">
-      <Terms xmlns="http://schemas.microsoft.com/office/infopath/2007/PartnerControls"/>
-    </ScenarioTagsTaxHTField0>
-    <LocProcessedForMarketsLookup xmlns="4873beb7-5857-4685-be1f-d57550cc96cc" xsi:nil="true"/>
-    <TPLaunchHelpLinkType xmlns="4873beb7-5857-4685-be1f-d57550cc96cc">Template</TPLaunchHelpLinkType>
-    <OriginalRelease xmlns="4873beb7-5857-4685-be1f-d57550cc96cc">15</OriginalRelease>
-    <LocalizationTagsTaxHTField0 xmlns="4873beb7-5857-4685-be1f-d57550cc96cc">
-      <Terms xmlns="http://schemas.microsoft.com/office/infopath/2007/PartnerControls"/>
-    </LocalizationTagsTaxHTField0>
-    <UACurrentWords xmlns="4873beb7-5857-4685-be1f-d57550cc96cc" xsi:nil="true"/>
-    <ArtSampleDocs xmlns="4873beb7-5857-4685-be1f-d57550cc96cc" xsi:nil="true"/>
-    <UALocRecommendation xmlns="4873beb7-5857-4685-be1f-d57550cc96cc">Localize</UALocRecommendation>
-    <Manager xmlns="4873beb7-5857-4685-be1f-d57550cc96cc" xsi:nil="true"/>
-    <LocOverallHandbackStatusLookup xmlns="4873beb7-5857-4685-be1f-d57550cc96cc" xsi:nil="true"/>
-    <ShowIn xmlns="4873beb7-5857-4685-be1f-d57550cc96cc">Show everywhere</ShowIn>
-    <UANotes xmlns="4873beb7-5857-4685-be1f-d57550cc96cc" xsi:nil="true"/>
-    <InternalTagsTaxHTField0 xmlns="4873beb7-5857-4685-be1f-d57550cc96cc">
-      <Terms xmlns="http://schemas.microsoft.com/office/infopath/2007/PartnerControls"/>
-    </InternalTagsTaxHTField0>
-    <CSXHash xmlns="4873beb7-5857-4685-be1f-d57550cc96cc" xsi:nil="true"/>
-    <VoteCount xmlns="4873beb7-5857-4685-be1f-d57550cc96cc" xsi:nil="true"/>
-    <AssetExpire xmlns="4873beb7-5857-4685-be1f-d57550cc96cc">2029-05-12T07:00:00+00:00</AssetExpire>
-    <DSATActionTaken xmlns="4873beb7-5857-4685-be1f-d57550cc96cc" xsi:nil="true"/>
-    <CSXSubmissionMarket xmlns="4873beb7-5857-4685-be1f-d57550cc96cc" xsi:nil="true"/>
-    <LocMarketGroupTiers2 xmlns="4873beb7-5857-4685-be1f-d57550cc96cc" xsi:nil="true"/>
-  </documentManagement>
-</p:properties>
-</file>
-
 <file path=customXml/item3.xml><?xml version="1.0" encoding="utf-8"?>
 <?mso-contentType ?>
 <FormTemplates xmlns="http://schemas.microsoft.com/sharepoint/v3/contenttype/forms">
@@ -23787,6 +23850,22 @@
 </file>
 
 <file path=customXml/itemProps1.xml><?xml version="1.0" encoding="utf-8"?>
+<ds:datastoreItem xmlns:ds="http://schemas.openxmlformats.org/officeDocument/2006/customXml" ds:itemID="{60C67BEE-D13F-4BD2-98A5-34D8A0977F68}">
+  <ds:schemaRefs>
+    <ds:schemaRef ds:uri="http://purl.org/dc/elements/1.1/"/>
+    <ds:schemaRef ds:uri="http://www.w3.org/XML/1998/namespace"/>
+    <ds:schemaRef ds:uri="http://schemas.microsoft.com/office/2006/metadata/properties"/>
+    <ds:schemaRef ds:uri="http://purl.org/dc/terms/"/>
+    <ds:schemaRef ds:uri="http://purl.org/dc/dcmitype/"/>
+    <ds:schemaRef ds:uri="http://schemas.microsoft.com/office/2006/documentManagement/types"/>
+    <ds:schemaRef ds:uri="http://schemas.openxmlformats.org/package/2006/metadata/core-properties"/>
+    <ds:schemaRef ds:uri="http://schemas.microsoft.com/office/infopath/2007/PartnerControls"/>
+    <ds:schemaRef ds:uri="4873beb7-5857-4685-be1f-d57550cc96cc"/>
+  </ds:schemaRefs>
+</ds:datastoreItem>
+</file>
+
+<file path=customXml/itemProps2.xml><?xml version="1.0" encoding="utf-8"?>
 <ds:datastoreItem xmlns:ds="http://schemas.openxmlformats.org/officeDocument/2006/customXml" ds:itemID="{A09BF4D4-EF60-4196-BFC3-9462D607978C}">
   <ds:schemaRefs>
     <ds:schemaRef ds:uri="http://schemas.microsoft.com/office/2006/metadata/contentType"/>
@@ -23804,22 +23883,6 @@
 </ds:datastoreItem>
 </file>
 
-<file path=customXml/itemProps2.xml><?xml version="1.0" encoding="utf-8"?>
-<ds:datastoreItem xmlns:ds="http://schemas.openxmlformats.org/officeDocument/2006/customXml" ds:itemID="{60C67BEE-D13F-4BD2-98A5-34D8A0977F68}">
-  <ds:schemaRefs>
-    <ds:schemaRef ds:uri="http://purl.org/dc/elements/1.1/"/>
-    <ds:schemaRef ds:uri="http://www.w3.org/XML/1998/namespace"/>
-    <ds:schemaRef ds:uri="http://schemas.microsoft.com/office/2006/metadata/properties"/>
-    <ds:schemaRef ds:uri="http://purl.org/dc/terms/"/>
-    <ds:schemaRef ds:uri="http://purl.org/dc/dcmitype/"/>
-    <ds:schemaRef ds:uri="http://schemas.microsoft.com/office/2006/documentManagement/types"/>
-    <ds:schemaRef ds:uri="http://schemas.openxmlformats.org/package/2006/metadata/core-properties"/>
-    <ds:schemaRef ds:uri="http://schemas.microsoft.com/office/infopath/2007/PartnerControls"/>
-    <ds:schemaRef ds:uri="4873beb7-5857-4685-be1f-d57550cc96cc"/>
-  </ds:schemaRefs>
-</ds:datastoreItem>
-</file>
-
 <file path=customXml/itemProps3.xml><?xml version="1.0" encoding="utf-8"?>
 <ds:datastoreItem xmlns:ds="http://schemas.openxmlformats.org/officeDocument/2006/customXml" ds:itemID="{3836F65B-1B07-41EE-A0E8-BC6EF3855225}">
   <ds:schemaRefs>

--- a/2019.12.20_esp32-cam/ESP32-CAM-AI影像辨識應用.pptx
+++ b/2019.12.20_esp32-cam/ESP32-CAM-AI影像辨識應用.pptx
@@ -13223,7 +13223,29 @@
                   </a:schemeClr>
                 </a:solidFill>
               </a:rPr>
-              <a:t>可跨網域連結、可使用</a:t>
+              <a:t>可跨</a:t>
+            </a:r>
+            <a:r>
+              <a:rPr lang="zh-TW" altLang="en-US" sz="3600" dirty="0" smtClean="0">
+                <a:solidFill>
+                  <a:schemeClr val="accent4">
+                    <a:lumMod val="60000"/>
+                    <a:lumOff val="40000"/>
+                  </a:schemeClr>
+                </a:solidFill>
+              </a:rPr>
+              <a:t>網域執行、</a:t>
+            </a:r>
+            <a:r>
+              <a:rPr lang="zh-TW" altLang="en-US" sz="3600" dirty="0" smtClean="0">
+                <a:solidFill>
+                  <a:schemeClr val="accent4">
+                    <a:lumMod val="60000"/>
+                    <a:lumOff val="40000"/>
+                  </a:schemeClr>
+                </a:solidFill>
+              </a:rPr>
+              <a:t>可使用</a:t>
             </a:r>
             <a:r>
               <a:rPr lang="en-US" altLang="zh-TW" sz="3600" dirty="0" smtClean="0">
@@ -13338,7 +13360,7 @@
                   </a:schemeClr>
                 </a:solidFill>
               </a:rPr>
-              <a:t>跨網域連結</a:t>
+              <a:t>跨</a:t>
             </a:r>
             <a:r>
               <a:rPr lang="zh-TW" altLang="en-US" sz="3600" dirty="0" smtClean="0">
@@ -13349,7 +13371,18 @@
                   </a:schemeClr>
                 </a:solidFill>
               </a:rPr>
-              <a:t>、不可使用</a:t>
+              <a:t>網域執行、</a:t>
+            </a:r>
+            <a:r>
+              <a:rPr lang="zh-TW" altLang="en-US" sz="3600" dirty="0" smtClean="0">
+                <a:solidFill>
+                  <a:schemeClr val="accent4">
+                    <a:lumMod val="60000"/>
+                    <a:lumOff val="40000"/>
+                  </a:schemeClr>
+                </a:solidFill>
+              </a:rPr>
+              <a:t>不可使用</a:t>
             </a:r>
             <a:r>
               <a:rPr lang="en-US" altLang="zh-TW" sz="3600" dirty="0" smtClean="0">
@@ -22665,142 +22698,6 @@
 </file>
 
 <file path=customXml/item1.xml><?xml version="1.0" encoding="utf-8"?>
-<p:properties xmlns:p="http://schemas.microsoft.com/office/2006/metadata/properties" xmlns:xsi="http://www.w3.org/2001/XMLSchema-instance" xmlns:pc="http://schemas.microsoft.com/office/infopath/2007/PartnerControls">
-  <documentManagement>
-    <LocPublishedLinkedAssetsLookup xmlns="4873beb7-5857-4685-be1f-d57550cc96cc" xsi:nil="true"/>
-    <ApprovalStatus xmlns="4873beb7-5857-4685-be1f-d57550cc96cc">InProgress</ApprovalStatus>
-    <MarketSpecific xmlns="4873beb7-5857-4685-be1f-d57550cc96cc">false</MarketSpecific>
-    <LocComments xmlns="4873beb7-5857-4685-be1f-d57550cc96cc" xsi:nil="true"/>
-    <LocLastLocAttemptVersionTypeLookup xmlns="4873beb7-5857-4685-be1f-d57550cc96cc" xsi:nil="true"/>
-    <DirectSourceMarket xmlns="4873beb7-5857-4685-be1f-d57550cc96cc" xsi:nil="true"/>
-    <ThumbnailAssetId xmlns="4873beb7-5857-4685-be1f-d57550cc96cc" xsi:nil="true"/>
-    <PrimaryImageGen xmlns="4873beb7-5857-4685-be1f-d57550cc96cc">false</PrimaryImageGen>
-    <LocNewPublishedVersionLookup xmlns="4873beb7-5857-4685-be1f-d57550cc96cc" xsi:nil="true"/>
-    <LegacyData xmlns="4873beb7-5857-4685-be1f-d57550cc96cc" xsi:nil="true"/>
-    <LocRecommendedHandoff xmlns="4873beb7-5857-4685-be1f-d57550cc96cc" xsi:nil="true"/>
-    <BusinessGroup xmlns="4873beb7-5857-4685-be1f-d57550cc96cc" xsi:nil="true"/>
-    <BlockPublish xmlns="4873beb7-5857-4685-be1f-d57550cc96cc">false</BlockPublish>
-    <TPFriendlyName xmlns="4873beb7-5857-4685-be1f-d57550cc96cc" xsi:nil="true"/>
-    <LocOverallPublishStatusLookup xmlns="4873beb7-5857-4685-be1f-d57550cc96cc" xsi:nil="true"/>
-    <NumericId xmlns="4873beb7-5857-4685-be1f-d57550cc96cc" xsi:nil="true"/>
-    <APEditor xmlns="4873beb7-5857-4685-be1f-d57550cc96cc">
-      <UserInfo>
-        <DisplayName/>
-        <AccountId xsi:nil="true"/>
-        <AccountType/>
-      </UserInfo>
-    </APEditor>
-    <SourceTitle xmlns="4873beb7-5857-4685-be1f-d57550cc96cc" xsi:nil="true"/>
-    <OpenTemplate xmlns="4873beb7-5857-4685-be1f-d57550cc96cc">true</OpenTemplate>
-    <LocOverallLocStatusLookup xmlns="4873beb7-5857-4685-be1f-d57550cc96cc" xsi:nil="true"/>
-    <UALocComments xmlns="4873beb7-5857-4685-be1f-d57550cc96cc" xsi:nil="true"/>
-    <ParentAssetId xmlns="4873beb7-5857-4685-be1f-d57550cc96cc" xsi:nil="true"/>
-    <IntlLangReviewDate xmlns="4873beb7-5857-4685-be1f-d57550cc96cc" xsi:nil="true"/>
-    <FeatureTagsTaxHTField0 xmlns="4873beb7-5857-4685-be1f-d57550cc96cc">
-      <Terms xmlns="http://schemas.microsoft.com/office/infopath/2007/PartnerControls"/>
-    </FeatureTagsTaxHTField0>
-    <PublishStatusLookup xmlns="4873beb7-5857-4685-be1f-d57550cc96cc">
-      <Value>1345093</Value>
-    </PublishStatusLookup>
-    <Providers xmlns="4873beb7-5857-4685-be1f-d57550cc96cc" xsi:nil="true"/>
-    <MachineTranslated xmlns="4873beb7-5857-4685-be1f-d57550cc96cc">false</MachineTranslated>
-    <OriginalSourceMarket xmlns="4873beb7-5857-4685-be1f-d57550cc96cc" xsi:nil="true"/>
-    <APDescription xmlns="4873beb7-5857-4685-be1f-d57550cc96cc">This simple template design works for technology and  businesses, but it's versatile enough to use in other contexts.  It features multiple slide layouts designed for widescreen (16x9 resolution) and includes a sample SmartArt list and chart that are easily editable.</APDescription>
-    <ClipArtFilename xmlns="4873beb7-5857-4685-be1f-d57550cc96cc" xsi:nil="true"/>
-    <ContentItem xmlns="4873beb7-5857-4685-be1f-d57550cc96cc" xsi:nil="true"/>
-    <TPInstallLocation xmlns="4873beb7-5857-4685-be1f-d57550cc96cc" xsi:nil="true"/>
-    <PublishTargets xmlns="4873beb7-5857-4685-be1f-d57550cc96cc">OfficeOnlineVNext</PublishTargets>
-    <TimesCloned xmlns="4873beb7-5857-4685-be1f-d57550cc96cc" xsi:nil="true"/>
-    <AssetStart xmlns="4873beb7-5857-4685-be1f-d57550cc96cc">2011-11-26T00:30:00+00:00</AssetStart>
-    <Provider xmlns="4873beb7-5857-4685-be1f-d57550cc96cc" xsi:nil="true"/>
-    <AcquiredFrom xmlns="4873beb7-5857-4685-be1f-d57550cc96cc">Internal MS</AcquiredFrom>
-    <FriendlyTitle xmlns="4873beb7-5857-4685-be1f-d57550cc96cc" xsi:nil="true"/>
-    <LastHandOff xmlns="4873beb7-5857-4685-be1f-d57550cc96cc" xsi:nil="true"/>
-    <TPClientViewer xmlns="4873beb7-5857-4685-be1f-d57550cc96cc" xsi:nil="true"/>
-    <TemplateStatus xmlns="4873beb7-5857-4685-be1f-d57550cc96cc">Complete</TemplateStatus>
-    <Downloads xmlns="4873beb7-5857-4685-be1f-d57550cc96cc">0</Downloads>
-    <OOCacheId xmlns="4873beb7-5857-4685-be1f-d57550cc96cc" xsi:nil="true"/>
-    <IsDeleted xmlns="4873beb7-5857-4685-be1f-d57550cc96cc">false</IsDeleted>
-    <LocPublishedDependentAssetsLookup xmlns="4873beb7-5857-4685-be1f-d57550cc96cc" xsi:nil="true"/>
-    <TPExecutable xmlns="4873beb7-5857-4685-be1f-d57550cc96cc" xsi:nil="true"/>
-    <EditorialTags xmlns="4873beb7-5857-4685-be1f-d57550cc96cc" xsi:nil="true"/>
-    <SubmitterId xmlns="4873beb7-5857-4685-be1f-d57550cc96cc" xsi:nil="true"/>
-    <ApprovalLog xmlns="4873beb7-5857-4685-be1f-d57550cc96cc" xsi:nil="true"/>
-    <AssetType xmlns="4873beb7-5857-4685-be1f-d57550cc96cc">TP</AssetType>
-    <BugNumber xmlns="4873beb7-5857-4685-be1f-d57550cc96cc" xsi:nil="true"/>
-    <CSXSubmissionDate xmlns="4873beb7-5857-4685-be1f-d57550cc96cc" xsi:nil="true"/>
-    <CSXUpdate xmlns="4873beb7-5857-4685-be1f-d57550cc96cc">false</CSXUpdate>
-    <Milestone xmlns="4873beb7-5857-4685-be1f-d57550cc96cc" xsi:nil="true"/>
-    <RecommendationsModifier xmlns="4873beb7-5857-4685-be1f-d57550cc96cc" xsi:nil="true"/>
-    <OriginAsset xmlns="4873beb7-5857-4685-be1f-d57550cc96cc" xsi:nil="true"/>
-    <TPComponent xmlns="4873beb7-5857-4685-be1f-d57550cc96cc" xsi:nil="true"/>
-    <AssetId xmlns="4873beb7-5857-4685-be1f-d57550cc96cc">TP102787989</AssetId>
-    <IntlLocPriority xmlns="4873beb7-5857-4685-be1f-d57550cc96cc" xsi:nil="true"/>
-    <PolicheckWords xmlns="4873beb7-5857-4685-be1f-d57550cc96cc" xsi:nil="true"/>
-    <TPLaunchHelpLink xmlns="4873beb7-5857-4685-be1f-d57550cc96cc" xsi:nil="true"/>
-    <TPApplication xmlns="4873beb7-5857-4685-be1f-d57550cc96cc" xsi:nil="true"/>
-    <CrawlForDependencies xmlns="4873beb7-5857-4685-be1f-d57550cc96cc">false</CrawlForDependencies>
-    <HandoffToMSDN xmlns="4873beb7-5857-4685-be1f-d57550cc96cc" xsi:nil="true"/>
-    <PlannedPubDate xmlns="4873beb7-5857-4685-be1f-d57550cc96cc" xsi:nil="true"/>
-    <IntlLangReviewer xmlns="4873beb7-5857-4685-be1f-d57550cc96cc" xsi:nil="true"/>
-    <TrustLevel xmlns="4873beb7-5857-4685-be1f-d57550cc96cc">1 Microsoft Managed Content</TrustLevel>
-    <LocLastLocAttemptVersionLookup xmlns="4873beb7-5857-4685-be1f-d57550cc96cc">694266</LocLastLocAttemptVersionLookup>
-    <LocProcessedForHandoffsLookup xmlns="4873beb7-5857-4685-be1f-d57550cc96cc" xsi:nil="true"/>
-    <IsSearchable xmlns="4873beb7-5857-4685-be1f-d57550cc96cc">true</IsSearchable>
-    <TemplateTemplateType xmlns="4873beb7-5857-4685-be1f-d57550cc96cc">PowerPoint Presentation Template</TemplateTemplateType>
-    <CampaignTagsTaxHTField0 xmlns="4873beb7-5857-4685-be1f-d57550cc96cc">
-      <Terms xmlns="http://schemas.microsoft.com/office/infopath/2007/PartnerControls"/>
-    </CampaignTagsTaxHTField0>
-    <TPNamespace xmlns="4873beb7-5857-4685-be1f-d57550cc96cc" xsi:nil="true"/>
-    <LocOverallPreviewStatusLookup xmlns="4873beb7-5857-4685-be1f-d57550cc96cc" xsi:nil="true"/>
-    <TaxCatchAll xmlns="4873beb7-5857-4685-be1f-d57550cc96cc"/>
-    <Markets xmlns="4873beb7-5857-4685-be1f-d57550cc96cc"/>
-    <UAProjectedTotalWords xmlns="4873beb7-5857-4685-be1f-d57550cc96cc" xsi:nil="true"/>
-    <IntlLangReview xmlns="4873beb7-5857-4685-be1f-d57550cc96cc" xsi:nil="true"/>
-    <OutputCachingOn xmlns="4873beb7-5857-4685-be1f-d57550cc96cc">false</OutputCachingOn>
-    <AverageRating xmlns="4873beb7-5857-4685-be1f-d57550cc96cc" xsi:nil="true"/>
-    <APAuthor xmlns="4873beb7-5857-4685-be1f-d57550cc96cc">
-      <UserInfo>
-        <DisplayName>REDMOND\kristaa</DisplayName>
-        <AccountId>136</AccountId>
-        <AccountType/>
-      </UserInfo>
-    </APAuthor>
-    <LocManualTestRequired xmlns="4873beb7-5857-4685-be1f-d57550cc96cc">false</LocManualTestRequired>
-    <TPCommandLine xmlns="4873beb7-5857-4685-be1f-d57550cc96cc" xsi:nil="true"/>
-    <TPAppVersion xmlns="4873beb7-5857-4685-be1f-d57550cc96cc" xsi:nil="true"/>
-    <EditorialStatus xmlns="4873beb7-5857-4685-be1f-d57550cc96cc">Complete</EditorialStatus>
-    <LastModifiedDateTime xmlns="4873beb7-5857-4685-be1f-d57550cc96cc" xsi:nil="true"/>
-    <ScenarioTagsTaxHTField0 xmlns="4873beb7-5857-4685-be1f-d57550cc96cc">
-      <Terms xmlns="http://schemas.microsoft.com/office/infopath/2007/PartnerControls"/>
-    </ScenarioTagsTaxHTField0>
-    <LocProcessedForMarketsLookup xmlns="4873beb7-5857-4685-be1f-d57550cc96cc" xsi:nil="true"/>
-    <TPLaunchHelpLinkType xmlns="4873beb7-5857-4685-be1f-d57550cc96cc">Template</TPLaunchHelpLinkType>
-    <OriginalRelease xmlns="4873beb7-5857-4685-be1f-d57550cc96cc">15</OriginalRelease>
-    <LocalizationTagsTaxHTField0 xmlns="4873beb7-5857-4685-be1f-d57550cc96cc">
-      <Terms xmlns="http://schemas.microsoft.com/office/infopath/2007/PartnerControls"/>
-    </LocalizationTagsTaxHTField0>
-    <UACurrentWords xmlns="4873beb7-5857-4685-be1f-d57550cc96cc" xsi:nil="true"/>
-    <ArtSampleDocs xmlns="4873beb7-5857-4685-be1f-d57550cc96cc" xsi:nil="true"/>
-    <UALocRecommendation xmlns="4873beb7-5857-4685-be1f-d57550cc96cc">Localize</UALocRecommendation>
-    <Manager xmlns="4873beb7-5857-4685-be1f-d57550cc96cc" xsi:nil="true"/>
-    <LocOverallHandbackStatusLookup xmlns="4873beb7-5857-4685-be1f-d57550cc96cc" xsi:nil="true"/>
-    <ShowIn xmlns="4873beb7-5857-4685-be1f-d57550cc96cc">Show everywhere</ShowIn>
-    <UANotes xmlns="4873beb7-5857-4685-be1f-d57550cc96cc" xsi:nil="true"/>
-    <InternalTagsTaxHTField0 xmlns="4873beb7-5857-4685-be1f-d57550cc96cc">
-      <Terms xmlns="http://schemas.microsoft.com/office/infopath/2007/PartnerControls"/>
-    </InternalTagsTaxHTField0>
-    <CSXHash xmlns="4873beb7-5857-4685-be1f-d57550cc96cc" xsi:nil="true"/>
-    <VoteCount xmlns="4873beb7-5857-4685-be1f-d57550cc96cc" xsi:nil="true"/>
-    <AssetExpire xmlns="4873beb7-5857-4685-be1f-d57550cc96cc">2029-05-12T07:00:00+00:00</AssetExpire>
-    <DSATActionTaken xmlns="4873beb7-5857-4685-be1f-d57550cc96cc" xsi:nil="true"/>
-    <CSXSubmissionMarket xmlns="4873beb7-5857-4685-be1f-d57550cc96cc" xsi:nil="true"/>
-    <LocMarketGroupTiers2 xmlns="4873beb7-5857-4685-be1f-d57550cc96cc" xsi:nil="true"/>
-  </documentManagement>
-</p:properties>
-</file>
-
-<file path=customXml/item2.xml><?xml version="1.0" encoding="utf-8"?>
 <ct:contentTypeSchema xmlns:ct="http://schemas.microsoft.com/office/2006/metadata/contentType" xmlns:ma="http://schemas.microsoft.com/office/2006/metadata/properties/metaAttributes" ct:_="" ma:_="" ma:contentTypeName="TemplateFile" ma:contentTypeID="0x0101006EDDDB5EE6D98C44930B742096920B300400F5B6D36B3EF94B4E9A635CDF2A18F5B8" ma:contentTypeVersion="72" ma:contentTypeDescription="Create a new document." ma:contentTypeScope="" ma:versionID="a23e56308344d904b51738559c3d67c9">
   <xsd:schema xmlns:xsd="http://www.w3.org/2001/XMLSchema" xmlns:xs="http://www.w3.org/2001/XMLSchema" xmlns:p="http://schemas.microsoft.com/office/2006/metadata/properties" xmlns:ns2="4873beb7-5857-4685-be1f-d57550cc96cc" targetNamespace="http://schemas.microsoft.com/office/2006/metadata/properties" ma:root="true" ma:fieldsID="cd0908cc4600e77bf5da051303e00c8d" ns2:_="">
     <xsd:import namespace="4873beb7-5857-4685-be1f-d57550cc96cc"/>
@@ -23840,6 +23737,142 @@
 </ct:contentTypeSchema>
 </file>
 
+<file path=customXml/item2.xml><?xml version="1.0" encoding="utf-8"?>
+<p:properties xmlns:p="http://schemas.microsoft.com/office/2006/metadata/properties" xmlns:xsi="http://www.w3.org/2001/XMLSchema-instance" xmlns:pc="http://schemas.microsoft.com/office/infopath/2007/PartnerControls">
+  <documentManagement>
+    <LocPublishedLinkedAssetsLookup xmlns="4873beb7-5857-4685-be1f-d57550cc96cc" xsi:nil="true"/>
+    <ApprovalStatus xmlns="4873beb7-5857-4685-be1f-d57550cc96cc">InProgress</ApprovalStatus>
+    <MarketSpecific xmlns="4873beb7-5857-4685-be1f-d57550cc96cc">false</MarketSpecific>
+    <LocComments xmlns="4873beb7-5857-4685-be1f-d57550cc96cc" xsi:nil="true"/>
+    <LocLastLocAttemptVersionTypeLookup xmlns="4873beb7-5857-4685-be1f-d57550cc96cc" xsi:nil="true"/>
+    <DirectSourceMarket xmlns="4873beb7-5857-4685-be1f-d57550cc96cc" xsi:nil="true"/>
+    <ThumbnailAssetId xmlns="4873beb7-5857-4685-be1f-d57550cc96cc" xsi:nil="true"/>
+    <PrimaryImageGen xmlns="4873beb7-5857-4685-be1f-d57550cc96cc">false</PrimaryImageGen>
+    <LocNewPublishedVersionLookup xmlns="4873beb7-5857-4685-be1f-d57550cc96cc" xsi:nil="true"/>
+    <LegacyData xmlns="4873beb7-5857-4685-be1f-d57550cc96cc" xsi:nil="true"/>
+    <LocRecommendedHandoff xmlns="4873beb7-5857-4685-be1f-d57550cc96cc" xsi:nil="true"/>
+    <BusinessGroup xmlns="4873beb7-5857-4685-be1f-d57550cc96cc" xsi:nil="true"/>
+    <BlockPublish xmlns="4873beb7-5857-4685-be1f-d57550cc96cc">false</BlockPublish>
+    <TPFriendlyName xmlns="4873beb7-5857-4685-be1f-d57550cc96cc" xsi:nil="true"/>
+    <LocOverallPublishStatusLookup xmlns="4873beb7-5857-4685-be1f-d57550cc96cc" xsi:nil="true"/>
+    <NumericId xmlns="4873beb7-5857-4685-be1f-d57550cc96cc" xsi:nil="true"/>
+    <APEditor xmlns="4873beb7-5857-4685-be1f-d57550cc96cc">
+      <UserInfo>
+        <DisplayName/>
+        <AccountId xsi:nil="true"/>
+        <AccountType/>
+      </UserInfo>
+    </APEditor>
+    <SourceTitle xmlns="4873beb7-5857-4685-be1f-d57550cc96cc" xsi:nil="true"/>
+    <OpenTemplate xmlns="4873beb7-5857-4685-be1f-d57550cc96cc">true</OpenTemplate>
+    <LocOverallLocStatusLookup xmlns="4873beb7-5857-4685-be1f-d57550cc96cc" xsi:nil="true"/>
+    <UALocComments xmlns="4873beb7-5857-4685-be1f-d57550cc96cc" xsi:nil="true"/>
+    <ParentAssetId xmlns="4873beb7-5857-4685-be1f-d57550cc96cc" xsi:nil="true"/>
+    <IntlLangReviewDate xmlns="4873beb7-5857-4685-be1f-d57550cc96cc" xsi:nil="true"/>
+    <FeatureTagsTaxHTField0 xmlns="4873beb7-5857-4685-be1f-d57550cc96cc">
+      <Terms xmlns="http://schemas.microsoft.com/office/infopath/2007/PartnerControls"/>
+    </FeatureTagsTaxHTField0>
+    <PublishStatusLookup xmlns="4873beb7-5857-4685-be1f-d57550cc96cc">
+      <Value>1345093</Value>
+    </PublishStatusLookup>
+    <Providers xmlns="4873beb7-5857-4685-be1f-d57550cc96cc" xsi:nil="true"/>
+    <MachineTranslated xmlns="4873beb7-5857-4685-be1f-d57550cc96cc">false</MachineTranslated>
+    <OriginalSourceMarket xmlns="4873beb7-5857-4685-be1f-d57550cc96cc" xsi:nil="true"/>
+    <APDescription xmlns="4873beb7-5857-4685-be1f-d57550cc96cc">This simple template design works for technology and  businesses, but it's versatile enough to use in other contexts.  It features multiple slide layouts designed for widescreen (16x9 resolution) and includes a sample SmartArt list and chart that are easily editable.</APDescription>
+    <ClipArtFilename xmlns="4873beb7-5857-4685-be1f-d57550cc96cc" xsi:nil="true"/>
+    <ContentItem xmlns="4873beb7-5857-4685-be1f-d57550cc96cc" xsi:nil="true"/>
+    <TPInstallLocation xmlns="4873beb7-5857-4685-be1f-d57550cc96cc" xsi:nil="true"/>
+    <PublishTargets xmlns="4873beb7-5857-4685-be1f-d57550cc96cc">OfficeOnlineVNext</PublishTargets>
+    <TimesCloned xmlns="4873beb7-5857-4685-be1f-d57550cc96cc" xsi:nil="true"/>
+    <AssetStart xmlns="4873beb7-5857-4685-be1f-d57550cc96cc">2011-11-26T00:30:00+00:00</AssetStart>
+    <Provider xmlns="4873beb7-5857-4685-be1f-d57550cc96cc" xsi:nil="true"/>
+    <AcquiredFrom xmlns="4873beb7-5857-4685-be1f-d57550cc96cc">Internal MS</AcquiredFrom>
+    <FriendlyTitle xmlns="4873beb7-5857-4685-be1f-d57550cc96cc" xsi:nil="true"/>
+    <LastHandOff xmlns="4873beb7-5857-4685-be1f-d57550cc96cc" xsi:nil="true"/>
+    <TPClientViewer xmlns="4873beb7-5857-4685-be1f-d57550cc96cc" xsi:nil="true"/>
+    <TemplateStatus xmlns="4873beb7-5857-4685-be1f-d57550cc96cc">Complete</TemplateStatus>
+    <Downloads xmlns="4873beb7-5857-4685-be1f-d57550cc96cc">0</Downloads>
+    <OOCacheId xmlns="4873beb7-5857-4685-be1f-d57550cc96cc" xsi:nil="true"/>
+    <IsDeleted xmlns="4873beb7-5857-4685-be1f-d57550cc96cc">false</IsDeleted>
+    <LocPublishedDependentAssetsLookup xmlns="4873beb7-5857-4685-be1f-d57550cc96cc" xsi:nil="true"/>
+    <TPExecutable xmlns="4873beb7-5857-4685-be1f-d57550cc96cc" xsi:nil="true"/>
+    <EditorialTags xmlns="4873beb7-5857-4685-be1f-d57550cc96cc" xsi:nil="true"/>
+    <SubmitterId xmlns="4873beb7-5857-4685-be1f-d57550cc96cc" xsi:nil="true"/>
+    <ApprovalLog xmlns="4873beb7-5857-4685-be1f-d57550cc96cc" xsi:nil="true"/>
+    <AssetType xmlns="4873beb7-5857-4685-be1f-d57550cc96cc">TP</AssetType>
+    <BugNumber xmlns="4873beb7-5857-4685-be1f-d57550cc96cc" xsi:nil="true"/>
+    <CSXSubmissionDate xmlns="4873beb7-5857-4685-be1f-d57550cc96cc" xsi:nil="true"/>
+    <CSXUpdate xmlns="4873beb7-5857-4685-be1f-d57550cc96cc">false</CSXUpdate>
+    <Milestone xmlns="4873beb7-5857-4685-be1f-d57550cc96cc" xsi:nil="true"/>
+    <RecommendationsModifier xmlns="4873beb7-5857-4685-be1f-d57550cc96cc" xsi:nil="true"/>
+    <OriginAsset xmlns="4873beb7-5857-4685-be1f-d57550cc96cc" xsi:nil="true"/>
+    <TPComponent xmlns="4873beb7-5857-4685-be1f-d57550cc96cc" xsi:nil="true"/>
+    <AssetId xmlns="4873beb7-5857-4685-be1f-d57550cc96cc">TP102787989</AssetId>
+    <IntlLocPriority xmlns="4873beb7-5857-4685-be1f-d57550cc96cc" xsi:nil="true"/>
+    <PolicheckWords xmlns="4873beb7-5857-4685-be1f-d57550cc96cc" xsi:nil="true"/>
+    <TPLaunchHelpLink xmlns="4873beb7-5857-4685-be1f-d57550cc96cc" xsi:nil="true"/>
+    <TPApplication xmlns="4873beb7-5857-4685-be1f-d57550cc96cc" xsi:nil="true"/>
+    <CrawlForDependencies xmlns="4873beb7-5857-4685-be1f-d57550cc96cc">false</CrawlForDependencies>
+    <HandoffToMSDN xmlns="4873beb7-5857-4685-be1f-d57550cc96cc" xsi:nil="true"/>
+    <PlannedPubDate xmlns="4873beb7-5857-4685-be1f-d57550cc96cc" xsi:nil="true"/>
+    <IntlLangReviewer xmlns="4873beb7-5857-4685-be1f-d57550cc96cc" xsi:nil="true"/>
+    <TrustLevel xmlns="4873beb7-5857-4685-be1f-d57550cc96cc">1 Microsoft Managed Content</TrustLevel>
+    <LocLastLocAttemptVersionLookup xmlns="4873beb7-5857-4685-be1f-d57550cc96cc">694266</LocLastLocAttemptVersionLookup>
+    <LocProcessedForHandoffsLookup xmlns="4873beb7-5857-4685-be1f-d57550cc96cc" xsi:nil="true"/>
+    <IsSearchable xmlns="4873beb7-5857-4685-be1f-d57550cc96cc">true</IsSearchable>
+    <TemplateTemplateType xmlns="4873beb7-5857-4685-be1f-d57550cc96cc">PowerPoint Presentation Template</TemplateTemplateType>
+    <CampaignTagsTaxHTField0 xmlns="4873beb7-5857-4685-be1f-d57550cc96cc">
+      <Terms xmlns="http://schemas.microsoft.com/office/infopath/2007/PartnerControls"/>
+    </CampaignTagsTaxHTField0>
+    <TPNamespace xmlns="4873beb7-5857-4685-be1f-d57550cc96cc" xsi:nil="true"/>
+    <LocOverallPreviewStatusLookup xmlns="4873beb7-5857-4685-be1f-d57550cc96cc" xsi:nil="true"/>
+    <TaxCatchAll xmlns="4873beb7-5857-4685-be1f-d57550cc96cc"/>
+    <Markets xmlns="4873beb7-5857-4685-be1f-d57550cc96cc"/>
+    <UAProjectedTotalWords xmlns="4873beb7-5857-4685-be1f-d57550cc96cc" xsi:nil="true"/>
+    <IntlLangReview xmlns="4873beb7-5857-4685-be1f-d57550cc96cc" xsi:nil="true"/>
+    <OutputCachingOn xmlns="4873beb7-5857-4685-be1f-d57550cc96cc">false</OutputCachingOn>
+    <AverageRating xmlns="4873beb7-5857-4685-be1f-d57550cc96cc" xsi:nil="true"/>
+    <APAuthor xmlns="4873beb7-5857-4685-be1f-d57550cc96cc">
+      <UserInfo>
+        <DisplayName>REDMOND\kristaa</DisplayName>
+        <AccountId>136</AccountId>
+        <AccountType/>
+      </UserInfo>
+    </APAuthor>
+    <LocManualTestRequired xmlns="4873beb7-5857-4685-be1f-d57550cc96cc">false</LocManualTestRequired>
+    <TPCommandLine xmlns="4873beb7-5857-4685-be1f-d57550cc96cc" xsi:nil="true"/>
+    <TPAppVersion xmlns="4873beb7-5857-4685-be1f-d57550cc96cc" xsi:nil="true"/>
+    <EditorialStatus xmlns="4873beb7-5857-4685-be1f-d57550cc96cc">Complete</EditorialStatus>
+    <LastModifiedDateTime xmlns="4873beb7-5857-4685-be1f-d57550cc96cc" xsi:nil="true"/>
+    <ScenarioTagsTaxHTField0 xmlns="4873beb7-5857-4685-be1f-d57550cc96cc">
+      <Terms xmlns="http://schemas.microsoft.com/office/infopath/2007/PartnerControls"/>
+    </ScenarioTagsTaxHTField0>
+    <LocProcessedForMarketsLookup xmlns="4873beb7-5857-4685-be1f-d57550cc96cc" xsi:nil="true"/>
+    <TPLaunchHelpLinkType xmlns="4873beb7-5857-4685-be1f-d57550cc96cc">Template</TPLaunchHelpLinkType>
+    <OriginalRelease xmlns="4873beb7-5857-4685-be1f-d57550cc96cc">15</OriginalRelease>
+    <LocalizationTagsTaxHTField0 xmlns="4873beb7-5857-4685-be1f-d57550cc96cc">
+      <Terms xmlns="http://schemas.microsoft.com/office/infopath/2007/PartnerControls"/>
+    </LocalizationTagsTaxHTField0>
+    <UACurrentWords xmlns="4873beb7-5857-4685-be1f-d57550cc96cc" xsi:nil="true"/>
+    <ArtSampleDocs xmlns="4873beb7-5857-4685-be1f-d57550cc96cc" xsi:nil="true"/>
+    <UALocRecommendation xmlns="4873beb7-5857-4685-be1f-d57550cc96cc">Localize</UALocRecommendation>
+    <Manager xmlns="4873beb7-5857-4685-be1f-d57550cc96cc" xsi:nil="true"/>
+    <LocOverallHandbackStatusLookup xmlns="4873beb7-5857-4685-be1f-d57550cc96cc" xsi:nil="true"/>
+    <ShowIn xmlns="4873beb7-5857-4685-be1f-d57550cc96cc">Show everywhere</ShowIn>
+    <UANotes xmlns="4873beb7-5857-4685-be1f-d57550cc96cc" xsi:nil="true"/>
+    <InternalTagsTaxHTField0 xmlns="4873beb7-5857-4685-be1f-d57550cc96cc">
+      <Terms xmlns="http://schemas.microsoft.com/office/infopath/2007/PartnerControls"/>
+    </InternalTagsTaxHTField0>
+    <CSXHash xmlns="4873beb7-5857-4685-be1f-d57550cc96cc" xsi:nil="true"/>
+    <VoteCount xmlns="4873beb7-5857-4685-be1f-d57550cc96cc" xsi:nil="true"/>
+    <AssetExpire xmlns="4873beb7-5857-4685-be1f-d57550cc96cc">2029-05-12T07:00:00+00:00</AssetExpire>
+    <DSATActionTaken xmlns="4873beb7-5857-4685-be1f-d57550cc96cc" xsi:nil="true"/>
+    <CSXSubmissionMarket xmlns="4873beb7-5857-4685-be1f-d57550cc96cc" xsi:nil="true"/>
+    <LocMarketGroupTiers2 xmlns="4873beb7-5857-4685-be1f-d57550cc96cc" xsi:nil="true"/>
+  </documentManagement>
+</p:properties>
+</file>
+
 <file path=customXml/item3.xml><?xml version="1.0" encoding="utf-8"?>
 <?mso-contentType ?>
 <FormTemplates xmlns="http://schemas.microsoft.com/sharepoint/v3/contenttype/forms">
@@ -23850,22 +23883,6 @@
 </file>
 
 <file path=customXml/itemProps1.xml><?xml version="1.0" encoding="utf-8"?>
-<ds:datastoreItem xmlns:ds="http://schemas.openxmlformats.org/officeDocument/2006/customXml" ds:itemID="{60C67BEE-D13F-4BD2-98A5-34D8A0977F68}">
-  <ds:schemaRefs>
-    <ds:schemaRef ds:uri="http://purl.org/dc/elements/1.1/"/>
-    <ds:schemaRef ds:uri="http://www.w3.org/XML/1998/namespace"/>
-    <ds:schemaRef ds:uri="http://schemas.microsoft.com/office/2006/metadata/properties"/>
-    <ds:schemaRef ds:uri="http://purl.org/dc/terms/"/>
-    <ds:schemaRef ds:uri="http://purl.org/dc/dcmitype/"/>
-    <ds:schemaRef ds:uri="http://schemas.microsoft.com/office/2006/documentManagement/types"/>
-    <ds:schemaRef ds:uri="http://schemas.openxmlformats.org/package/2006/metadata/core-properties"/>
-    <ds:schemaRef ds:uri="http://schemas.microsoft.com/office/infopath/2007/PartnerControls"/>
-    <ds:schemaRef ds:uri="4873beb7-5857-4685-be1f-d57550cc96cc"/>
-  </ds:schemaRefs>
-</ds:datastoreItem>
-</file>
-
-<file path=customXml/itemProps2.xml><?xml version="1.0" encoding="utf-8"?>
 <ds:datastoreItem xmlns:ds="http://schemas.openxmlformats.org/officeDocument/2006/customXml" ds:itemID="{A09BF4D4-EF60-4196-BFC3-9462D607978C}">
   <ds:schemaRefs>
     <ds:schemaRef ds:uri="http://schemas.microsoft.com/office/2006/metadata/contentType"/>
@@ -23883,6 +23900,22 @@
 </ds:datastoreItem>
 </file>
 
+<file path=customXml/itemProps2.xml><?xml version="1.0" encoding="utf-8"?>
+<ds:datastoreItem xmlns:ds="http://schemas.openxmlformats.org/officeDocument/2006/customXml" ds:itemID="{60C67BEE-D13F-4BD2-98A5-34D8A0977F68}">
+  <ds:schemaRefs>
+    <ds:schemaRef ds:uri="http://purl.org/dc/elements/1.1/"/>
+    <ds:schemaRef ds:uri="http://www.w3.org/XML/1998/namespace"/>
+    <ds:schemaRef ds:uri="http://schemas.microsoft.com/office/2006/metadata/properties"/>
+    <ds:schemaRef ds:uri="http://purl.org/dc/terms/"/>
+    <ds:schemaRef ds:uri="http://purl.org/dc/dcmitype/"/>
+    <ds:schemaRef ds:uri="http://schemas.microsoft.com/office/2006/documentManagement/types"/>
+    <ds:schemaRef ds:uri="http://schemas.openxmlformats.org/package/2006/metadata/core-properties"/>
+    <ds:schemaRef ds:uri="http://schemas.microsoft.com/office/infopath/2007/PartnerControls"/>
+    <ds:schemaRef ds:uri="4873beb7-5857-4685-be1f-d57550cc96cc"/>
+  </ds:schemaRefs>
+</ds:datastoreItem>
+</file>
+
 <file path=customXml/itemProps3.xml><?xml version="1.0" encoding="utf-8"?>
 <ds:datastoreItem xmlns:ds="http://schemas.openxmlformats.org/officeDocument/2006/customXml" ds:itemID="{3836F65B-1B07-41EE-A0E8-BC6EF3855225}">
   <ds:schemaRefs>

--- a/2019.12.20_esp32-cam/ESP32-CAM-AI影像辨識應用.pptx
+++ b/2019.12.20_esp32-cam/ESP32-CAM-AI影像辨識應用.pptx
@@ -5,10 +5,10 @@
     <p:sldMasterId id="2147483660" r:id="rId4"/>
   </p:sldMasterIdLst>
   <p:notesMasterIdLst>
-    <p:notesMasterId r:id="rId41"/>
+    <p:notesMasterId r:id="rId42"/>
   </p:notesMasterIdLst>
   <p:handoutMasterIdLst>
-    <p:handoutMasterId r:id="rId42"/>
+    <p:handoutMasterId r:id="rId43"/>
   </p:handoutMasterIdLst>
   <p:sldIdLst>
     <p:sldId id="257" r:id="rId5"/>
@@ -42,11 +42,12 @@
     <p:sldId id="303" r:id="rId33"/>
     <p:sldId id="305" r:id="rId34"/>
     <p:sldId id="294" r:id="rId35"/>
-    <p:sldId id="310" r:id="rId36"/>
-    <p:sldId id="290" r:id="rId37"/>
-    <p:sldId id="292" r:id="rId38"/>
-    <p:sldId id="311" r:id="rId39"/>
-    <p:sldId id="312" r:id="rId40"/>
+    <p:sldId id="320" r:id="rId36"/>
+    <p:sldId id="310" r:id="rId37"/>
+    <p:sldId id="290" r:id="rId38"/>
+    <p:sldId id="292" r:id="rId39"/>
+    <p:sldId id="311" r:id="rId40"/>
+    <p:sldId id="312" r:id="rId41"/>
   </p:sldIdLst>
   <p:sldSz cx="12188825" cy="6858000"/>
   <p:notesSz cx="6858000" cy="9144000"/>
@@ -3138,7 +3139,7 @@
     </p:spTree>
     <p:extLst>
       <p:ext uri="{BB962C8B-B14F-4D97-AF65-F5344CB8AC3E}">
-        <p14:creationId xmlns:p14="http://schemas.microsoft.com/office/powerpoint/2010/main" val="1878349663"/>
+        <p14:creationId xmlns:p14="http://schemas.microsoft.com/office/powerpoint/2010/main" val="1463276143"/>
       </p:ext>
     </p:extLst>
   </p:cSld>
@@ -3238,7 +3239,7 @@
     </p:spTree>
     <p:extLst>
       <p:ext uri="{BB962C8B-B14F-4D97-AF65-F5344CB8AC3E}">
-        <p14:creationId xmlns:p14="http://schemas.microsoft.com/office/powerpoint/2010/main" val="2267600223"/>
+        <p14:creationId xmlns:p14="http://schemas.microsoft.com/office/powerpoint/2010/main" val="1878349663"/>
       </p:ext>
     </p:extLst>
   </p:cSld>
@@ -3338,7 +3339,7 @@
     </p:spTree>
     <p:extLst>
       <p:ext uri="{BB962C8B-B14F-4D97-AF65-F5344CB8AC3E}">
-        <p14:creationId xmlns:p14="http://schemas.microsoft.com/office/powerpoint/2010/main" val="1275494386"/>
+        <p14:creationId xmlns:p14="http://schemas.microsoft.com/office/powerpoint/2010/main" val="2267600223"/>
       </p:ext>
     </p:extLst>
   </p:cSld>
@@ -3438,7 +3439,7 @@
     </p:spTree>
     <p:extLst>
       <p:ext uri="{BB962C8B-B14F-4D97-AF65-F5344CB8AC3E}">
-        <p14:creationId xmlns:p14="http://schemas.microsoft.com/office/powerpoint/2010/main" val="805299664"/>
+        <p14:creationId xmlns:p14="http://schemas.microsoft.com/office/powerpoint/2010/main" val="1275494386"/>
       </p:ext>
     </p:extLst>
   </p:cSld>
@@ -3527,6 +3528,106 @@
               </a:rPr>
               <a:pPr algn="r" rtl="0"/>
               <a:t>36</a:t>
+            </a:fld>
+            <a:endParaRPr lang="zh-TW" altLang="en-US" dirty="0">
+              <a:latin typeface="+mj-ea"/>
+              <a:ea typeface="+mj-ea"/>
+            </a:endParaRPr>
+          </a:p>
+        </p:txBody>
+      </p:sp>
+    </p:spTree>
+    <p:extLst>
+      <p:ext uri="{BB962C8B-B14F-4D97-AF65-F5344CB8AC3E}">
+        <p14:creationId xmlns:p14="http://schemas.microsoft.com/office/powerpoint/2010/main" val="805299664"/>
+      </p:ext>
+    </p:extLst>
+  </p:cSld>
+  <p:clrMapOvr>
+    <a:masterClrMapping/>
+  </p:clrMapOvr>
+</p:notes>
+</file>
+
+<file path=ppt/notesSlides/notesSlide35.xml><?xml version="1.0" encoding="utf-8"?>
+<p:notes xmlns:a="http://schemas.openxmlformats.org/drawingml/2006/main" xmlns:r="http://schemas.openxmlformats.org/officeDocument/2006/relationships" xmlns:p="http://schemas.openxmlformats.org/presentationml/2006/main">
+  <p:cSld>
+    <p:spTree>
+      <p:nvGrpSpPr>
+        <p:cNvPr id="1" name=""/>
+        <p:cNvGrpSpPr/>
+        <p:nvPr/>
+      </p:nvGrpSpPr>
+      <p:grpSpPr>
+        <a:xfrm>
+          <a:off x="0" y="0"/>
+          <a:ext cx="0" cy="0"/>
+          <a:chOff x="0" y="0"/>
+          <a:chExt cx="0" cy="0"/>
+        </a:xfrm>
+      </p:grpSpPr>
+      <p:sp>
+        <p:nvSpPr>
+          <p:cNvPr id="2" name="投影片圖像版面配置區 1"/>
+          <p:cNvSpPr>
+            <a:spLocks noGrp="1" noRot="1" noChangeAspect="1"/>
+          </p:cNvSpPr>
+          <p:nvPr>
+            <p:ph type="sldImg"/>
+          </p:nvPr>
+        </p:nvSpPr>
+        <p:spPr/>
+      </p:sp>
+      <p:sp>
+        <p:nvSpPr>
+          <p:cNvPr id="3" name="備忘稿版面配置區 2"/>
+          <p:cNvSpPr>
+            <a:spLocks noGrp="1"/>
+          </p:cNvSpPr>
+          <p:nvPr>
+            <p:ph type="body" idx="1"/>
+          </p:nvPr>
+        </p:nvSpPr>
+        <p:spPr/>
+        <p:txBody>
+          <a:bodyPr/>
+          <a:lstStyle/>
+          <a:p>
+            <a:endParaRPr lang="zh-TW" altLang="en-US" dirty="0"/>
+          </a:p>
+        </p:txBody>
+      </p:sp>
+      <p:sp>
+        <p:nvSpPr>
+          <p:cNvPr id="5" name="投影片編號版面配置區 3"/>
+          <p:cNvSpPr>
+            <a:spLocks noGrp="1"/>
+          </p:cNvSpPr>
+          <p:nvPr>
+            <p:ph type="sldNum" sz="quarter" idx="5"/>
+          </p:nvPr>
+        </p:nvSpPr>
+        <p:spPr>
+          <a:xfrm>
+            <a:off x="3884613" y="8685213"/>
+            <a:ext cx="2971800" cy="457200"/>
+          </a:xfrm>
+          <a:prstGeom prst="rect">
+            <a:avLst/>
+          </a:prstGeom>
+        </p:spPr>
+        <p:txBody>
+          <a:bodyPr/>
+          <a:lstStyle/>
+          <a:p>
+            <a:pPr algn="r" rtl="0"/>
+            <a:fld id="{3EBA5BD7-F043-4D1B-AA17-CD412FC534DE}" type="slidenum">
+              <a:rPr lang="en-US" altLang="zh-TW" smtClean="0">
+                <a:latin typeface="+mj-ea"/>
+                <a:ea typeface="+mj-ea"/>
+              </a:rPr>
+              <a:pPr algn="r" rtl="0"/>
+              <a:t>37</a:t>
             </a:fld>
             <a:endParaRPr lang="zh-TW" altLang="en-US" dirty="0">
               <a:latin typeface="+mj-ea"/>
@@ -10445,7 +10546,7 @@
               <a:t>Webduino</a:t>
             </a:r>
             <a:r>
-              <a:rPr lang="zh-TW" altLang="en-US" sz="3800" smtClean="0">
+              <a:rPr lang="zh-TW" altLang="en-US" sz="3800" dirty="0" smtClean="0">
                 <a:solidFill>
                   <a:schemeClr val="accent2">
                     <a:lumMod val="60000"/>
@@ -10491,28 +10592,42 @@
               <a:buNone/>
             </a:pPr>
             <a:r>
+              <a:rPr lang="zh-TW" altLang="en-US" sz="3800" dirty="0" smtClean="0"/>
+              <a:t>雲端平台</a:t>
+            </a:r>
+            <a:r>
+              <a:rPr lang="en-US" altLang="zh-TW" sz="3800" dirty="0" smtClean="0">
+                <a:hlinkClick r:id="rId5"/>
+              </a:rPr>
+              <a:t>https</a:t>
+            </a:r>
+            <a:r>
               <a:rPr lang="en-US" altLang="zh-TW" sz="3800" dirty="0">
                 <a:hlinkClick r:id="rId5"/>
               </a:rPr>
-              <a:t>https://</a:t>
-            </a:r>
-            <a:r>
-              <a:rPr lang="en-US" altLang="zh-TW" sz="3800" dirty="0" err="1">
+              <a:t>://</a:t>
+            </a:r>
+            <a:r>
+              <a:rPr lang="en-US" altLang="zh-TW" sz="3800" dirty="0" err="1" smtClean="0">
                 <a:hlinkClick r:id="rId5"/>
               </a:rPr>
               <a:t>id.webduino.io</a:t>
             </a:r>
             <a:r>
-              <a:rPr lang="en-US" altLang="zh-TW" sz="3800" dirty="0">
+              <a:rPr lang="en-US" altLang="zh-TW" sz="3800" dirty="0" smtClean="0">
                 <a:hlinkClick r:id="rId5"/>
               </a:rPr>
               <a:t>/</a:t>
             </a:r>
             <a:r>
-              <a:rPr lang="en-US" altLang="zh-TW" sz="3800" dirty="0" err="1">
+              <a:rPr lang="en-US" altLang="zh-TW" sz="3800" dirty="0" err="1" smtClean="0">
                 <a:hlinkClick r:id="rId5"/>
               </a:rPr>
               <a:t>signin</a:t>
+            </a:r>
+            <a:r>
+              <a:rPr lang="zh-TW" altLang="en-US" sz="3800" dirty="0" smtClean="0"/>
+              <a:t>或教育版</a:t>
             </a:r>
             <a:endParaRPr lang="en-US" altLang="zh-TW" sz="3800" dirty="0" smtClean="0">
               <a:solidFill>
@@ -10845,7 +10960,31 @@
                 <a:ea typeface="+mn-ea"/>
                 <a:hlinkClick r:id="rId3"/>
               </a:rPr>
-              <a:t>https://webbit.webduino.io/blockly</a:t>
+              <a:t>https://</a:t>
+            </a:r>
+            <a:r>
+              <a:rPr lang="en-US" altLang="zh-TW" sz="2400" dirty="0" err="1">
+                <a:latin typeface="+mn-ea"/>
+                <a:ea typeface="+mn-ea"/>
+                <a:hlinkClick r:id="rId3"/>
+              </a:rPr>
+              <a:t>webbit.webduino.io</a:t>
+            </a:r>
+            <a:r>
+              <a:rPr lang="en-US" altLang="zh-TW" sz="2400" dirty="0">
+                <a:latin typeface="+mn-ea"/>
+                <a:ea typeface="+mn-ea"/>
+                <a:hlinkClick r:id="rId3"/>
+              </a:rPr>
+              <a:t>/</a:t>
+            </a:r>
+            <a:r>
+              <a:rPr lang="en-US" altLang="zh-TW" sz="2400" dirty="0" err="1">
+                <a:latin typeface="+mn-ea"/>
+                <a:ea typeface="+mn-ea"/>
+                <a:hlinkClick r:id="rId3"/>
+              </a:rPr>
+              <a:t>blockly</a:t>
             </a:r>
             <a:r>
               <a:rPr lang="en-US" altLang="zh-TW" sz="2400" dirty="0" smtClean="0">
@@ -10854,6 +10993,48 @@
                 <a:hlinkClick r:id="rId3"/>
               </a:rPr>
               <a:t>/</a:t>
+            </a:r>
+            <a:r>
+              <a:rPr lang="zh-TW" altLang="en-US" sz="2400" dirty="0" smtClean="0">
+                <a:latin typeface="+mn-ea"/>
+                <a:ea typeface="+mn-ea"/>
+              </a:rPr>
+              <a:t>  </a:t>
+            </a:r>
+            <a:r>
+              <a:rPr lang="en-US" altLang="zh-TW" sz="2400" dirty="0" smtClean="0">
+                <a:latin typeface="+mn-ea"/>
+                <a:ea typeface="+mn-ea"/>
+              </a:rPr>
+              <a:t>(</a:t>
+            </a:r>
+            <a:r>
+              <a:rPr lang="zh-TW" altLang="en-US" sz="2400" dirty="0" smtClean="0">
+                <a:latin typeface="+mn-ea"/>
+                <a:ea typeface="+mn-ea"/>
+              </a:rPr>
+              <a:t>無法使用</a:t>
+            </a:r>
+            <a:r>
+              <a:rPr lang="en-US" altLang="zh-TW" sz="2400" dirty="0" smtClean="0">
+                <a:latin typeface="+mn-ea"/>
+                <a:ea typeface="+mn-ea"/>
+              </a:rPr>
+              <a:t>USB</a:t>
+            </a:r>
+            <a:r>
+              <a:rPr lang="zh-TW" altLang="en-US" sz="2400" dirty="0" smtClean="0">
+                <a:latin typeface="+mn-ea"/>
+                <a:ea typeface="+mn-ea"/>
+              </a:rPr>
+              <a:t>連線</a:t>
+            </a:r>
+            <a:r>
+              <a:rPr lang="en-US" altLang="zh-TW" sz="2400" dirty="0" smtClean="0">
+                <a:latin typeface="+mn-ea"/>
+                <a:ea typeface="+mn-ea"/>
+              </a:rPr>
+              <a:t>)</a:t>
             </a:r>
             <a:endParaRPr lang="en-US" altLang="zh-TW" sz="2400" dirty="0" smtClean="0">
               <a:latin typeface="+mn-ea"/>
@@ -11507,7 +11688,7 @@
         </p:nvSpPr>
         <p:spPr>
           <a:xfrm>
-            <a:off x="1039638" y="1225797"/>
+            <a:off x="981844" y="1225797"/>
             <a:ext cx="8749511" cy="461665"/>
           </a:xfrm>
           <a:prstGeom prst="rect">
@@ -11716,7 +11897,7 @@
       </p:sp>
       <p:pic>
         <p:nvPicPr>
-          <p:cNvPr id="4" name="圖片 3"/>
+          <p:cNvPr id="6" name="圖片 5"/>
           <p:cNvPicPr>
             <a:picLocks noChangeAspect="1"/>
           </p:cNvPicPr>
@@ -11730,8 +11911,8 @@
         </p:blipFill>
         <p:spPr>
           <a:xfrm>
-            <a:off x="1053852" y="1268760"/>
-            <a:ext cx="7624731" cy="3004214"/>
+            <a:off x="4294212" y="3789040"/>
+            <a:ext cx="7772400" cy="2971800"/>
           </a:xfrm>
           <a:prstGeom prst="rect">
             <a:avLst/>
@@ -11740,7 +11921,7 @@
       </p:pic>
       <p:pic>
         <p:nvPicPr>
-          <p:cNvPr id="6" name="圖片 5"/>
+          <p:cNvPr id="5" name="圖片 4"/>
           <p:cNvPicPr>
             <a:picLocks noChangeAspect="1"/>
           </p:cNvPicPr>
@@ -11754,8 +11935,8 @@
         </p:blipFill>
         <p:spPr>
           <a:xfrm>
-            <a:off x="4294212" y="3789040"/>
-            <a:ext cx="7772400" cy="2971800"/>
+            <a:off x="1053852" y="1102657"/>
+            <a:ext cx="7820025" cy="3143250"/>
           </a:xfrm>
           <a:prstGeom prst="rect">
             <a:avLst/>
@@ -14822,10 +15003,10 @@
                   </a:schemeClr>
                 </a:solidFill>
               </a:rPr>
-              <a:t>官方範例</a:t>
-            </a:r>
-            <a:r>
-              <a:rPr lang="zh-TW" altLang="en-US" sz="3100" dirty="0" smtClean="0">
+              <a:t>官方範例改寫模組 </a:t>
+            </a:r>
+            <a:r>
+              <a:rPr lang="en-US" altLang="zh-TW" sz="3100" dirty="0" smtClean="0">
                 <a:solidFill>
                   <a:schemeClr val="accent4">
                     <a:lumMod val="60000"/>
@@ -14833,7 +15014,7 @@
                   </a:schemeClr>
                 </a:solidFill>
               </a:rPr>
-              <a:t>改寫</a:t>
+              <a:t>(</a:t>
             </a:r>
             <a:r>
               <a:rPr lang="zh-TW" altLang="en-US" sz="3100" dirty="0" smtClean="0">
@@ -14844,7 +15025,7 @@
                   </a:schemeClr>
                 </a:solidFill>
               </a:rPr>
-              <a:t>模組 </a:t>
+              <a:t>人臉辨識</a:t>
             </a:r>
             <a:r>
               <a:rPr lang="en-US" altLang="zh-TW" sz="3100" dirty="0" smtClean="0">
@@ -14855,38 +15036,8 @@
                   </a:schemeClr>
                 </a:solidFill>
               </a:rPr>
-              <a:t>(</a:t>
-            </a:r>
-            <a:r>
-              <a:rPr lang="zh-TW" altLang="en-US" sz="3100" dirty="0" smtClean="0">
-                <a:solidFill>
-                  <a:schemeClr val="accent4">
-                    <a:lumMod val="60000"/>
-                    <a:lumOff val="40000"/>
-                  </a:schemeClr>
-                </a:solidFill>
-              </a:rPr>
-              <a:t>人臉辨識</a:t>
-            </a:r>
-            <a:r>
-              <a:rPr lang="en-US" altLang="zh-TW" sz="3100" dirty="0" smtClean="0">
-                <a:solidFill>
-                  <a:schemeClr val="accent4">
-                    <a:lumMod val="60000"/>
-                    <a:lumOff val="40000"/>
-                  </a:schemeClr>
-                </a:solidFill>
-              </a:rPr>
               <a:t>)</a:t>
             </a:r>
-            <a:endParaRPr lang="en-US" altLang="zh-TW" sz="3100" dirty="0" smtClean="0">
-              <a:solidFill>
-                <a:schemeClr val="accent4">
-                  <a:lumMod val="60000"/>
-                  <a:lumOff val="40000"/>
-                </a:schemeClr>
-              </a:solidFill>
-            </a:endParaRPr>
           </a:p>
           <a:p>
             <a:pPr marL="0" indent="0">
@@ -15612,10 +15763,10 @@
                   </a:schemeClr>
                 </a:solidFill>
               </a:rPr>
-              <a:t>(7)</a:t>
-            </a:r>
-            <a:r>
-              <a:rPr lang="zh-TW" altLang="en-US" sz="3600" dirty="0">
+              <a:t>(7</a:t>
+            </a:r>
+            <a:r>
+              <a:rPr lang="en-US" altLang="zh-TW" sz="3600" dirty="0" smtClean="0">
                 <a:solidFill>
                   <a:schemeClr val="accent2">
                     <a:lumMod val="60000"/>
@@ -15623,7 +15774,29 @@
                   </a:schemeClr>
                 </a:solidFill>
               </a:rPr>
-              <a:t>自訂指令控制馬達驅動</a:t>
+              <a:t>)</a:t>
+            </a:r>
+            <a:r>
+              <a:rPr lang="zh-TW" altLang="en-US" sz="3600" dirty="0" smtClean="0">
+                <a:solidFill>
+                  <a:schemeClr val="accent2">
+                    <a:lumMod val="60000"/>
+                    <a:lumOff val="40000"/>
+                  </a:schemeClr>
+                </a:solidFill>
+              </a:rPr>
+              <a:t> 自訂</a:t>
+            </a:r>
+            <a:r>
+              <a:rPr lang="zh-TW" altLang="en-US" sz="3600" dirty="0">
+                <a:solidFill>
+                  <a:schemeClr val="accent2">
+                    <a:lumMod val="60000"/>
+                    <a:lumOff val="40000"/>
+                  </a:schemeClr>
+                </a:solidFill>
+              </a:rPr>
+              <a:t>指令控制馬達驅動</a:t>
             </a:r>
             <a:r>
               <a:rPr lang="en-US" altLang="zh-TW" sz="3600" dirty="0" smtClean="0">
@@ -15838,6 +16011,47 @@
           <a:chExt cx="0" cy="0"/>
         </a:xfrm>
       </p:grpSpPr>
+      <p:pic>
+        <p:nvPicPr>
+          <p:cNvPr id="1028" name="Picture 4" descr="圖像裡可能有文字"/>
+          <p:cNvPicPr>
+            <a:picLocks noChangeAspect="1" noChangeArrowheads="1"/>
+          </p:cNvPicPr>
+          <p:nvPr/>
+        </p:nvPicPr>
+        <p:blipFill>
+          <a:blip r:embed="rId3">
+            <a:extLst>
+              <a:ext uri="{28A0092B-C50C-407E-A947-70E740481C1C}">
+                <a14:useLocalDpi xmlns:a14="http://schemas.microsoft.com/office/drawing/2010/main" val="0"/>
+              </a:ext>
+            </a:extLst>
+          </a:blip>
+          <a:srcRect/>
+          <a:stretch>
+            <a:fillRect/>
+          </a:stretch>
+        </p:blipFill>
+        <p:spPr bwMode="auto">
+          <a:xfrm>
+            <a:off x="5569834" y="2132856"/>
+            <a:ext cx="6501242" cy="4625169"/>
+          </a:xfrm>
+          <a:prstGeom prst="rect">
+            <a:avLst/>
+          </a:prstGeom>
+          <a:noFill/>
+          <a:extLst>
+            <a:ext uri="{909E8E84-426E-40DD-AFC4-6F175D3DCCD1}">
+              <a14:hiddenFill xmlns:a14="http://schemas.microsoft.com/office/drawing/2010/main">
+                <a:solidFill>
+                  <a:srgbClr val="FFFFFF"/>
+                </a:solidFill>
+              </a14:hiddenFill>
+            </a:ext>
+          </a:extLst>
+        </p:spPr>
+      </p:pic>
       <p:sp>
         <p:nvSpPr>
           <p:cNvPr id="3" name="內容預留位置 2"/>
@@ -15922,47 +16136,6 @@
           <p:nvPr/>
         </p:nvPicPr>
         <p:blipFill>
-          <a:blip r:embed="rId3">
-            <a:extLst>
-              <a:ext uri="{28A0092B-C50C-407E-A947-70E740481C1C}">
-                <a14:useLocalDpi xmlns:a14="http://schemas.microsoft.com/office/drawing/2010/main" val="0"/>
-              </a:ext>
-            </a:extLst>
-          </a:blip>
-          <a:srcRect/>
-          <a:stretch>
-            <a:fillRect/>
-          </a:stretch>
-        </p:blipFill>
-        <p:spPr bwMode="auto">
-          <a:xfrm>
-            <a:off x="261764" y="188640"/>
-            <a:ext cx="5561229" cy="2280564"/>
-          </a:xfrm>
-          <a:prstGeom prst="rect">
-            <a:avLst/>
-          </a:prstGeom>
-          <a:noFill/>
-          <a:extLst>
-            <a:ext uri="{909E8E84-426E-40DD-AFC4-6F175D3DCCD1}">
-              <a14:hiddenFill xmlns:a14="http://schemas.microsoft.com/office/drawing/2010/main">
-                <a:solidFill>
-                  <a:srgbClr val="FFFFFF"/>
-                </a:solidFill>
-              </a14:hiddenFill>
-            </a:ext>
-          </a:extLst>
-        </p:spPr>
-      </p:pic>
-      <p:pic>
-        <p:nvPicPr>
-          <p:cNvPr id="1028" name="Picture 4" descr="圖像裡可能有文字"/>
-          <p:cNvPicPr>
-            <a:picLocks noChangeAspect="1" noChangeArrowheads="1"/>
-          </p:cNvPicPr>
-          <p:nvPr/>
-        </p:nvPicPr>
-        <p:blipFill>
           <a:blip r:embed="rId4">
             <a:extLst>
               <a:ext uri="{28A0092B-C50C-407E-A947-70E740481C1C}">
@@ -15977,8 +16150,8 @@
         </p:blipFill>
         <p:spPr bwMode="auto">
           <a:xfrm>
-            <a:off x="5294348" y="2026094"/>
-            <a:ext cx="6659635" cy="4737854"/>
+            <a:off x="261764" y="41502"/>
+            <a:ext cx="6655976" cy="2280564"/>
           </a:xfrm>
           <a:prstGeom prst="rect">
             <a:avLst/>
@@ -16011,8 +16184,8 @@
         </p:blipFill>
         <p:spPr>
           <a:xfrm>
-            <a:off x="818290" y="2443241"/>
-            <a:ext cx="4448175" cy="4314825"/>
+            <a:off x="1898157" y="2322066"/>
+            <a:ext cx="3662164" cy="3552378"/>
           </a:xfrm>
           <a:prstGeom prst="rect">
             <a:avLst/>
@@ -16027,7 +16200,7 @@
         </p:nvSpPr>
         <p:spPr>
           <a:xfrm>
-            <a:off x="6918495" y="1338495"/>
+            <a:off x="8320522" y="1654071"/>
             <a:ext cx="3868303" cy="461665"/>
           </a:xfrm>
           <a:prstGeom prst="rect">
@@ -16231,10 +16404,10 @@
                   </a:schemeClr>
                 </a:solidFill>
               </a:rPr>
-              <a:t>物件辨識模組程式解說</a:t>
-            </a:r>
-            <a:r>
-              <a:rPr lang="en-US" altLang="zh-TW" sz="3600" dirty="0" smtClean="0">
+              <a:t>物件辨識模組程式</a:t>
+            </a:r>
+            <a:r>
+              <a:rPr lang="zh-TW" altLang="en-US" sz="3600" dirty="0" smtClean="0">
                 <a:solidFill>
                   <a:schemeClr val="accent2">
                     <a:lumMod val="60000"/>
@@ -16242,30 +16415,16 @@
                   </a:schemeClr>
                 </a:solidFill>
               </a:rPr>
-              <a:t>(Chrome</a:t>
-            </a:r>
-            <a:r>
-              <a:rPr lang="zh-TW" altLang="en-US" sz="3600" dirty="0" smtClean="0">
-                <a:solidFill>
-                  <a:schemeClr val="accent2">
-                    <a:lumMod val="60000"/>
-                    <a:lumOff val="40000"/>
-                  </a:schemeClr>
-                </a:solidFill>
-              </a:rPr>
-              <a:t>開啟</a:t>
-            </a:r>
-            <a:r>
-              <a:rPr lang="en-US" altLang="zh-TW" sz="3600" dirty="0" smtClean="0">
-                <a:solidFill>
-                  <a:schemeClr val="accent2">
-                    <a:lumMod val="60000"/>
-                    <a:lumOff val="40000"/>
-                  </a:schemeClr>
-                </a:solidFill>
-              </a:rPr>
-              <a:t>)</a:t>
-            </a:r>
+              <a:t>解說</a:t>
+            </a:r>
+            <a:endParaRPr lang="en-US" altLang="zh-TW" sz="3600" dirty="0" smtClean="0">
+              <a:solidFill>
+                <a:schemeClr val="accent2">
+                  <a:lumMod val="60000"/>
+                  <a:lumOff val="40000"/>
+                </a:schemeClr>
+              </a:solidFill>
+            </a:endParaRPr>
           </a:p>
           <a:p>
             <a:pPr marL="0" indent="0">
@@ -16708,7 +16867,7 @@
         </p:spPr>
         <p:txBody>
           <a:bodyPr rtlCol="0">
-            <a:normAutofit fontScale="92500" lnSpcReduction="20000"/>
+            <a:normAutofit fontScale="85000" lnSpcReduction="20000"/>
           </a:bodyPr>
           <a:lstStyle/>
           <a:p>
@@ -16800,10 +16959,10 @@
                   </a:schemeClr>
                 </a:solidFill>
               </a:rPr>
-              <a:t>姿態辨識模組程式解說</a:t>
-            </a:r>
-            <a:r>
-              <a:rPr lang="en-US" altLang="zh-TW" sz="3600" dirty="0" smtClean="0">
+              <a:t>姿態辨識模組程式</a:t>
+            </a:r>
+            <a:r>
+              <a:rPr lang="zh-TW" altLang="en-US" sz="3600" dirty="0" smtClean="0">
                 <a:solidFill>
                   <a:schemeClr val="accent2">
                     <a:lumMod val="60000"/>
@@ -16811,10 +16970,23 @@
                   </a:schemeClr>
                 </a:solidFill>
               </a:rPr>
-              <a:t>(Chrome</a:t>
-            </a:r>
-            <a:r>
-              <a:rPr lang="zh-TW" altLang="en-US" sz="3600" dirty="0" smtClean="0">
+              <a:t>解說</a:t>
+            </a:r>
+            <a:endParaRPr lang="en-US" altLang="zh-TW" sz="3600" dirty="0" smtClean="0">
+              <a:solidFill>
+                <a:schemeClr val="accent2">
+                  <a:lumMod val="60000"/>
+                  <a:lumOff val="40000"/>
+                </a:schemeClr>
+              </a:solidFill>
+            </a:endParaRPr>
+          </a:p>
+          <a:p>
+            <a:pPr marL="0" indent="0">
+              <a:buNone/>
+            </a:pPr>
+            <a:r>
+              <a:rPr lang="en-US" altLang="zh-TW" sz="3600" dirty="0" smtClean="0">
                 <a:solidFill>
                   <a:schemeClr val="accent2">
                     <a:lumMod val="60000"/>
@@ -16822,10 +16994,10 @@
                   </a:schemeClr>
                 </a:solidFill>
               </a:rPr>
-              <a:t>開啟</a:t>
-            </a:r>
-            <a:r>
-              <a:rPr lang="en-US" altLang="zh-TW" sz="3600" dirty="0" smtClean="0">
+              <a:t>(2) </a:t>
+            </a:r>
+            <a:r>
+              <a:rPr lang="zh-TW" altLang="en-US" sz="3600" dirty="0" smtClean="0">
                 <a:solidFill>
                   <a:schemeClr val="accent2">
                     <a:lumMod val="60000"/>
@@ -16833,34 +17005,7 @@
                   </a:schemeClr>
                 </a:solidFill>
               </a:rPr>
-              <a:t>)</a:t>
-            </a:r>
-          </a:p>
-          <a:p>
-            <a:pPr marL="0" indent="0">
-              <a:buNone/>
-            </a:pPr>
-            <a:r>
-              <a:rPr lang="en-US" altLang="zh-TW" sz="3600" dirty="0" smtClean="0">
-                <a:solidFill>
-                  <a:schemeClr val="accent2">
-                    <a:lumMod val="60000"/>
-                    <a:lumOff val="40000"/>
-                  </a:schemeClr>
-                </a:solidFill>
-              </a:rPr>
-              <a:t>(2) </a:t>
-            </a:r>
-            <a:r>
-              <a:rPr lang="zh-TW" altLang="en-US" sz="3600" dirty="0" smtClean="0">
-                <a:solidFill>
-                  <a:schemeClr val="accent2">
-                    <a:lumMod val="60000"/>
-                    <a:lumOff val="40000"/>
-                  </a:schemeClr>
-                </a:solidFill>
-              </a:rPr>
-              <a:t>姿態辨識智慧控制 </a:t>
+              <a:t>姿態辨識控制閃光燈</a:t>
             </a:r>
             <a:endParaRPr lang="en-US" altLang="zh-TW" sz="3600" dirty="0" smtClean="0">
               <a:solidFill>
@@ -16950,6 +17095,12 @@
             <a:pPr marL="0" indent="0">
               <a:buNone/>
             </a:pPr>
+            <a:endParaRPr lang="en-US" altLang="zh-TW" dirty="0" smtClean="0"/>
+          </a:p>
+          <a:p>
+            <a:pPr marL="0" indent="0">
+              <a:buNone/>
+            </a:pPr>
             <a:r>
               <a:rPr lang="zh-TW" altLang="en-US" sz="3600" dirty="0" smtClean="0">
                 <a:solidFill>
@@ -17027,7 +17178,7 @@
     </p:spTree>
     <p:extLst>
       <p:ext uri="{BB962C8B-B14F-4D97-AF65-F5344CB8AC3E}">
-        <p14:creationId xmlns:p14="http://schemas.microsoft.com/office/powerpoint/2010/main" val="909286662"/>
+        <p14:creationId xmlns:p14="http://schemas.microsoft.com/office/powerpoint/2010/main" val="2946303462"/>
       </p:ext>
     </p:extLst>
   </p:cSld>
@@ -17073,964 +17224,34 @@
           <a:chExt cx="0" cy="0"/>
         </a:xfrm>
       </p:grpSpPr>
-      <p:sp>
-        <p:nvSpPr>
-          <p:cNvPr id="3" name="標題 2"/>
-          <p:cNvSpPr>
-            <a:spLocks noGrp="1"/>
-          </p:cNvSpPr>
-          <p:nvPr>
-            <p:ph type="title"/>
-          </p:nvPr>
-        </p:nvSpPr>
+      <p:pic>
+        <p:nvPicPr>
+          <p:cNvPr id="4" name="圖片 3"/>
+          <p:cNvPicPr>
+            <a:picLocks noChangeAspect="1"/>
+          </p:cNvPicPr>
+          <p:nvPr/>
+        </p:nvPicPr>
+        <p:blipFill>
+          <a:blip r:embed="rId3"/>
+          <a:stretch>
+            <a:fillRect/>
+          </a:stretch>
+        </p:blipFill>
         <p:spPr>
           <a:xfrm>
-            <a:off x="1218883" y="274637"/>
-            <a:ext cx="10360501" cy="778099"/>
-          </a:xfrm>
-        </p:spPr>
-        <p:txBody>
-          <a:bodyPr rtlCol="0"/>
-          <a:lstStyle/>
-          <a:p>
-            <a:pPr rtl="0"/>
-            <a:r>
-              <a:rPr lang="zh-TW" altLang="en-US" dirty="0" smtClean="0">
-                <a:sym typeface="Salesforce Sans"/>
-              </a:rPr>
-              <a:t>姿態辨識：</a:t>
-            </a:r>
-            <a:endParaRPr lang="zh-TW" altLang="en-US" dirty="0">
-              <a:sym typeface="Salesforce Sans"/>
-            </a:endParaRPr>
-          </a:p>
-        </p:txBody>
-      </p:sp>
-      <p:sp>
-        <p:nvSpPr>
-          <p:cNvPr id="4" name="內容預留位置 13"/>
-          <p:cNvSpPr txBox="1">
-            <a:spLocks/>
-          </p:cNvSpPr>
-          <p:nvPr/>
-        </p:nvSpPr>
-        <p:spPr>
-          <a:xfrm>
-            <a:off x="1250182" y="1412776"/>
-            <a:ext cx="10360502" cy="5184576"/>
+            <a:off x="2061964" y="476672"/>
+            <a:ext cx="7992888" cy="5973063"/>
           </a:xfrm>
           <a:prstGeom prst="rect">
             <a:avLst/>
           </a:prstGeom>
         </p:spPr>
-        <p:txBody>
-          <a:bodyPr rtlCol="0"/>
-          <a:lstStyle>
-            <a:lvl1pPr marL="304747" indent="-304747" algn="l" defTabSz="1218987" rtl="0" eaLnBrk="1" latinLnBrk="0" hangingPunct="1">
-              <a:lnSpc>
-                <a:spcPct val="90000"/>
-              </a:lnSpc>
-              <a:spcBef>
-                <a:spcPts val="1600"/>
-              </a:spcBef>
-              <a:buClr>
-                <a:schemeClr val="accent1"/>
-              </a:buClr>
-              <a:buSzPct val="100000"/>
-              <a:buFont typeface="Arial" pitchFamily="34" charset="0"/>
-              <a:buChar char="•"/>
-              <a:defRPr sz="2800" kern="1200">
-                <a:solidFill>
-                  <a:schemeClr val="tx1"/>
-                </a:solidFill>
-                <a:latin typeface="+mj-ea"/>
-                <a:ea typeface="+mj-ea"/>
-                <a:cs typeface="+mn-cs"/>
-              </a:defRPr>
-            </a:lvl1pPr>
-            <a:lvl2pPr marL="609493" indent="-231607" algn="l" defTabSz="1218987" rtl="0" eaLnBrk="1" latinLnBrk="0" hangingPunct="1">
-              <a:lnSpc>
-                <a:spcPct val="90000"/>
-              </a:lnSpc>
-              <a:spcBef>
-                <a:spcPts val="800"/>
-              </a:spcBef>
-              <a:buClr>
-                <a:schemeClr val="accent1"/>
-              </a:buClr>
-              <a:buSzPct val="80000"/>
-              <a:buFont typeface="Arial" pitchFamily="34" charset="0"/>
-              <a:buChar char="•"/>
-              <a:defRPr sz="2400" kern="1200">
-                <a:solidFill>
-                  <a:schemeClr val="tx1"/>
-                </a:solidFill>
-                <a:latin typeface="+mj-ea"/>
-                <a:ea typeface="+mj-ea"/>
-                <a:cs typeface="+mn-cs"/>
-              </a:defRPr>
-            </a:lvl2pPr>
-            <a:lvl3pPr marL="914240" indent="-231607" algn="l" defTabSz="1218987" rtl="0" eaLnBrk="1" latinLnBrk="0" hangingPunct="1">
-              <a:lnSpc>
-                <a:spcPct val="90000"/>
-              </a:lnSpc>
-              <a:spcBef>
-                <a:spcPts val="800"/>
-              </a:spcBef>
-              <a:buClr>
-                <a:schemeClr val="accent1"/>
-              </a:buClr>
-              <a:buSzPct val="80000"/>
-              <a:buFont typeface="Arial" pitchFamily="34" charset="0"/>
-              <a:buChar char="•"/>
-              <a:defRPr sz="2000" kern="1200">
-                <a:solidFill>
-                  <a:schemeClr val="tx1"/>
-                </a:solidFill>
-                <a:latin typeface="+mj-ea"/>
-                <a:ea typeface="+mj-ea"/>
-                <a:cs typeface="+mn-cs"/>
-              </a:defRPr>
-            </a:lvl3pPr>
-            <a:lvl4pPr marL="1218987" indent="-231607" algn="l" defTabSz="1218987" rtl="0" eaLnBrk="1" latinLnBrk="0" hangingPunct="1">
-              <a:lnSpc>
-                <a:spcPct val="90000"/>
-              </a:lnSpc>
-              <a:spcBef>
-                <a:spcPts val="800"/>
-              </a:spcBef>
-              <a:buClr>
-                <a:schemeClr val="accent1"/>
-              </a:buClr>
-              <a:buSzPct val="80000"/>
-              <a:buFont typeface="Arial" pitchFamily="34" charset="0"/>
-              <a:buChar char="•"/>
-              <a:defRPr sz="2000" kern="1200">
-                <a:solidFill>
-                  <a:schemeClr val="tx1"/>
-                </a:solidFill>
-                <a:latin typeface="+mj-ea"/>
-                <a:ea typeface="+mj-ea"/>
-                <a:cs typeface="+mn-cs"/>
-              </a:defRPr>
-            </a:lvl4pPr>
-            <a:lvl5pPr marL="1523733" indent="-231607" algn="l" defTabSz="1218987" rtl="0" eaLnBrk="1" latinLnBrk="0" hangingPunct="1">
-              <a:lnSpc>
-                <a:spcPct val="90000"/>
-              </a:lnSpc>
-              <a:spcBef>
-                <a:spcPts val="800"/>
-              </a:spcBef>
-              <a:buClr>
-                <a:schemeClr val="accent1"/>
-              </a:buClr>
-              <a:buSzPct val="80000"/>
-              <a:buFont typeface="Arial" pitchFamily="34" charset="0"/>
-              <a:buChar char="•"/>
-              <a:defRPr sz="2000" kern="1200">
-                <a:solidFill>
-                  <a:schemeClr val="tx1"/>
-                </a:solidFill>
-                <a:latin typeface="+mj-ea"/>
-                <a:ea typeface="+mj-ea"/>
-                <a:cs typeface="+mn-cs"/>
-              </a:defRPr>
-            </a:lvl5pPr>
-            <a:lvl6pPr marL="1828480" indent="-231607" algn="l" defTabSz="1218987" rtl="0" eaLnBrk="1" latinLnBrk="0" hangingPunct="1">
-              <a:lnSpc>
-                <a:spcPct val="90000"/>
-              </a:lnSpc>
-              <a:spcBef>
-                <a:spcPts val="800"/>
-              </a:spcBef>
-              <a:buClr>
-                <a:schemeClr val="accent1"/>
-              </a:buClr>
-              <a:buSzPct val="80000"/>
-              <a:buFont typeface="Arial" pitchFamily="34" charset="0"/>
-              <a:buChar char="•"/>
-              <a:defRPr sz="2000" kern="1200">
-                <a:solidFill>
-                  <a:schemeClr val="tx1"/>
-                </a:solidFill>
-                <a:latin typeface="+mn-lt"/>
-                <a:ea typeface="+mn-ea"/>
-                <a:cs typeface="+mn-cs"/>
-              </a:defRPr>
-            </a:lvl6pPr>
-            <a:lvl7pPr marL="2133227" indent="-231607" algn="l" defTabSz="1218987" rtl="0" eaLnBrk="1" latinLnBrk="0" hangingPunct="1">
-              <a:lnSpc>
-                <a:spcPct val="90000"/>
-              </a:lnSpc>
-              <a:spcBef>
-                <a:spcPts val="800"/>
-              </a:spcBef>
-              <a:buClr>
-                <a:schemeClr val="accent1"/>
-              </a:buClr>
-              <a:buSzPct val="80000"/>
-              <a:buFont typeface="Arial" pitchFamily="34" charset="0"/>
-              <a:buChar char="•"/>
-              <a:defRPr sz="2000" kern="1200">
-                <a:solidFill>
-                  <a:schemeClr val="tx1"/>
-                </a:solidFill>
-                <a:latin typeface="+mn-lt"/>
-                <a:ea typeface="+mn-ea"/>
-                <a:cs typeface="+mn-cs"/>
-              </a:defRPr>
-            </a:lvl7pPr>
-            <a:lvl8pPr marL="2437973" indent="-231607" algn="l" defTabSz="1218987" rtl="0" eaLnBrk="1" latinLnBrk="0" hangingPunct="1">
-              <a:lnSpc>
-                <a:spcPct val="90000"/>
-              </a:lnSpc>
-              <a:spcBef>
-                <a:spcPts val="800"/>
-              </a:spcBef>
-              <a:buClr>
-                <a:schemeClr val="accent1"/>
-              </a:buClr>
-              <a:buSzPct val="80000"/>
-              <a:buFont typeface="Arial" pitchFamily="34" charset="0"/>
-              <a:buChar char="•"/>
-              <a:defRPr sz="2000" kern="1200" baseline="0">
-                <a:solidFill>
-                  <a:schemeClr val="tx1"/>
-                </a:solidFill>
-                <a:latin typeface="+mn-lt"/>
-                <a:ea typeface="+mn-ea"/>
-                <a:cs typeface="+mn-cs"/>
-              </a:defRPr>
-            </a:lvl8pPr>
-            <a:lvl9pPr marL="2742720" indent="-231607" algn="l" defTabSz="1218987" rtl="0" eaLnBrk="1" latinLnBrk="0" hangingPunct="1">
-              <a:lnSpc>
-                <a:spcPct val="90000"/>
-              </a:lnSpc>
-              <a:spcBef>
-                <a:spcPts val="800"/>
-              </a:spcBef>
-              <a:buClr>
-                <a:schemeClr val="accent1"/>
-              </a:buClr>
-              <a:buSzPct val="80000"/>
-              <a:buFont typeface="Arial" pitchFamily="34" charset="0"/>
-              <a:buChar char="•"/>
-              <a:defRPr sz="2000" kern="1200" baseline="0">
-                <a:solidFill>
-                  <a:schemeClr val="tx1"/>
-                </a:solidFill>
-                <a:latin typeface="+mn-lt"/>
-                <a:ea typeface="+mn-ea"/>
-                <a:cs typeface="+mn-cs"/>
-              </a:defRPr>
-            </a:lvl9pPr>
-          </a:lstStyle>
-          <a:p>
-            <a:endParaRPr lang="zh-TW" altLang="en-US" sz="2000" dirty="0">
-              <a:solidFill>
-                <a:schemeClr val="accent2">
-                  <a:lumMod val="60000"/>
-                  <a:lumOff val="40000"/>
-                </a:schemeClr>
-              </a:solidFill>
-              <a:latin typeface="+mn-ea"/>
-              <a:ea typeface="+mn-ea"/>
-              <a:sym typeface="Salesforce Sans"/>
-            </a:endParaRPr>
-          </a:p>
-        </p:txBody>
-      </p:sp>
-      <p:pic>
-        <p:nvPicPr>
-          <p:cNvPr id="1026" name="Picture 2" descr="https://miro.medium.com/max/1537/1*7qDyLpIT-3s4ylULsrnz8A.png"/>
-          <p:cNvPicPr>
-            <a:picLocks noChangeAspect="1" noChangeArrowheads="1"/>
-          </p:cNvPicPr>
-          <p:nvPr/>
-        </p:nvPicPr>
-        <p:blipFill>
-          <a:blip r:embed="rId3">
-            <a:extLst>
-              <a:ext uri="{28A0092B-C50C-407E-A947-70E740481C1C}">
-                <a14:useLocalDpi xmlns:a14="http://schemas.microsoft.com/office/drawing/2010/main" val="0"/>
-              </a:ext>
-            </a:extLst>
-          </a:blip>
-          <a:srcRect/>
-          <a:stretch>
-            <a:fillRect/>
-          </a:stretch>
-        </p:blipFill>
-        <p:spPr bwMode="auto">
-          <a:xfrm>
-            <a:off x="3790156" y="274636"/>
-            <a:ext cx="8161133" cy="6322715"/>
-          </a:xfrm>
-          <a:prstGeom prst="rect">
-            <a:avLst/>
-          </a:prstGeom>
-          <a:noFill/>
-          <a:extLst>
-            <a:ext uri="{909E8E84-426E-40DD-AFC4-6F175D3DCCD1}">
-              <a14:hiddenFill xmlns:a14="http://schemas.microsoft.com/office/drawing/2010/main">
-                <a:solidFill>
-                  <a:srgbClr val="FFFFFF"/>
-                </a:solidFill>
-              </a14:hiddenFill>
-            </a:ext>
-          </a:extLst>
-        </p:spPr>
       </p:pic>
-      <p:sp>
-        <p:nvSpPr>
-          <p:cNvPr id="5" name="內容預留位置 13"/>
-          <p:cNvSpPr txBox="1">
-            <a:spLocks/>
-          </p:cNvSpPr>
-          <p:nvPr/>
-        </p:nvSpPr>
-        <p:spPr>
-          <a:xfrm>
-            <a:off x="1218882" y="1425942"/>
-            <a:ext cx="2499265" cy="5066908"/>
-          </a:xfrm>
-          <a:prstGeom prst="rect">
-            <a:avLst/>
-          </a:prstGeom>
-        </p:spPr>
-        <p:txBody>
-          <a:bodyPr rtlCol="0"/>
-          <a:lstStyle>
-            <a:lvl1pPr marL="304747" indent="-304747" algn="l" defTabSz="1218987" rtl="0" eaLnBrk="1" latinLnBrk="0" hangingPunct="1">
-              <a:lnSpc>
-                <a:spcPct val="90000"/>
-              </a:lnSpc>
-              <a:spcBef>
-                <a:spcPts val="1600"/>
-              </a:spcBef>
-              <a:buClr>
-                <a:schemeClr val="accent1"/>
-              </a:buClr>
-              <a:buSzPct val="100000"/>
-              <a:buFont typeface="Arial" pitchFamily="34" charset="0"/>
-              <a:buChar char="•"/>
-              <a:defRPr sz="2800" kern="1200">
-                <a:solidFill>
-                  <a:schemeClr val="tx1"/>
-                </a:solidFill>
-                <a:latin typeface="+mj-ea"/>
-                <a:ea typeface="+mj-ea"/>
-                <a:cs typeface="+mn-cs"/>
-              </a:defRPr>
-            </a:lvl1pPr>
-            <a:lvl2pPr marL="609493" indent="-231607" algn="l" defTabSz="1218987" rtl="0" eaLnBrk="1" latinLnBrk="0" hangingPunct="1">
-              <a:lnSpc>
-                <a:spcPct val="90000"/>
-              </a:lnSpc>
-              <a:spcBef>
-                <a:spcPts val="800"/>
-              </a:spcBef>
-              <a:buClr>
-                <a:schemeClr val="accent1"/>
-              </a:buClr>
-              <a:buSzPct val="80000"/>
-              <a:buFont typeface="Arial" pitchFamily="34" charset="0"/>
-              <a:buChar char="•"/>
-              <a:defRPr sz="2400" kern="1200">
-                <a:solidFill>
-                  <a:schemeClr val="tx1"/>
-                </a:solidFill>
-                <a:latin typeface="+mj-ea"/>
-                <a:ea typeface="+mj-ea"/>
-                <a:cs typeface="+mn-cs"/>
-              </a:defRPr>
-            </a:lvl2pPr>
-            <a:lvl3pPr marL="914240" indent="-231607" algn="l" defTabSz="1218987" rtl="0" eaLnBrk="1" latinLnBrk="0" hangingPunct="1">
-              <a:lnSpc>
-                <a:spcPct val="90000"/>
-              </a:lnSpc>
-              <a:spcBef>
-                <a:spcPts val="800"/>
-              </a:spcBef>
-              <a:buClr>
-                <a:schemeClr val="accent1"/>
-              </a:buClr>
-              <a:buSzPct val="80000"/>
-              <a:buFont typeface="Arial" pitchFamily="34" charset="0"/>
-              <a:buChar char="•"/>
-              <a:defRPr sz="2000" kern="1200">
-                <a:solidFill>
-                  <a:schemeClr val="tx1"/>
-                </a:solidFill>
-                <a:latin typeface="+mj-ea"/>
-                <a:ea typeface="+mj-ea"/>
-                <a:cs typeface="+mn-cs"/>
-              </a:defRPr>
-            </a:lvl3pPr>
-            <a:lvl4pPr marL="1218987" indent="-231607" algn="l" defTabSz="1218987" rtl="0" eaLnBrk="1" latinLnBrk="0" hangingPunct="1">
-              <a:lnSpc>
-                <a:spcPct val="90000"/>
-              </a:lnSpc>
-              <a:spcBef>
-                <a:spcPts val="800"/>
-              </a:spcBef>
-              <a:buClr>
-                <a:schemeClr val="accent1"/>
-              </a:buClr>
-              <a:buSzPct val="80000"/>
-              <a:buFont typeface="Arial" pitchFamily="34" charset="0"/>
-              <a:buChar char="•"/>
-              <a:defRPr sz="2000" kern="1200">
-                <a:solidFill>
-                  <a:schemeClr val="tx1"/>
-                </a:solidFill>
-                <a:latin typeface="+mj-ea"/>
-                <a:ea typeface="+mj-ea"/>
-                <a:cs typeface="+mn-cs"/>
-              </a:defRPr>
-            </a:lvl4pPr>
-            <a:lvl5pPr marL="1523733" indent="-231607" algn="l" defTabSz="1218987" rtl="0" eaLnBrk="1" latinLnBrk="0" hangingPunct="1">
-              <a:lnSpc>
-                <a:spcPct val="90000"/>
-              </a:lnSpc>
-              <a:spcBef>
-                <a:spcPts val="800"/>
-              </a:spcBef>
-              <a:buClr>
-                <a:schemeClr val="accent1"/>
-              </a:buClr>
-              <a:buSzPct val="80000"/>
-              <a:buFont typeface="Arial" pitchFamily="34" charset="0"/>
-              <a:buChar char="•"/>
-              <a:defRPr sz="2000" kern="1200">
-                <a:solidFill>
-                  <a:schemeClr val="tx1"/>
-                </a:solidFill>
-                <a:latin typeface="+mj-ea"/>
-                <a:ea typeface="+mj-ea"/>
-                <a:cs typeface="+mn-cs"/>
-              </a:defRPr>
-            </a:lvl5pPr>
-            <a:lvl6pPr marL="1828480" indent="-231607" algn="l" defTabSz="1218987" rtl="0" eaLnBrk="1" latinLnBrk="0" hangingPunct="1">
-              <a:lnSpc>
-                <a:spcPct val="90000"/>
-              </a:lnSpc>
-              <a:spcBef>
-                <a:spcPts val="800"/>
-              </a:spcBef>
-              <a:buClr>
-                <a:schemeClr val="accent1"/>
-              </a:buClr>
-              <a:buSzPct val="80000"/>
-              <a:buFont typeface="Arial" pitchFamily="34" charset="0"/>
-              <a:buChar char="•"/>
-              <a:defRPr sz="2000" kern="1200">
-                <a:solidFill>
-                  <a:schemeClr val="tx1"/>
-                </a:solidFill>
-                <a:latin typeface="+mn-lt"/>
-                <a:ea typeface="+mn-ea"/>
-                <a:cs typeface="+mn-cs"/>
-              </a:defRPr>
-            </a:lvl6pPr>
-            <a:lvl7pPr marL="2133227" indent="-231607" algn="l" defTabSz="1218987" rtl="0" eaLnBrk="1" latinLnBrk="0" hangingPunct="1">
-              <a:lnSpc>
-                <a:spcPct val="90000"/>
-              </a:lnSpc>
-              <a:spcBef>
-                <a:spcPts val="800"/>
-              </a:spcBef>
-              <a:buClr>
-                <a:schemeClr val="accent1"/>
-              </a:buClr>
-              <a:buSzPct val="80000"/>
-              <a:buFont typeface="Arial" pitchFamily="34" charset="0"/>
-              <a:buChar char="•"/>
-              <a:defRPr sz="2000" kern="1200">
-                <a:solidFill>
-                  <a:schemeClr val="tx1"/>
-                </a:solidFill>
-                <a:latin typeface="+mn-lt"/>
-                <a:ea typeface="+mn-ea"/>
-                <a:cs typeface="+mn-cs"/>
-              </a:defRPr>
-            </a:lvl7pPr>
-            <a:lvl8pPr marL="2437973" indent="-231607" algn="l" defTabSz="1218987" rtl="0" eaLnBrk="1" latinLnBrk="0" hangingPunct="1">
-              <a:lnSpc>
-                <a:spcPct val="90000"/>
-              </a:lnSpc>
-              <a:spcBef>
-                <a:spcPts val="800"/>
-              </a:spcBef>
-              <a:buClr>
-                <a:schemeClr val="accent1"/>
-              </a:buClr>
-              <a:buSzPct val="80000"/>
-              <a:buFont typeface="Arial" pitchFamily="34" charset="0"/>
-              <a:buChar char="•"/>
-              <a:defRPr sz="2000" kern="1200" baseline="0">
-                <a:solidFill>
-                  <a:schemeClr val="tx1"/>
-                </a:solidFill>
-                <a:latin typeface="+mn-lt"/>
-                <a:ea typeface="+mn-ea"/>
-                <a:cs typeface="+mn-cs"/>
-              </a:defRPr>
-            </a:lvl8pPr>
-            <a:lvl9pPr marL="2742720" indent="-231607" algn="l" defTabSz="1218987" rtl="0" eaLnBrk="1" latinLnBrk="0" hangingPunct="1">
-              <a:lnSpc>
-                <a:spcPct val="90000"/>
-              </a:lnSpc>
-              <a:spcBef>
-                <a:spcPts val="800"/>
-              </a:spcBef>
-              <a:buClr>
-                <a:schemeClr val="accent1"/>
-              </a:buClr>
-              <a:buSzPct val="80000"/>
-              <a:buFont typeface="Arial" pitchFamily="34" charset="0"/>
-              <a:buChar char="•"/>
-              <a:defRPr sz="2000" kern="1200" baseline="0">
-                <a:solidFill>
-                  <a:schemeClr val="tx1"/>
-                </a:solidFill>
-                <a:latin typeface="+mn-lt"/>
-                <a:ea typeface="+mn-ea"/>
-                <a:cs typeface="+mn-cs"/>
-              </a:defRPr>
-            </a:lvl9pPr>
-          </a:lstStyle>
-          <a:p>
-            <a:r>
-              <a:rPr lang="en-US" altLang="zh-TW" sz="2400" dirty="0" smtClean="0">
-                <a:solidFill>
-                  <a:schemeClr val="accent2">
-                    <a:lumMod val="60000"/>
-                    <a:lumOff val="40000"/>
-                  </a:schemeClr>
-                </a:solidFill>
-                <a:latin typeface="+mn-ea"/>
-                <a:sym typeface="Salesforce Sans"/>
-              </a:rPr>
-              <a:t>Nose </a:t>
-            </a:r>
-            <a:r>
-              <a:rPr lang="zh-TW" altLang="en-US" sz="2400" dirty="0" smtClean="0">
-                <a:solidFill>
-                  <a:schemeClr val="accent2">
-                    <a:lumMod val="60000"/>
-                    <a:lumOff val="40000"/>
-                  </a:schemeClr>
-                </a:solidFill>
-                <a:latin typeface="+mn-ea"/>
-                <a:sym typeface="Salesforce Sans"/>
-              </a:rPr>
-              <a:t>鼻子</a:t>
-            </a:r>
-            <a:endParaRPr lang="en-US" altLang="zh-TW" sz="2400" dirty="0">
-              <a:solidFill>
-                <a:schemeClr val="accent2">
-                  <a:lumMod val="60000"/>
-                  <a:lumOff val="40000"/>
-                </a:schemeClr>
-              </a:solidFill>
-              <a:latin typeface="+mn-ea"/>
-              <a:sym typeface="Salesforce Sans"/>
-            </a:endParaRPr>
-          </a:p>
-          <a:p>
-            <a:r>
-              <a:rPr lang="en-US" altLang="zh-TW" sz="2400" dirty="0" smtClean="0">
-                <a:solidFill>
-                  <a:schemeClr val="accent2">
-                    <a:lumMod val="60000"/>
-                    <a:lumOff val="40000"/>
-                  </a:schemeClr>
-                </a:solidFill>
-                <a:latin typeface="+mn-ea"/>
-                <a:ea typeface="+mn-ea"/>
-                <a:sym typeface="Salesforce Sans"/>
-              </a:rPr>
-              <a:t>Eye</a:t>
-            </a:r>
-            <a:r>
-              <a:rPr lang="zh-TW" altLang="en-US" sz="2400" dirty="0" smtClean="0">
-                <a:solidFill>
-                  <a:schemeClr val="accent2">
-                    <a:lumMod val="60000"/>
-                    <a:lumOff val="40000"/>
-                  </a:schemeClr>
-                </a:solidFill>
-                <a:latin typeface="+mn-ea"/>
-                <a:ea typeface="+mn-ea"/>
-                <a:sym typeface="Salesforce Sans"/>
-              </a:rPr>
-              <a:t> 眼睛</a:t>
-            </a:r>
-            <a:endParaRPr lang="en-US" altLang="zh-TW" sz="2400" dirty="0" smtClean="0">
-              <a:solidFill>
-                <a:schemeClr val="accent2">
-                  <a:lumMod val="60000"/>
-                  <a:lumOff val="40000"/>
-                </a:schemeClr>
-              </a:solidFill>
-              <a:latin typeface="+mn-ea"/>
-              <a:ea typeface="+mn-ea"/>
-              <a:sym typeface="Salesforce Sans"/>
-            </a:endParaRPr>
-          </a:p>
-          <a:p>
-            <a:r>
-              <a:rPr lang="en-US" altLang="zh-TW" sz="2400" dirty="0" smtClean="0">
-                <a:solidFill>
-                  <a:schemeClr val="accent2">
-                    <a:lumMod val="60000"/>
-                    <a:lumOff val="40000"/>
-                  </a:schemeClr>
-                </a:solidFill>
-                <a:latin typeface="+mn-ea"/>
-                <a:ea typeface="+mn-ea"/>
-                <a:sym typeface="Salesforce Sans"/>
-              </a:rPr>
-              <a:t>Ear</a:t>
-            </a:r>
-            <a:r>
-              <a:rPr lang="zh-TW" altLang="en-US" sz="2400" dirty="0" smtClean="0">
-                <a:solidFill>
-                  <a:schemeClr val="accent2">
-                    <a:lumMod val="60000"/>
-                    <a:lumOff val="40000"/>
-                  </a:schemeClr>
-                </a:solidFill>
-                <a:latin typeface="+mn-ea"/>
-                <a:ea typeface="+mn-ea"/>
-                <a:sym typeface="Salesforce Sans"/>
-              </a:rPr>
-              <a:t> 耳朵</a:t>
-            </a:r>
-            <a:endParaRPr lang="en-US" altLang="zh-TW" sz="2400" dirty="0" smtClean="0">
-              <a:solidFill>
-                <a:schemeClr val="accent2">
-                  <a:lumMod val="60000"/>
-                  <a:lumOff val="40000"/>
-                </a:schemeClr>
-              </a:solidFill>
-              <a:latin typeface="+mn-ea"/>
-              <a:ea typeface="+mn-ea"/>
-              <a:sym typeface="Salesforce Sans"/>
-            </a:endParaRPr>
-          </a:p>
-          <a:p>
-            <a:r>
-              <a:rPr lang="en-US" altLang="zh-TW" sz="2400" dirty="0" smtClean="0">
-                <a:solidFill>
-                  <a:schemeClr val="accent2">
-                    <a:lumMod val="60000"/>
-                    <a:lumOff val="40000"/>
-                  </a:schemeClr>
-                </a:solidFill>
-                <a:latin typeface="+mn-ea"/>
-                <a:ea typeface="+mn-ea"/>
-                <a:sym typeface="Salesforce Sans"/>
-              </a:rPr>
-              <a:t>Shoulder</a:t>
-            </a:r>
-            <a:r>
-              <a:rPr lang="zh-TW" altLang="en-US" sz="2400" dirty="0" smtClean="0">
-                <a:solidFill>
-                  <a:schemeClr val="accent2">
-                    <a:lumMod val="60000"/>
-                    <a:lumOff val="40000"/>
-                  </a:schemeClr>
-                </a:solidFill>
-                <a:latin typeface="+mn-ea"/>
-                <a:ea typeface="+mn-ea"/>
-                <a:sym typeface="Salesforce Sans"/>
-              </a:rPr>
-              <a:t> 肩膀</a:t>
-            </a:r>
-            <a:endParaRPr lang="en-US" altLang="zh-TW" sz="2400" dirty="0">
-              <a:solidFill>
-                <a:schemeClr val="accent2">
-                  <a:lumMod val="60000"/>
-                  <a:lumOff val="40000"/>
-                </a:schemeClr>
-              </a:solidFill>
-              <a:latin typeface="+mn-ea"/>
-              <a:ea typeface="+mn-ea"/>
-              <a:sym typeface="Salesforce Sans"/>
-            </a:endParaRPr>
-          </a:p>
-          <a:p>
-            <a:r>
-              <a:rPr lang="en-US" altLang="zh-TW" sz="2400" dirty="0" smtClean="0">
-                <a:solidFill>
-                  <a:schemeClr val="accent2">
-                    <a:lumMod val="60000"/>
-                    <a:lumOff val="40000"/>
-                  </a:schemeClr>
-                </a:solidFill>
-                <a:latin typeface="+mn-ea"/>
-                <a:ea typeface="+mn-ea"/>
-                <a:sym typeface="Salesforce Sans"/>
-              </a:rPr>
-              <a:t>Elbow </a:t>
-            </a:r>
-            <a:r>
-              <a:rPr lang="zh-TW" altLang="en-US" sz="2400" dirty="0" smtClean="0">
-                <a:solidFill>
-                  <a:schemeClr val="accent2">
-                    <a:lumMod val="60000"/>
-                    <a:lumOff val="40000"/>
-                  </a:schemeClr>
-                </a:solidFill>
-                <a:latin typeface="+mn-ea"/>
-                <a:ea typeface="+mn-ea"/>
-                <a:sym typeface="Salesforce Sans"/>
-              </a:rPr>
-              <a:t>手肘</a:t>
-            </a:r>
-            <a:endParaRPr lang="en-US" altLang="zh-TW" sz="2400" dirty="0" smtClean="0">
-              <a:solidFill>
-                <a:schemeClr val="accent2">
-                  <a:lumMod val="60000"/>
-                  <a:lumOff val="40000"/>
-                </a:schemeClr>
-              </a:solidFill>
-              <a:latin typeface="+mn-ea"/>
-              <a:ea typeface="+mn-ea"/>
-              <a:sym typeface="Salesforce Sans"/>
-            </a:endParaRPr>
-          </a:p>
-          <a:p>
-            <a:r>
-              <a:rPr lang="en-US" altLang="zh-TW" sz="2400" dirty="0" smtClean="0">
-                <a:solidFill>
-                  <a:schemeClr val="accent2">
-                    <a:lumMod val="60000"/>
-                    <a:lumOff val="40000"/>
-                  </a:schemeClr>
-                </a:solidFill>
-                <a:latin typeface="+mn-ea"/>
-                <a:ea typeface="+mn-ea"/>
-                <a:sym typeface="Salesforce Sans"/>
-              </a:rPr>
-              <a:t>Wrist</a:t>
-            </a:r>
-            <a:r>
-              <a:rPr lang="zh-TW" altLang="en-US" sz="2400" dirty="0" smtClean="0">
-                <a:solidFill>
-                  <a:schemeClr val="accent2">
-                    <a:lumMod val="60000"/>
-                    <a:lumOff val="40000"/>
-                  </a:schemeClr>
-                </a:solidFill>
-                <a:latin typeface="+mn-ea"/>
-                <a:ea typeface="+mn-ea"/>
-                <a:sym typeface="Salesforce Sans"/>
-              </a:rPr>
-              <a:t> 手腕</a:t>
-            </a:r>
-            <a:endParaRPr lang="en-US" altLang="zh-TW" sz="2400" dirty="0" smtClean="0">
-              <a:solidFill>
-                <a:schemeClr val="accent2">
-                  <a:lumMod val="60000"/>
-                  <a:lumOff val="40000"/>
-                </a:schemeClr>
-              </a:solidFill>
-              <a:latin typeface="+mn-ea"/>
-              <a:ea typeface="+mn-ea"/>
-              <a:sym typeface="Salesforce Sans"/>
-            </a:endParaRPr>
-          </a:p>
-          <a:p>
-            <a:r>
-              <a:rPr lang="en-US" altLang="zh-TW" sz="2400" dirty="0" smtClean="0">
-                <a:solidFill>
-                  <a:schemeClr val="accent2">
-                    <a:lumMod val="60000"/>
-                    <a:lumOff val="40000"/>
-                  </a:schemeClr>
-                </a:solidFill>
-                <a:latin typeface="+mn-ea"/>
-                <a:ea typeface="+mn-ea"/>
-                <a:sym typeface="Salesforce Sans"/>
-              </a:rPr>
-              <a:t>Hip</a:t>
-            </a:r>
-            <a:r>
-              <a:rPr lang="zh-TW" altLang="en-US" sz="2400" dirty="0" smtClean="0">
-                <a:solidFill>
-                  <a:schemeClr val="accent2">
-                    <a:lumMod val="60000"/>
-                    <a:lumOff val="40000"/>
-                  </a:schemeClr>
-                </a:solidFill>
-                <a:latin typeface="+mn-ea"/>
-                <a:ea typeface="+mn-ea"/>
-                <a:sym typeface="Salesforce Sans"/>
-              </a:rPr>
-              <a:t> 臀部</a:t>
-            </a:r>
-            <a:endParaRPr lang="en-US" altLang="zh-TW" sz="2400" dirty="0" smtClean="0">
-              <a:solidFill>
-                <a:schemeClr val="accent2">
-                  <a:lumMod val="60000"/>
-                  <a:lumOff val="40000"/>
-                </a:schemeClr>
-              </a:solidFill>
-              <a:latin typeface="+mn-ea"/>
-              <a:ea typeface="+mn-ea"/>
-              <a:sym typeface="Salesforce Sans"/>
-            </a:endParaRPr>
-          </a:p>
-          <a:p>
-            <a:r>
-              <a:rPr lang="en-US" altLang="zh-TW" sz="2400" dirty="0" smtClean="0">
-                <a:solidFill>
-                  <a:schemeClr val="accent2">
-                    <a:lumMod val="60000"/>
-                    <a:lumOff val="40000"/>
-                  </a:schemeClr>
-                </a:solidFill>
-                <a:latin typeface="+mn-ea"/>
-                <a:ea typeface="+mn-ea"/>
-                <a:sym typeface="Salesforce Sans"/>
-              </a:rPr>
-              <a:t>Knee</a:t>
-            </a:r>
-            <a:r>
-              <a:rPr lang="zh-TW" altLang="en-US" sz="2400" dirty="0" smtClean="0">
-                <a:solidFill>
-                  <a:schemeClr val="accent2">
-                    <a:lumMod val="60000"/>
-                    <a:lumOff val="40000"/>
-                  </a:schemeClr>
-                </a:solidFill>
-                <a:latin typeface="+mn-ea"/>
-                <a:ea typeface="+mn-ea"/>
-                <a:sym typeface="Salesforce Sans"/>
-              </a:rPr>
-              <a:t> 膝蓋</a:t>
-            </a:r>
-            <a:endParaRPr lang="en-US" altLang="zh-TW" sz="2400" dirty="0" smtClean="0">
-              <a:solidFill>
-                <a:schemeClr val="accent2">
-                  <a:lumMod val="60000"/>
-                  <a:lumOff val="40000"/>
-                </a:schemeClr>
-              </a:solidFill>
-              <a:latin typeface="+mn-ea"/>
-              <a:ea typeface="+mn-ea"/>
-              <a:sym typeface="Salesforce Sans"/>
-            </a:endParaRPr>
-          </a:p>
-          <a:p>
-            <a:r>
-              <a:rPr lang="en-US" altLang="zh-TW" sz="2400" dirty="0" smtClean="0">
-                <a:solidFill>
-                  <a:schemeClr val="accent2">
-                    <a:lumMod val="60000"/>
-                    <a:lumOff val="40000"/>
-                  </a:schemeClr>
-                </a:solidFill>
-                <a:latin typeface="+mn-ea"/>
-                <a:ea typeface="+mn-ea"/>
-                <a:sym typeface="Salesforce Sans"/>
-              </a:rPr>
-              <a:t>Ankle</a:t>
-            </a:r>
-            <a:r>
-              <a:rPr lang="zh-TW" altLang="en-US" sz="2400" dirty="0" smtClean="0">
-                <a:solidFill>
-                  <a:schemeClr val="accent2">
-                    <a:lumMod val="60000"/>
-                    <a:lumOff val="40000"/>
-                  </a:schemeClr>
-                </a:solidFill>
-                <a:latin typeface="+mn-ea"/>
-                <a:ea typeface="+mn-ea"/>
-                <a:sym typeface="Salesforce Sans"/>
-              </a:rPr>
-              <a:t> 腳踝</a:t>
-            </a:r>
-            <a:endParaRPr lang="en-US" altLang="zh-TW" dirty="0">
-              <a:solidFill>
-                <a:schemeClr val="accent2">
-                  <a:lumMod val="60000"/>
-                  <a:lumOff val="40000"/>
-                </a:schemeClr>
-              </a:solidFill>
-              <a:latin typeface="+mn-ea"/>
-              <a:ea typeface="+mn-ea"/>
-              <a:sym typeface="Salesforce Sans"/>
-            </a:endParaRPr>
-          </a:p>
-          <a:p>
-            <a:endParaRPr lang="en-US" altLang="zh-TW" sz="2400" dirty="0">
-              <a:solidFill>
-                <a:schemeClr val="accent2">
-                  <a:lumMod val="60000"/>
-                  <a:lumOff val="40000"/>
-                </a:schemeClr>
-              </a:solidFill>
-              <a:latin typeface="+mn-ea"/>
-              <a:ea typeface="+mn-ea"/>
-              <a:sym typeface="Salesforce Sans"/>
-            </a:endParaRPr>
-          </a:p>
-          <a:p>
-            <a:pPr marL="0" indent="0">
-              <a:buNone/>
-            </a:pPr>
-            <a:endParaRPr lang="en-US" altLang="zh-TW" sz="2400" dirty="0" smtClean="0">
-              <a:solidFill>
-                <a:schemeClr val="accent2">
-                  <a:lumMod val="60000"/>
-                  <a:lumOff val="40000"/>
-                </a:schemeClr>
-              </a:solidFill>
-              <a:latin typeface="+mn-ea"/>
-              <a:ea typeface="+mn-ea"/>
-              <a:sym typeface="Salesforce Sans"/>
-            </a:endParaRPr>
-          </a:p>
-          <a:p>
-            <a:pPr marL="0" indent="0">
-              <a:buNone/>
-            </a:pPr>
-            <a:r>
-              <a:rPr lang="en-US" altLang="zh-TW" sz="2000" dirty="0">
-                <a:solidFill>
-                  <a:schemeClr val="accent2">
-                    <a:lumMod val="60000"/>
-                    <a:lumOff val="40000"/>
-                  </a:schemeClr>
-                </a:solidFill>
-                <a:latin typeface="+mn-ea"/>
-                <a:ea typeface="+mn-ea"/>
-                <a:sym typeface="Salesforce Sans"/>
-              </a:rPr>
-              <a:t>	</a:t>
-            </a:r>
-            <a:endParaRPr lang="en-US" altLang="zh-TW" sz="2400" dirty="0" smtClean="0">
-              <a:solidFill>
-                <a:schemeClr val="accent2">
-                  <a:lumMod val="60000"/>
-                  <a:lumOff val="40000"/>
-                </a:schemeClr>
-              </a:solidFill>
-              <a:latin typeface="+mn-ea"/>
-              <a:ea typeface="+mn-ea"/>
-              <a:sym typeface="Salesforce Sans"/>
-            </a:endParaRPr>
-          </a:p>
-        </p:txBody>
-      </p:sp>
     </p:spTree>
     <p:extLst>
       <p:ext uri="{BB962C8B-B14F-4D97-AF65-F5344CB8AC3E}">
-        <p14:creationId xmlns:p14="http://schemas.microsoft.com/office/powerpoint/2010/main" val="3764171723"/>
+        <p14:creationId xmlns:p14="http://schemas.microsoft.com/office/powerpoint/2010/main" val="909286662"/>
       </p:ext>
     </p:extLst>
   </p:cSld>
@@ -18088,7 +17309,7 @@
         </p:nvSpPr>
         <p:spPr>
           <a:xfrm>
-            <a:off x="1413892" y="476672"/>
+            <a:off x="1218883" y="274637"/>
             <a:ext cx="10360501" cy="778099"/>
           </a:xfrm>
         </p:spPr>
@@ -18101,7 +17322,7 @@
               <a:rPr lang="zh-TW" altLang="en-US" dirty="0" smtClean="0">
                 <a:sym typeface="Salesforce Sans"/>
               </a:rPr>
-              <a:t>姿態辨識程式撰寫要點：</a:t>
+              <a:t>姿態辨識：</a:t>
             </a:r>
             <a:endParaRPr lang="zh-TW" altLang="en-US" dirty="0">
               <a:sym typeface="Salesforce Sans"/>
@@ -18343,6 +17564,47 @@
           </a:p>
         </p:txBody>
       </p:sp>
+      <p:pic>
+        <p:nvPicPr>
+          <p:cNvPr id="1026" name="Picture 2" descr="https://miro.medium.com/max/1537/1*7qDyLpIT-3s4ylULsrnz8A.png"/>
+          <p:cNvPicPr>
+            <a:picLocks noChangeAspect="1" noChangeArrowheads="1"/>
+          </p:cNvPicPr>
+          <p:nvPr/>
+        </p:nvPicPr>
+        <p:blipFill>
+          <a:blip r:embed="rId3">
+            <a:extLst>
+              <a:ext uri="{28A0092B-C50C-407E-A947-70E740481C1C}">
+                <a14:useLocalDpi xmlns:a14="http://schemas.microsoft.com/office/drawing/2010/main" val="0"/>
+              </a:ext>
+            </a:extLst>
+          </a:blip>
+          <a:srcRect/>
+          <a:stretch>
+            <a:fillRect/>
+          </a:stretch>
+        </p:blipFill>
+        <p:spPr bwMode="auto">
+          <a:xfrm>
+            <a:off x="3790156" y="274636"/>
+            <a:ext cx="8161133" cy="6322715"/>
+          </a:xfrm>
+          <a:prstGeom prst="rect">
+            <a:avLst/>
+          </a:prstGeom>
+          <a:noFill/>
+          <a:extLst>
+            <a:ext uri="{909E8E84-426E-40DD-AFC4-6F175D3DCCD1}">
+              <a14:hiddenFill xmlns:a14="http://schemas.microsoft.com/office/drawing/2010/main">
+                <a:solidFill>
+                  <a:srgbClr val="FFFFFF"/>
+                </a:solidFill>
+              </a14:hiddenFill>
+            </a:ext>
+          </a:extLst>
+        </p:spPr>
+      </p:pic>
       <p:sp>
         <p:nvSpPr>
           <p:cNvPr id="5" name="內容預留位置 13"/>
@@ -18353,8 +17615,8 @@
         </p:nvSpPr>
         <p:spPr>
           <a:xfrm>
-            <a:off x="1398659" y="1412776"/>
-            <a:ext cx="9268018" cy="5040560"/>
+            <a:off x="1218882" y="1425942"/>
+            <a:ext cx="2499265" cy="5066908"/>
           </a:xfrm>
           <a:prstGeom prst="rect">
             <a:avLst/>
@@ -18564,7 +17826,7 @@
           </a:lstStyle>
           <a:p>
             <a:r>
-              <a:rPr lang="zh-TW" altLang="en-US" dirty="0" smtClean="0">
+              <a:rPr lang="en-US" altLang="zh-TW" sz="2400" dirty="0" smtClean="0">
                 <a:solidFill>
                   <a:schemeClr val="accent2">
                     <a:lumMod val="60000"/>
@@ -18574,10 +17836,10 @@
                 <a:latin typeface="+mn-ea"/>
                 <a:sym typeface="Salesforce Sans"/>
               </a:rPr>
-              <a:t>若不使用</a:t>
-            </a:r>
-            <a:r>
-              <a:rPr lang="zh-TW" altLang="en-US" dirty="0">
+              <a:t>Nose </a:t>
+            </a:r>
+            <a:r>
+              <a:rPr lang="zh-TW" altLang="en-US" sz="2400" dirty="0" smtClean="0">
                 <a:solidFill>
                   <a:schemeClr val="accent2">
                     <a:lumMod val="60000"/>
@@ -18587,61 +17849,9 @@
                 <a:latin typeface="+mn-ea"/>
                 <a:sym typeface="Salesforce Sans"/>
               </a:rPr>
-              <a:t>鏡像，視訊</a:t>
-            </a:r>
-            <a:r>
-              <a:rPr lang="zh-TW" altLang="en-US" dirty="0" smtClean="0">
-                <a:solidFill>
-                  <a:schemeClr val="accent2">
-                    <a:lumMod val="60000"/>
-                    <a:lumOff val="40000"/>
-                  </a:schemeClr>
-                </a:solidFill>
-                <a:latin typeface="+mn-ea"/>
-                <a:sym typeface="Salesforce Sans"/>
-              </a:rPr>
-              <a:t>前人的右手</a:t>
-            </a:r>
-            <a:r>
-              <a:rPr lang="zh-TW" altLang="en-US" dirty="0">
-                <a:solidFill>
-                  <a:schemeClr val="accent2">
-                    <a:lumMod val="60000"/>
-                    <a:lumOff val="40000"/>
-                  </a:schemeClr>
-                </a:solidFill>
-                <a:latin typeface="+mn-ea"/>
-                <a:sym typeface="Salesforce Sans"/>
-              </a:rPr>
-              <a:t>對應ＡＩ回傳</a:t>
-            </a:r>
-            <a:r>
-              <a:rPr lang="zh-TW" altLang="en-US" dirty="0" smtClean="0">
-                <a:solidFill>
-                  <a:schemeClr val="accent2">
-                    <a:lumMod val="60000"/>
-                    <a:lumOff val="40000"/>
-                  </a:schemeClr>
-                </a:solidFill>
-                <a:latin typeface="+mn-ea"/>
-                <a:sym typeface="Salesforce Sans"/>
-              </a:rPr>
-              <a:t>的右手</a:t>
-            </a:r>
-            <a:r>
-              <a:rPr lang="zh-TW" altLang="en-US" dirty="0">
-                <a:solidFill>
-                  <a:schemeClr val="accent2">
-                    <a:lumMod val="60000"/>
-                    <a:lumOff val="40000"/>
-                  </a:schemeClr>
-                </a:solidFill>
-                <a:latin typeface="+mn-ea"/>
-                <a:sym typeface="Salesforce Sans"/>
-              </a:rPr>
-              <a:t>參數。</a:t>
-            </a:r>
-            <a:endParaRPr lang="en-US" altLang="zh-TW" dirty="0">
+              <a:t>鼻子</a:t>
+            </a:r>
+            <a:endParaRPr lang="en-US" altLang="zh-TW" sz="2400" dirty="0">
               <a:solidFill>
                 <a:schemeClr val="accent2">
                   <a:lumMod val="60000"/>
@@ -18654,7 +17864,7 @@
           </a:p>
           <a:p>
             <a:r>
-              <a:rPr lang="zh-TW" altLang="en-US" dirty="0">
+              <a:rPr lang="en-US" altLang="zh-TW" sz="2400" dirty="0" smtClean="0">
                 <a:solidFill>
                   <a:schemeClr val="accent2">
                     <a:lumMod val="60000"/>
@@ -18662,12 +17872,13 @@
                   </a:schemeClr>
                 </a:solidFill>
                 <a:latin typeface="+mn-ea"/>
+                <a:ea typeface="+mn-ea"/>
                 <a:sym typeface="Salesforce Sans"/>
               </a:rPr>
-              <a:t>若使用鏡像，視訊</a:t>
-            </a:r>
-            <a:r>
-              <a:rPr lang="zh-TW" altLang="en-US" dirty="0" smtClean="0">
+              <a:t>Eye</a:t>
+            </a:r>
+            <a:r>
+              <a:rPr lang="zh-TW" altLang="en-US" sz="2400" dirty="0" smtClean="0">
                 <a:solidFill>
                   <a:schemeClr val="accent2">
                     <a:lumMod val="60000"/>
@@ -18675,104 +17886,12 @@
                   </a:schemeClr>
                 </a:solidFill>
                 <a:latin typeface="+mn-ea"/>
-                <a:sym typeface="Salesforce Sans"/>
-              </a:rPr>
-              <a:t>前人的右手</a:t>
-            </a:r>
-            <a:r>
-              <a:rPr lang="zh-TW" altLang="en-US" dirty="0">
-                <a:solidFill>
-                  <a:schemeClr val="accent2">
-                    <a:lumMod val="60000"/>
-                    <a:lumOff val="40000"/>
-                  </a:schemeClr>
-                </a:solidFill>
-                <a:latin typeface="+mn-ea"/>
-                <a:sym typeface="Salesforce Sans"/>
-              </a:rPr>
-              <a:t>對應ＡＩ回傳的左手參數。</a:t>
-            </a:r>
-            <a:endParaRPr lang="en-US" altLang="zh-TW" dirty="0">
-              <a:solidFill>
-                <a:schemeClr val="accent2">
-                  <a:lumMod val="60000"/>
-                  <a:lumOff val="40000"/>
-                </a:schemeClr>
-              </a:solidFill>
-              <a:latin typeface="+mn-ea"/>
-              <a:sym typeface="Salesforce Sans"/>
-            </a:endParaRPr>
-          </a:p>
-          <a:p>
-            <a:r>
-              <a:rPr lang="zh-TW" altLang="en-US" dirty="0" smtClean="0">
-                <a:solidFill>
-                  <a:schemeClr val="accent2">
-                    <a:lumMod val="60000"/>
-                    <a:lumOff val="40000"/>
-                  </a:schemeClr>
-                </a:solidFill>
-                <a:latin typeface="+mn-ea"/>
                 <a:ea typeface="+mn-ea"/>
                 <a:sym typeface="Salesforce Sans"/>
               </a:rPr>
-              <a:t>各部位之間的距離會因人與視訊鏡頭間的距離而改變。可利用各</a:t>
-            </a:r>
-            <a:r>
-              <a:rPr lang="zh-TW" altLang="en-US" dirty="0">
-                <a:solidFill>
-                  <a:schemeClr val="accent2">
-                    <a:lumMod val="60000"/>
-                    <a:lumOff val="40000"/>
-                  </a:schemeClr>
-                </a:solidFill>
-                <a:latin typeface="+mn-ea"/>
-                <a:sym typeface="Salesforce Sans"/>
-              </a:rPr>
-              <a:t>部位</a:t>
-            </a:r>
-            <a:r>
-              <a:rPr lang="zh-TW" altLang="en-US" dirty="0" smtClean="0">
-                <a:solidFill>
-                  <a:schemeClr val="accent2">
-                    <a:lumMod val="60000"/>
-                    <a:lumOff val="40000"/>
-                  </a:schemeClr>
-                </a:solidFill>
-                <a:latin typeface="+mn-ea"/>
-                <a:ea typeface="+mn-ea"/>
-                <a:sym typeface="Salesforce Sans"/>
-              </a:rPr>
-              <a:t>距離間的比值關係不受距離</a:t>
-            </a:r>
-            <a:r>
-              <a:rPr lang="zh-TW" altLang="en-US" dirty="0">
-                <a:solidFill>
-                  <a:schemeClr val="accent2">
-                    <a:lumMod val="60000"/>
-                    <a:lumOff val="40000"/>
-                  </a:schemeClr>
-                </a:solidFill>
-                <a:latin typeface="+mn-ea"/>
-                <a:sym typeface="Salesforce Sans"/>
-              </a:rPr>
-              <a:t>視訊</a:t>
-            </a:r>
-            <a:r>
-              <a:rPr lang="zh-TW" altLang="en-US" dirty="0" smtClean="0">
-                <a:solidFill>
-                  <a:schemeClr val="accent2">
-                    <a:lumMod val="60000"/>
-                    <a:lumOff val="40000"/>
-                  </a:schemeClr>
-                </a:solidFill>
-                <a:latin typeface="+mn-ea"/>
-                <a:ea typeface="+mn-ea"/>
-                <a:sym typeface="Salesforce Sans"/>
-              </a:rPr>
-              <a:t>鏡頭遠近影響來設定判定姿態的條件。</a:t>
-            </a:r>
-            <a:endParaRPr lang="en-US" altLang="zh-TW" dirty="0" smtClean="0">
+              <a:t> 眼睛</a:t>
+            </a:r>
+            <a:endParaRPr lang="en-US" altLang="zh-TW" sz="2400" dirty="0" smtClean="0">
               <a:solidFill>
                 <a:schemeClr val="accent2">
                   <a:lumMod val="60000"/>
@@ -18786,7 +17905,7 @@
           </a:p>
           <a:p>
             <a:r>
-              <a:rPr lang="zh-TW" altLang="en-US" dirty="0" smtClean="0">
+              <a:rPr lang="en-US" altLang="zh-TW" sz="2400" dirty="0" smtClean="0">
                 <a:solidFill>
                   <a:schemeClr val="accent2">
                     <a:lumMod val="60000"/>
@@ -18797,9 +17916,23 @@
                 <a:ea typeface="+mn-ea"/>
                 <a:sym typeface="Salesforce Sans"/>
               </a:rPr>
-              <a:t>設定一變數紀錄目前開關狀態做判斷，避免視訊偵測快速重複執行開關而使單晶片當機。</a:t>
-            </a:r>
-            <a:endParaRPr lang="en-US" altLang="zh-TW" dirty="0" smtClean="0">
+              <a:t>Ear</a:t>
+            </a:r>
+            <a:r>
+              <a:rPr lang="zh-TW" altLang="en-US" sz="2400" dirty="0" smtClean="0">
+                <a:solidFill>
+                  <a:schemeClr val="accent2">
+                    <a:lumMod val="60000"/>
+                    <a:lumOff val="40000"/>
+                  </a:schemeClr>
+                </a:solidFill>
+                <a:latin typeface="+mn-ea"/>
+                <a:ea typeface="+mn-ea"/>
+                <a:sym typeface="Salesforce Sans"/>
+              </a:rPr>
+              <a:t> 耳朵</a:t>
+            </a:r>
+            <a:endParaRPr lang="en-US" altLang="zh-TW" sz="2400" dirty="0" smtClean="0">
               <a:solidFill>
                 <a:schemeClr val="accent2">
                   <a:lumMod val="60000"/>
@@ -18813,7 +17946,7 @@
           </a:p>
           <a:p>
             <a:r>
-              <a:rPr lang="zh-TW" altLang="en-US" dirty="0" smtClean="0">
+              <a:rPr lang="en-US" altLang="zh-TW" sz="2400" dirty="0" smtClean="0">
                 <a:solidFill>
                   <a:schemeClr val="accent2">
                     <a:lumMod val="60000"/>
@@ -18824,9 +17957,23 @@
                 <a:ea typeface="+mn-ea"/>
                 <a:sym typeface="Salesforce Sans"/>
               </a:rPr>
-              <a:t>可設定較高的信心度，避免產生異常的偵測意外開關電器。</a:t>
-            </a:r>
-            <a:endParaRPr lang="en-US" altLang="zh-TW" dirty="0" smtClean="0">
+              <a:t>Shoulder</a:t>
+            </a:r>
+            <a:r>
+              <a:rPr lang="zh-TW" altLang="en-US" sz="2400" dirty="0" smtClean="0">
+                <a:solidFill>
+                  <a:schemeClr val="accent2">
+                    <a:lumMod val="60000"/>
+                    <a:lumOff val="40000"/>
+                  </a:schemeClr>
+                </a:solidFill>
+                <a:latin typeface="+mn-ea"/>
+                <a:ea typeface="+mn-ea"/>
+                <a:sym typeface="Salesforce Sans"/>
+              </a:rPr>
+              <a:t> 肩膀</a:t>
+            </a:r>
+            <a:endParaRPr lang="en-US" altLang="zh-TW" sz="2400" dirty="0">
               <a:solidFill>
                 <a:schemeClr val="accent2">
                   <a:lumMod val="60000"/>
@@ -18839,7 +17986,199 @@
             </a:endParaRPr>
           </a:p>
           <a:p>
-            <a:endParaRPr lang="en-US" altLang="zh-TW" sz="3200" dirty="0" smtClean="0">
+            <a:r>
+              <a:rPr lang="en-US" altLang="zh-TW" sz="2400" dirty="0" smtClean="0">
+                <a:solidFill>
+                  <a:schemeClr val="accent2">
+                    <a:lumMod val="60000"/>
+                    <a:lumOff val="40000"/>
+                  </a:schemeClr>
+                </a:solidFill>
+                <a:latin typeface="+mn-ea"/>
+                <a:ea typeface="+mn-ea"/>
+                <a:sym typeface="Salesforce Sans"/>
+              </a:rPr>
+              <a:t>Elbow </a:t>
+            </a:r>
+            <a:r>
+              <a:rPr lang="zh-TW" altLang="en-US" sz="2400" dirty="0" smtClean="0">
+                <a:solidFill>
+                  <a:schemeClr val="accent2">
+                    <a:lumMod val="60000"/>
+                    <a:lumOff val="40000"/>
+                  </a:schemeClr>
+                </a:solidFill>
+                <a:latin typeface="+mn-ea"/>
+                <a:ea typeface="+mn-ea"/>
+                <a:sym typeface="Salesforce Sans"/>
+              </a:rPr>
+              <a:t>手肘</a:t>
+            </a:r>
+            <a:endParaRPr lang="en-US" altLang="zh-TW" sz="2400" dirty="0" smtClean="0">
+              <a:solidFill>
+                <a:schemeClr val="accent2">
+                  <a:lumMod val="60000"/>
+                  <a:lumOff val="40000"/>
+                </a:schemeClr>
+              </a:solidFill>
+              <a:latin typeface="+mn-ea"/>
+              <a:ea typeface="+mn-ea"/>
+              <a:sym typeface="Salesforce Sans"/>
+            </a:endParaRPr>
+          </a:p>
+          <a:p>
+            <a:r>
+              <a:rPr lang="en-US" altLang="zh-TW" sz="2400" dirty="0" smtClean="0">
+                <a:solidFill>
+                  <a:schemeClr val="accent2">
+                    <a:lumMod val="60000"/>
+                    <a:lumOff val="40000"/>
+                  </a:schemeClr>
+                </a:solidFill>
+                <a:latin typeface="+mn-ea"/>
+                <a:ea typeface="+mn-ea"/>
+                <a:sym typeface="Salesforce Sans"/>
+              </a:rPr>
+              <a:t>Wrist</a:t>
+            </a:r>
+            <a:r>
+              <a:rPr lang="zh-TW" altLang="en-US" sz="2400" dirty="0" smtClean="0">
+                <a:solidFill>
+                  <a:schemeClr val="accent2">
+                    <a:lumMod val="60000"/>
+                    <a:lumOff val="40000"/>
+                  </a:schemeClr>
+                </a:solidFill>
+                <a:latin typeface="+mn-ea"/>
+                <a:ea typeface="+mn-ea"/>
+                <a:sym typeface="Salesforce Sans"/>
+              </a:rPr>
+              <a:t> 手腕</a:t>
+            </a:r>
+            <a:endParaRPr lang="en-US" altLang="zh-TW" sz="2400" dirty="0" smtClean="0">
+              <a:solidFill>
+                <a:schemeClr val="accent2">
+                  <a:lumMod val="60000"/>
+                  <a:lumOff val="40000"/>
+                </a:schemeClr>
+              </a:solidFill>
+              <a:latin typeface="+mn-ea"/>
+              <a:ea typeface="+mn-ea"/>
+              <a:sym typeface="Salesforce Sans"/>
+            </a:endParaRPr>
+          </a:p>
+          <a:p>
+            <a:r>
+              <a:rPr lang="en-US" altLang="zh-TW" sz="2400" dirty="0" smtClean="0">
+                <a:solidFill>
+                  <a:schemeClr val="accent2">
+                    <a:lumMod val="60000"/>
+                    <a:lumOff val="40000"/>
+                  </a:schemeClr>
+                </a:solidFill>
+                <a:latin typeface="+mn-ea"/>
+                <a:ea typeface="+mn-ea"/>
+                <a:sym typeface="Salesforce Sans"/>
+              </a:rPr>
+              <a:t>Hip</a:t>
+            </a:r>
+            <a:r>
+              <a:rPr lang="zh-TW" altLang="en-US" sz="2400" dirty="0" smtClean="0">
+                <a:solidFill>
+                  <a:schemeClr val="accent2">
+                    <a:lumMod val="60000"/>
+                    <a:lumOff val="40000"/>
+                  </a:schemeClr>
+                </a:solidFill>
+                <a:latin typeface="+mn-ea"/>
+                <a:ea typeface="+mn-ea"/>
+                <a:sym typeface="Salesforce Sans"/>
+              </a:rPr>
+              <a:t> 臀部</a:t>
+            </a:r>
+            <a:endParaRPr lang="en-US" altLang="zh-TW" sz="2400" dirty="0" smtClean="0">
+              <a:solidFill>
+                <a:schemeClr val="accent2">
+                  <a:lumMod val="60000"/>
+                  <a:lumOff val="40000"/>
+                </a:schemeClr>
+              </a:solidFill>
+              <a:latin typeface="+mn-ea"/>
+              <a:ea typeface="+mn-ea"/>
+              <a:sym typeface="Salesforce Sans"/>
+            </a:endParaRPr>
+          </a:p>
+          <a:p>
+            <a:r>
+              <a:rPr lang="en-US" altLang="zh-TW" sz="2400" dirty="0" smtClean="0">
+                <a:solidFill>
+                  <a:schemeClr val="accent2">
+                    <a:lumMod val="60000"/>
+                    <a:lumOff val="40000"/>
+                  </a:schemeClr>
+                </a:solidFill>
+                <a:latin typeface="+mn-ea"/>
+                <a:ea typeface="+mn-ea"/>
+                <a:sym typeface="Salesforce Sans"/>
+              </a:rPr>
+              <a:t>Knee</a:t>
+            </a:r>
+            <a:r>
+              <a:rPr lang="zh-TW" altLang="en-US" sz="2400" dirty="0" smtClean="0">
+                <a:solidFill>
+                  <a:schemeClr val="accent2">
+                    <a:lumMod val="60000"/>
+                    <a:lumOff val="40000"/>
+                  </a:schemeClr>
+                </a:solidFill>
+                <a:latin typeface="+mn-ea"/>
+                <a:ea typeface="+mn-ea"/>
+                <a:sym typeface="Salesforce Sans"/>
+              </a:rPr>
+              <a:t> 膝蓋</a:t>
+            </a:r>
+            <a:endParaRPr lang="en-US" altLang="zh-TW" sz="2400" dirty="0" smtClean="0">
+              <a:solidFill>
+                <a:schemeClr val="accent2">
+                  <a:lumMod val="60000"/>
+                  <a:lumOff val="40000"/>
+                </a:schemeClr>
+              </a:solidFill>
+              <a:latin typeface="+mn-ea"/>
+              <a:ea typeface="+mn-ea"/>
+              <a:sym typeface="Salesforce Sans"/>
+            </a:endParaRPr>
+          </a:p>
+          <a:p>
+            <a:r>
+              <a:rPr lang="en-US" altLang="zh-TW" sz="2400" dirty="0" smtClean="0">
+                <a:solidFill>
+                  <a:schemeClr val="accent2">
+                    <a:lumMod val="60000"/>
+                    <a:lumOff val="40000"/>
+                  </a:schemeClr>
+                </a:solidFill>
+                <a:latin typeface="+mn-ea"/>
+                <a:ea typeface="+mn-ea"/>
+                <a:sym typeface="Salesforce Sans"/>
+              </a:rPr>
+              <a:t>Ankle</a:t>
+            </a:r>
+            <a:r>
+              <a:rPr lang="zh-TW" altLang="en-US" sz="2400" dirty="0" smtClean="0">
+                <a:solidFill>
+                  <a:schemeClr val="accent2">
+                    <a:lumMod val="60000"/>
+                    <a:lumOff val="40000"/>
+                  </a:schemeClr>
+                </a:solidFill>
+                <a:latin typeface="+mn-ea"/>
+                <a:ea typeface="+mn-ea"/>
+                <a:sym typeface="Salesforce Sans"/>
+              </a:rPr>
+              <a:t> 腳踝</a:t>
+            </a:r>
+            <a:endParaRPr lang="en-US" altLang="zh-TW" dirty="0">
               <a:solidFill>
                 <a:schemeClr val="accent2">
                   <a:lumMod val="60000"/>
@@ -18915,7 +18254,7 @@
     </p:spTree>
     <p:extLst>
       <p:ext uri="{BB962C8B-B14F-4D97-AF65-F5344CB8AC3E}">
-        <p14:creationId xmlns:p14="http://schemas.microsoft.com/office/powerpoint/2010/main" val="1719850932"/>
+        <p14:creationId xmlns:p14="http://schemas.microsoft.com/office/powerpoint/2010/main" val="3764171723"/>
       </p:ext>
     </p:extLst>
   </p:cSld>
@@ -18963,154 +18302,836 @@
       </p:grpSpPr>
       <p:sp>
         <p:nvSpPr>
-          <p:cNvPr id="3" name="內容預留位置 2"/>
+          <p:cNvPr id="3" name="標題 2"/>
           <p:cNvSpPr>
             <a:spLocks noGrp="1"/>
           </p:cNvSpPr>
           <p:nvPr>
-            <p:ph sz="half" idx="1"/>
+            <p:ph type="title"/>
           </p:nvPr>
         </p:nvSpPr>
         <p:spPr>
           <a:xfrm>
-            <a:off x="1485900" y="1124744"/>
-            <a:ext cx="9937104" cy="5400600"/>
+            <a:off x="1413892" y="476672"/>
+            <a:ext cx="10360501" cy="778099"/>
           </a:xfrm>
         </p:spPr>
         <p:txBody>
-          <a:bodyPr rtlCol="0">
-            <a:normAutofit/>
-          </a:bodyPr>
+          <a:bodyPr rtlCol="0"/>
           <a:lstStyle/>
+          <a:p>
+            <a:pPr rtl="0"/>
+            <a:r>
+              <a:rPr lang="zh-TW" altLang="en-US" dirty="0" smtClean="0">
+                <a:sym typeface="Salesforce Sans"/>
+              </a:rPr>
+              <a:t>姿態辨識程式撰寫要點：</a:t>
+            </a:r>
+            <a:endParaRPr lang="zh-TW" altLang="en-US" dirty="0">
+              <a:sym typeface="Salesforce Sans"/>
+            </a:endParaRPr>
+          </a:p>
+        </p:txBody>
+      </p:sp>
+      <p:sp>
+        <p:nvSpPr>
+          <p:cNvPr id="4" name="內容預留位置 13"/>
+          <p:cNvSpPr txBox="1">
+            <a:spLocks/>
+          </p:cNvSpPr>
+          <p:nvPr/>
+        </p:nvSpPr>
+        <p:spPr>
+          <a:xfrm>
+            <a:off x="1250182" y="1412776"/>
+            <a:ext cx="10360502" cy="5184576"/>
+          </a:xfrm>
+          <a:prstGeom prst="rect">
+            <a:avLst/>
+          </a:prstGeom>
+        </p:spPr>
+        <p:txBody>
+          <a:bodyPr rtlCol="0"/>
+          <a:lstStyle>
+            <a:lvl1pPr marL="304747" indent="-304747" algn="l" defTabSz="1218987" rtl="0" eaLnBrk="1" latinLnBrk="0" hangingPunct="1">
+              <a:lnSpc>
+                <a:spcPct val="90000"/>
+              </a:lnSpc>
+              <a:spcBef>
+                <a:spcPts val="1600"/>
+              </a:spcBef>
+              <a:buClr>
+                <a:schemeClr val="accent1"/>
+              </a:buClr>
+              <a:buSzPct val="100000"/>
+              <a:buFont typeface="Arial" pitchFamily="34" charset="0"/>
+              <a:buChar char="•"/>
+              <a:defRPr sz="2800" kern="1200">
+                <a:solidFill>
+                  <a:schemeClr val="tx1"/>
+                </a:solidFill>
+                <a:latin typeface="+mj-ea"/>
+                <a:ea typeface="+mj-ea"/>
+                <a:cs typeface="+mn-cs"/>
+              </a:defRPr>
+            </a:lvl1pPr>
+            <a:lvl2pPr marL="609493" indent="-231607" algn="l" defTabSz="1218987" rtl="0" eaLnBrk="1" latinLnBrk="0" hangingPunct="1">
+              <a:lnSpc>
+                <a:spcPct val="90000"/>
+              </a:lnSpc>
+              <a:spcBef>
+                <a:spcPts val="800"/>
+              </a:spcBef>
+              <a:buClr>
+                <a:schemeClr val="accent1"/>
+              </a:buClr>
+              <a:buSzPct val="80000"/>
+              <a:buFont typeface="Arial" pitchFamily="34" charset="0"/>
+              <a:buChar char="•"/>
+              <a:defRPr sz="2400" kern="1200">
+                <a:solidFill>
+                  <a:schemeClr val="tx1"/>
+                </a:solidFill>
+                <a:latin typeface="+mj-ea"/>
+                <a:ea typeface="+mj-ea"/>
+                <a:cs typeface="+mn-cs"/>
+              </a:defRPr>
+            </a:lvl2pPr>
+            <a:lvl3pPr marL="914240" indent="-231607" algn="l" defTabSz="1218987" rtl="0" eaLnBrk="1" latinLnBrk="0" hangingPunct="1">
+              <a:lnSpc>
+                <a:spcPct val="90000"/>
+              </a:lnSpc>
+              <a:spcBef>
+                <a:spcPts val="800"/>
+              </a:spcBef>
+              <a:buClr>
+                <a:schemeClr val="accent1"/>
+              </a:buClr>
+              <a:buSzPct val="80000"/>
+              <a:buFont typeface="Arial" pitchFamily="34" charset="0"/>
+              <a:buChar char="•"/>
+              <a:defRPr sz="2000" kern="1200">
+                <a:solidFill>
+                  <a:schemeClr val="tx1"/>
+                </a:solidFill>
+                <a:latin typeface="+mj-ea"/>
+                <a:ea typeface="+mj-ea"/>
+                <a:cs typeface="+mn-cs"/>
+              </a:defRPr>
+            </a:lvl3pPr>
+            <a:lvl4pPr marL="1218987" indent="-231607" algn="l" defTabSz="1218987" rtl="0" eaLnBrk="1" latinLnBrk="0" hangingPunct="1">
+              <a:lnSpc>
+                <a:spcPct val="90000"/>
+              </a:lnSpc>
+              <a:spcBef>
+                <a:spcPts val="800"/>
+              </a:spcBef>
+              <a:buClr>
+                <a:schemeClr val="accent1"/>
+              </a:buClr>
+              <a:buSzPct val="80000"/>
+              <a:buFont typeface="Arial" pitchFamily="34" charset="0"/>
+              <a:buChar char="•"/>
+              <a:defRPr sz="2000" kern="1200">
+                <a:solidFill>
+                  <a:schemeClr val="tx1"/>
+                </a:solidFill>
+                <a:latin typeface="+mj-ea"/>
+                <a:ea typeface="+mj-ea"/>
+                <a:cs typeface="+mn-cs"/>
+              </a:defRPr>
+            </a:lvl4pPr>
+            <a:lvl5pPr marL="1523733" indent="-231607" algn="l" defTabSz="1218987" rtl="0" eaLnBrk="1" latinLnBrk="0" hangingPunct="1">
+              <a:lnSpc>
+                <a:spcPct val="90000"/>
+              </a:lnSpc>
+              <a:spcBef>
+                <a:spcPts val="800"/>
+              </a:spcBef>
+              <a:buClr>
+                <a:schemeClr val="accent1"/>
+              </a:buClr>
+              <a:buSzPct val="80000"/>
+              <a:buFont typeface="Arial" pitchFamily="34" charset="0"/>
+              <a:buChar char="•"/>
+              <a:defRPr sz="2000" kern="1200">
+                <a:solidFill>
+                  <a:schemeClr val="tx1"/>
+                </a:solidFill>
+                <a:latin typeface="+mj-ea"/>
+                <a:ea typeface="+mj-ea"/>
+                <a:cs typeface="+mn-cs"/>
+              </a:defRPr>
+            </a:lvl5pPr>
+            <a:lvl6pPr marL="1828480" indent="-231607" algn="l" defTabSz="1218987" rtl="0" eaLnBrk="1" latinLnBrk="0" hangingPunct="1">
+              <a:lnSpc>
+                <a:spcPct val="90000"/>
+              </a:lnSpc>
+              <a:spcBef>
+                <a:spcPts val="800"/>
+              </a:spcBef>
+              <a:buClr>
+                <a:schemeClr val="accent1"/>
+              </a:buClr>
+              <a:buSzPct val="80000"/>
+              <a:buFont typeface="Arial" pitchFamily="34" charset="0"/>
+              <a:buChar char="•"/>
+              <a:defRPr sz="2000" kern="1200">
+                <a:solidFill>
+                  <a:schemeClr val="tx1"/>
+                </a:solidFill>
+                <a:latin typeface="+mn-lt"/>
+                <a:ea typeface="+mn-ea"/>
+                <a:cs typeface="+mn-cs"/>
+              </a:defRPr>
+            </a:lvl6pPr>
+            <a:lvl7pPr marL="2133227" indent="-231607" algn="l" defTabSz="1218987" rtl="0" eaLnBrk="1" latinLnBrk="0" hangingPunct="1">
+              <a:lnSpc>
+                <a:spcPct val="90000"/>
+              </a:lnSpc>
+              <a:spcBef>
+                <a:spcPts val="800"/>
+              </a:spcBef>
+              <a:buClr>
+                <a:schemeClr val="accent1"/>
+              </a:buClr>
+              <a:buSzPct val="80000"/>
+              <a:buFont typeface="Arial" pitchFamily="34" charset="0"/>
+              <a:buChar char="•"/>
+              <a:defRPr sz="2000" kern="1200">
+                <a:solidFill>
+                  <a:schemeClr val="tx1"/>
+                </a:solidFill>
+                <a:latin typeface="+mn-lt"/>
+                <a:ea typeface="+mn-ea"/>
+                <a:cs typeface="+mn-cs"/>
+              </a:defRPr>
+            </a:lvl7pPr>
+            <a:lvl8pPr marL="2437973" indent="-231607" algn="l" defTabSz="1218987" rtl="0" eaLnBrk="1" latinLnBrk="0" hangingPunct="1">
+              <a:lnSpc>
+                <a:spcPct val="90000"/>
+              </a:lnSpc>
+              <a:spcBef>
+                <a:spcPts val="800"/>
+              </a:spcBef>
+              <a:buClr>
+                <a:schemeClr val="accent1"/>
+              </a:buClr>
+              <a:buSzPct val="80000"/>
+              <a:buFont typeface="Arial" pitchFamily="34" charset="0"/>
+              <a:buChar char="•"/>
+              <a:defRPr sz="2000" kern="1200" baseline="0">
+                <a:solidFill>
+                  <a:schemeClr val="tx1"/>
+                </a:solidFill>
+                <a:latin typeface="+mn-lt"/>
+                <a:ea typeface="+mn-ea"/>
+                <a:cs typeface="+mn-cs"/>
+              </a:defRPr>
+            </a:lvl8pPr>
+            <a:lvl9pPr marL="2742720" indent="-231607" algn="l" defTabSz="1218987" rtl="0" eaLnBrk="1" latinLnBrk="0" hangingPunct="1">
+              <a:lnSpc>
+                <a:spcPct val="90000"/>
+              </a:lnSpc>
+              <a:spcBef>
+                <a:spcPts val="800"/>
+              </a:spcBef>
+              <a:buClr>
+                <a:schemeClr val="accent1"/>
+              </a:buClr>
+              <a:buSzPct val="80000"/>
+              <a:buFont typeface="Arial" pitchFamily="34" charset="0"/>
+              <a:buChar char="•"/>
+              <a:defRPr sz="2000" kern="1200" baseline="0">
+                <a:solidFill>
+                  <a:schemeClr val="tx1"/>
+                </a:solidFill>
+                <a:latin typeface="+mn-lt"/>
+                <a:ea typeface="+mn-ea"/>
+                <a:cs typeface="+mn-cs"/>
+              </a:defRPr>
+            </a:lvl9pPr>
+          </a:lstStyle>
+          <a:p>
+            <a:endParaRPr lang="zh-TW" altLang="en-US" sz="2000" dirty="0">
+              <a:solidFill>
+                <a:schemeClr val="accent2">
+                  <a:lumMod val="60000"/>
+                  <a:lumOff val="40000"/>
+                </a:schemeClr>
+              </a:solidFill>
+              <a:latin typeface="+mn-ea"/>
+              <a:ea typeface="+mn-ea"/>
+              <a:sym typeface="Salesforce Sans"/>
+            </a:endParaRPr>
+          </a:p>
+        </p:txBody>
+      </p:sp>
+      <p:sp>
+        <p:nvSpPr>
+          <p:cNvPr id="5" name="內容預留位置 13"/>
+          <p:cNvSpPr txBox="1">
+            <a:spLocks/>
+          </p:cNvSpPr>
+          <p:nvPr/>
+        </p:nvSpPr>
+        <p:spPr>
+          <a:xfrm>
+            <a:off x="1398659" y="1412776"/>
+            <a:ext cx="9268018" cy="5040560"/>
+          </a:xfrm>
+          <a:prstGeom prst="rect">
+            <a:avLst/>
+          </a:prstGeom>
+        </p:spPr>
+        <p:txBody>
+          <a:bodyPr rtlCol="0"/>
+          <a:lstStyle>
+            <a:lvl1pPr marL="304747" indent="-304747" algn="l" defTabSz="1218987" rtl="0" eaLnBrk="1" latinLnBrk="0" hangingPunct="1">
+              <a:lnSpc>
+                <a:spcPct val="90000"/>
+              </a:lnSpc>
+              <a:spcBef>
+                <a:spcPts val="1600"/>
+              </a:spcBef>
+              <a:buClr>
+                <a:schemeClr val="accent1"/>
+              </a:buClr>
+              <a:buSzPct val="100000"/>
+              <a:buFont typeface="Arial" pitchFamily="34" charset="0"/>
+              <a:buChar char="•"/>
+              <a:defRPr sz="2800" kern="1200">
+                <a:solidFill>
+                  <a:schemeClr val="tx1"/>
+                </a:solidFill>
+                <a:latin typeface="+mj-ea"/>
+                <a:ea typeface="+mj-ea"/>
+                <a:cs typeface="+mn-cs"/>
+              </a:defRPr>
+            </a:lvl1pPr>
+            <a:lvl2pPr marL="609493" indent="-231607" algn="l" defTabSz="1218987" rtl="0" eaLnBrk="1" latinLnBrk="0" hangingPunct="1">
+              <a:lnSpc>
+                <a:spcPct val="90000"/>
+              </a:lnSpc>
+              <a:spcBef>
+                <a:spcPts val="800"/>
+              </a:spcBef>
+              <a:buClr>
+                <a:schemeClr val="accent1"/>
+              </a:buClr>
+              <a:buSzPct val="80000"/>
+              <a:buFont typeface="Arial" pitchFamily="34" charset="0"/>
+              <a:buChar char="•"/>
+              <a:defRPr sz="2400" kern="1200">
+                <a:solidFill>
+                  <a:schemeClr val="tx1"/>
+                </a:solidFill>
+                <a:latin typeface="+mj-ea"/>
+                <a:ea typeface="+mj-ea"/>
+                <a:cs typeface="+mn-cs"/>
+              </a:defRPr>
+            </a:lvl2pPr>
+            <a:lvl3pPr marL="914240" indent="-231607" algn="l" defTabSz="1218987" rtl="0" eaLnBrk="1" latinLnBrk="0" hangingPunct="1">
+              <a:lnSpc>
+                <a:spcPct val="90000"/>
+              </a:lnSpc>
+              <a:spcBef>
+                <a:spcPts val="800"/>
+              </a:spcBef>
+              <a:buClr>
+                <a:schemeClr val="accent1"/>
+              </a:buClr>
+              <a:buSzPct val="80000"/>
+              <a:buFont typeface="Arial" pitchFamily="34" charset="0"/>
+              <a:buChar char="•"/>
+              <a:defRPr sz="2000" kern="1200">
+                <a:solidFill>
+                  <a:schemeClr val="tx1"/>
+                </a:solidFill>
+                <a:latin typeface="+mj-ea"/>
+                <a:ea typeface="+mj-ea"/>
+                <a:cs typeface="+mn-cs"/>
+              </a:defRPr>
+            </a:lvl3pPr>
+            <a:lvl4pPr marL="1218987" indent="-231607" algn="l" defTabSz="1218987" rtl="0" eaLnBrk="1" latinLnBrk="0" hangingPunct="1">
+              <a:lnSpc>
+                <a:spcPct val="90000"/>
+              </a:lnSpc>
+              <a:spcBef>
+                <a:spcPts val="800"/>
+              </a:spcBef>
+              <a:buClr>
+                <a:schemeClr val="accent1"/>
+              </a:buClr>
+              <a:buSzPct val="80000"/>
+              <a:buFont typeface="Arial" pitchFamily="34" charset="0"/>
+              <a:buChar char="•"/>
+              <a:defRPr sz="2000" kern="1200">
+                <a:solidFill>
+                  <a:schemeClr val="tx1"/>
+                </a:solidFill>
+                <a:latin typeface="+mj-ea"/>
+                <a:ea typeface="+mj-ea"/>
+                <a:cs typeface="+mn-cs"/>
+              </a:defRPr>
+            </a:lvl4pPr>
+            <a:lvl5pPr marL="1523733" indent="-231607" algn="l" defTabSz="1218987" rtl="0" eaLnBrk="1" latinLnBrk="0" hangingPunct="1">
+              <a:lnSpc>
+                <a:spcPct val="90000"/>
+              </a:lnSpc>
+              <a:spcBef>
+                <a:spcPts val="800"/>
+              </a:spcBef>
+              <a:buClr>
+                <a:schemeClr val="accent1"/>
+              </a:buClr>
+              <a:buSzPct val="80000"/>
+              <a:buFont typeface="Arial" pitchFamily="34" charset="0"/>
+              <a:buChar char="•"/>
+              <a:defRPr sz="2000" kern="1200">
+                <a:solidFill>
+                  <a:schemeClr val="tx1"/>
+                </a:solidFill>
+                <a:latin typeface="+mj-ea"/>
+                <a:ea typeface="+mj-ea"/>
+                <a:cs typeface="+mn-cs"/>
+              </a:defRPr>
+            </a:lvl5pPr>
+            <a:lvl6pPr marL="1828480" indent="-231607" algn="l" defTabSz="1218987" rtl="0" eaLnBrk="1" latinLnBrk="0" hangingPunct="1">
+              <a:lnSpc>
+                <a:spcPct val="90000"/>
+              </a:lnSpc>
+              <a:spcBef>
+                <a:spcPts val="800"/>
+              </a:spcBef>
+              <a:buClr>
+                <a:schemeClr val="accent1"/>
+              </a:buClr>
+              <a:buSzPct val="80000"/>
+              <a:buFont typeface="Arial" pitchFamily="34" charset="0"/>
+              <a:buChar char="•"/>
+              <a:defRPr sz="2000" kern="1200">
+                <a:solidFill>
+                  <a:schemeClr val="tx1"/>
+                </a:solidFill>
+                <a:latin typeface="+mn-lt"/>
+                <a:ea typeface="+mn-ea"/>
+                <a:cs typeface="+mn-cs"/>
+              </a:defRPr>
+            </a:lvl6pPr>
+            <a:lvl7pPr marL="2133227" indent="-231607" algn="l" defTabSz="1218987" rtl="0" eaLnBrk="1" latinLnBrk="0" hangingPunct="1">
+              <a:lnSpc>
+                <a:spcPct val="90000"/>
+              </a:lnSpc>
+              <a:spcBef>
+                <a:spcPts val="800"/>
+              </a:spcBef>
+              <a:buClr>
+                <a:schemeClr val="accent1"/>
+              </a:buClr>
+              <a:buSzPct val="80000"/>
+              <a:buFont typeface="Arial" pitchFamily="34" charset="0"/>
+              <a:buChar char="•"/>
+              <a:defRPr sz="2000" kern="1200">
+                <a:solidFill>
+                  <a:schemeClr val="tx1"/>
+                </a:solidFill>
+                <a:latin typeface="+mn-lt"/>
+                <a:ea typeface="+mn-ea"/>
+                <a:cs typeface="+mn-cs"/>
+              </a:defRPr>
+            </a:lvl7pPr>
+            <a:lvl8pPr marL="2437973" indent="-231607" algn="l" defTabSz="1218987" rtl="0" eaLnBrk="1" latinLnBrk="0" hangingPunct="1">
+              <a:lnSpc>
+                <a:spcPct val="90000"/>
+              </a:lnSpc>
+              <a:spcBef>
+                <a:spcPts val="800"/>
+              </a:spcBef>
+              <a:buClr>
+                <a:schemeClr val="accent1"/>
+              </a:buClr>
+              <a:buSzPct val="80000"/>
+              <a:buFont typeface="Arial" pitchFamily="34" charset="0"/>
+              <a:buChar char="•"/>
+              <a:defRPr sz="2000" kern="1200" baseline="0">
+                <a:solidFill>
+                  <a:schemeClr val="tx1"/>
+                </a:solidFill>
+                <a:latin typeface="+mn-lt"/>
+                <a:ea typeface="+mn-ea"/>
+                <a:cs typeface="+mn-cs"/>
+              </a:defRPr>
+            </a:lvl8pPr>
+            <a:lvl9pPr marL="2742720" indent="-231607" algn="l" defTabSz="1218987" rtl="0" eaLnBrk="1" latinLnBrk="0" hangingPunct="1">
+              <a:lnSpc>
+                <a:spcPct val="90000"/>
+              </a:lnSpc>
+              <a:spcBef>
+                <a:spcPts val="800"/>
+              </a:spcBef>
+              <a:buClr>
+                <a:schemeClr val="accent1"/>
+              </a:buClr>
+              <a:buSzPct val="80000"/>
+              <a:buFont typeface="Arial" pitchFamily="34" charset="0"/>
+              <a:buChar char="•"/>
+              <a:defRPr sz="2000" kern="1200" baseline="0">
+                <a:solidFill>
+                  <a:schemeClr val="tx1"/>
+                </a:solidFill>
+                <a:latin typeface="+mn-lt"/>
+                <a:ea typeface="+mn-ea"/>
+                <a:cs typeface="+mn-cs"/>
+              </a:defRPr>
+            </a:lvl9pPr>
+          </a:lstStyle>
+          <a:p>
+            <a:r>
+              <a:rPr lang="zh-TW" altLang="en-US" dirty="0" smtClean="0">
+                <a:solidFill>
+                  <a:schemeClr val="accent2">
+                    <a:lumMod val="60000"/>
+                    <a:lumOff val="40000"/>
+                  </a:schemeClr>
+                </a:solidFill>
+                <a:latin typeface="+mn-ea"/>
+                <a:sym typeface="Salesforce Sans"/>
+              </a:rPr>
+              <a:t>若不使用</a:t>
+            </a:r>
+            <a:r>
+              <a:rPr lang="zh-TW" altLang="en-US" dirty="0">
+                <a:solidFill>
+                  <a:schemeClr val="accent2">
+                    <a:lumMod val="60000"/>
+                    <a:lumOff val="40000"/>
+                  </a:schemeClr>
+                </a:solidFill>
+                <a:latin typeface="+mn-ea"/>
+                <a:sym typeface="Salesforce Sans"/>
+              </a:rPr>
+              <a:t>鏡像，視訊</a:t>
+            </a:r>
+            <a:r>
+              <a:rPr lang="zh-TW" altLang="en-US" dirty="0" smtClean="0">
+                <a:solidFill>
+                  <a:schemeClr val="accent2">
+                    <a:lumMod val="60000"/>
+                    <a:lumOff val="40000"/>
+                  </a:schemeClr>
+                </a:solidFill>
+                <a:latin typeface="+mn-ea"/>
+                <a:sym typeface="Salesforce Sans"/>
+              </a:rPr>
+              <a:t>前人的右手</a:t>
+            </a:r>
+            <a:r>
+              <a:rPr lang="zh-TW" altLang="en-US" dirty="0">
+                <a:solidFill>
+                  <a:schemeClr val="accent2">
+                    <a:lumMod val="60000"/>
+                    <a:lumOff val="40000"/>
+                  </a:schemeClr>
+                </a:solidFill>
+                <a:latin typeface="+mn-ea"/>
+                <a:sym typeface="Salesforce Sans"/>
+              </a:rPr>
+              <a:t>對應ＡＩ回傳</a:t>
+            </a:r>
+            <a:r>
+              <a:rPr lang="zh-TW" altLang="en-US" dirty="0" smtClean="0">
+                <a:solidFill>
+                  <a:schemeClr val="accent2">
+                    <a:lumMod val="60000"/>
+                    <a:lumOff val="40000"/>
+                  </a:schemeClr>
+                </a:solidFill>
+                <a:latin typeface="+mn-ea"/>
+                <a:sym typeface="Salesforce Sans"/>
+              </a:rPr>
+              <a:t>的右手</a:t>
+            </a:r>
+            <a:r>
+              <a:rPr lang="zh-TW" altLang="en-US" dirty="0">
+                <a:solidFill>
+                  <a:schemeClr val="accent2">
+                    <a:lumMod val="60000"/>
+                    <a:lumOff val="40000"/>
+                  </a:schemeClr>
+                </a:solidFill>
+                <a:latin typeface="+mn-ea"/>
+                <a:sym typeface="Salesforce Sans"/>
+              </a:rPr>
+              <a:t>參數。</a:t>
+            </a:r>
+            <a:endParaRPr lang="en-US" altLang="zh-TW" dirty="0">
+              <a:solidFill>
+                <a:schemeClr val="accent2">
+                  <a:lumMod val="60000"/>
+                  <a:lumOff val="40000"/>
+                </a:schemeClr>
+              </a:solidFill>
+              <a:latin typeface="+mn-ea"/>
+              <a:sym typeface="Salesforce Sans"/>
+            </a:endParaRPr>
+          </a:p>
+          <a:p>
+            <a:r>
+              <a:rPr lang="zh-TW" altLang="en-US" dirty="0">
+                <a:solidFill>
+                  <a:schemeClr val="accent2">
+                    <a:lumMod val="60000"/>
+                    <a:lumOff val="40000"/>
+                  </a:schemeClr>
+                </a:solidFill>
+                <a:latin typeface="+mn-ea"/>
+                <a:sym typeface="Salesforce Sans"/>
+              </a:rPr>
+              <a:t>若使用鏡像，視訊</a:t>
+            </a:r>
+            <a:r>
+              <a:rPr lang="zh-TW" altLang="en-US" dirty="0" smtClean="0">
+                <a:solidFill>
+                  <a:schemeClr val="accent2">
+                    <a:lumMod val="60000"/>
+                    <a:lumOff val="40000"/>
+                  </a:schemeClr>
+                </a:solidFill>
+                <a:latin typeface="+mn-ea"/>
+                <a:sym typeface="Salesforce Sans"/>
+              </a:rPr>
+              <a:t>前人的右手</a:t>
+            </a:r>
+            <a:r>
+              <a:rPr lang="zh-TW" altLang="en-US" dirty="0">
+                <a:solidFill>
+                  <a:schemeClr val="accent2">
+                    <a:lumMod val="60000"/>
+                    <a:lumOff val="40000"/>
+                  </a:schemeClr>
+                </a:solidFill>
+                <a:latin typeface="+mn-ea"/>
+                <a:sym typeface="Salesforce Sans"/>
+              </a:rPr>
+              <a:t>對應ＡＩ回傳的左手參數。</a:t>
+            </a:r>
+            <a:endParaRPr lang="en-US" altLang="zh-TW" dirty="0">
+              <a:solidFill>
+                <a:schemeClr val="accent2">
+                  <a:lumMod val="60000"/>
+                  <a:lumOff val="40000"/>
+                </a:schemeClr>
+              </a:solidFill>
+              <a:latin typeface="+mn-ea"/>
+              <a:sym typeface="Salesforce Sans"/>
+            </a:endParaRPr>
+          </a:p>
+          <a:p>
+            <a:r>
+              <a:rPr lang="zh-TW" altLang="en-US" dirty="0" smtClean="0">
+                <a:solidFill>
+                  <a:schemeClr val="accent2">
+                    <a:lumMod val="60000"/>
+                    <a:lumOff val="40000"/>
+                  </a:schemeClr>
+                </a:solidFill>
+                <a:latin typeface="+mn-ea"/>
+                <a:ea typeface="+mn-ea"/>
+                <a:sym typeface="Salesforce Sans"/>
+              </a:rPr>
+              <a:t>各部位之間的距離會因人與視訊鏡頭間的距離而改變。可利用各</a:t>
+            </a:r>
+            <a:r>
+              <a:rPr lang="zh-TW" altLang="en-US" dirty="0">
+                <a:solidFill>
+                  <a:schemeClr val="accent2">
+                    <a:lumMod val="60000"/>
+                    <a:lumOff val="40000"/>
+                  </a:schemeClr>
+                </a:solidFill>
+                <a:latin typeface="+mn-ea"/>
+                <a:sym typeface="Salesforce Sans"/>
+              </a:rPr>
+              <a:t>部位</a:t>
+            </a:r>
+            <a:r>
+              <a:rPr lang="zh-TW" altLang="en-US" dirty="0" smtClean="0">
+                <a:solidFill>
+                  <a:schemeClr val="accent2">
+                    <a:lumMod val="60000"/>
+                    <a:lumOff val="40000"/>
+                  </a:schemeClr>
+                </a:solidFill>
+                <a:latin typeface="+mn-ea"/>
+                <a:ea typeface="+mn-ea"/>
+                <a:sym typeface="Salesforce Sans"/>
+              </a:rPr>
+              <a:t>距離間的比值關係不受距離</a:t>
+            </a:r>
+            <a:r>
+              <a:rPr lang="zh-TW" altLang="en-US" dirty="0">
+                <a:solidFill>
+                  <a:schemeClr val="accent2">
+                    <a:lumMod val="60000"/>
+                    <a:lumOff val="40000"/>
+                  </a:schemeClr>
+                </a:solidFill>
+                <a:latin typeface="+mn-ea"/>
+                <a:sym typeface="Salesforce Sans"/>
+              </a:rPr>
+              <a:t>視訊</a:t>
+            </a:r>
+            <a:r>
+              <a:rPr lang="zh-TW" altLang="en-US" dirty="0" smtClean="0">
+                <a:solidFill>
+                  <a:schemeClr val="accent2">
+                    <a:lumMod val="60000"/>
+                    <a:lumOff val="40000"/>
+                  </a:schemeClr>
+                </a:solidFill>
+                <a:latin typeface="+mn-ea"/>
+                <a:ea typeface="+mn-ea"/>
+                <a:sym typeface="Salesforce Sans"/>
+              </a:rPr>
+              <a:t>鏡頭遠近影響來設定判定姿態的條件。</a:t>
+            </a:r>
+            <a:endParaRPr lang="en-US" altLang="zh-TW" dirty="0" smtClean="0">
+              <a:solidFill>
+                <a:schemeClr val="accent2">
+                  <a:lumMod val="60000"/>
+                  <a:lumOff val="40000"/>
+                </a:schemeClr>
+              </a:solidFill>
+              <a:latin typeface="+mn-ea"/>
+              <a:ea typeface="+mn-ea"/>
+              <a:sym typeface="Salesforce Sans"/>
+            </a:endParaRPr>
+          </a:p>
+          <a:p>
+            <a:r>
+              <a:rPr lang="zh-TW" altLang="en-US" dirty="0" smtClean="0">
+                <a:solidFill>
+                  <a:schemeClr val="accent2">
+                    <a:lumMod val="60000"/>
+                    <a:lumOff val="40000"/>
+                  </a:schemeClr>
+                </a:solidFill>
+                <a:latin typeface="+mn-ea"/>
+                <a:ea typeface="+mn-ea"/>
+                <a:sym typeface="Salesforce Sans"/>
+              </a:rPr>
+              <a:t>設定一變數紀錄目前開關狀態做判斷，避免視訊偵測快速重複執行開關而使單晶片當機。</a:t>
+            </a:r>
+            <a:endParaRPr lang="en-US" altLang="zh-TW" dirty="0" smtClean="0">
+              <a:solidFill>
+                <a:schemeClr val="accent2">
+                  <a:lumMod val="60000"/>
+                  <a:lumOff val="40000"/>
+                </a:schemeClr>
+              </a:solidFill>
+              <a:latin typeface="+mn-ea"/>
+              <a:ea typeface="+mn-ea"/>
+              <a:sym typeface="Salesforce Sans"/>
+            </a:endParaRPr>
+          </a:p>
+          <a:p>
+            <a:r>
+              <a:rPr lang="zh-TW" altLang="en-US" dirty="0" smtClean="0">
+                <a:solidFill>
+                  <a:schemeClr val="accent2">
+                    <a:lumMod val="60000"/>
+                    <a:lumOff val="40000"/>
+                  </a:schemeClr>
+                </a:solidFill>
+                <a:latin typeface="+mn-ea"/>
+                <a:ea typeface="+mn-ea"/>
+                <a:sym typeface="Salesforce Sans"/>
+              </a:rPr>
+              <a:t>可設定較高的信心度，避免產生異常的偵測意外開關電器。</a:t>
+            </a:r>
+            <a:endParaRPr lang="en-US" altLang="zh-TW" dirty="0" smtClean="0">
+              <a:solidFill>
+                <a:schemeClr val="accent2">
+                  <a:lumMod val="60000"/>
+                  <a:lumOff val="40000"/>
+                </a:schemeClr>
+              </a:solidFill>
+              <a:latin typeface="+mn-ea"/>
+              <a:ea typeface="+mn-ea"/>
+              <a:sym typeface="Salesforce Sans"/>
+            </a:endParaRPr>
+          </a:p>
+          <a:p>
+            <a:endParaRPr lang="en-US" altLang="zh-TW" sz="3200" dirty="0" smtClean="0">
+              <a:solidFill>
+                <a:schemeClr val="accent2">
+                  <a:lumMod val="60000"/>
+                  <a:lumOff val="40000"/>
+                </a:schemeClr>
+              </a:solidFill>
+              <a:latin typeface="+mn-ea"/>
+              <a:ea typeface="+mn-ea"/>
+              <a:sym typeface="Salesforce Sans"/>
+            </a:endParaRPr>
+          </a:p>
+          <a:p>
+            <a:endParaRPr lang="en-US" altLang="zh-TW" sz="2400" dirty="0">
+              <a:solidFill>
+                <a:schemeClr val="accent2">
+                  <a:lumMod val="60000"/>
+                  <a:lumOff val="40000"/>
+                </a:schemeClr>
+              </a:solidFill>
+              <a:latin typeface="+mn-ea"/>
+              <a:ea typeface="+mn-ea"/>
+              <a:sym typeface="Salesforce Sans"/>
+            </a:endParaRPr>
+          </a:p>
           <a:p>
             <a:pPr marL="0" indent="0">
               <a:buNone/>
             </a:pPr>
-            <a:r>
-              <a:rPr lang="en-US" altLang="zh-TW" sz="3600" dirty="0" smtClean="0">
-                <a:solidFill>
-                  <a:schemeClr val="accent6">
-                    <a:lumMod val="20000"/>
-                    <a:lumOff val="80000"/>
-                  </a:schemeClr>
-                </a:solidFill>
-              </a:rPr>
-              <a:t>14:00~15:00 </a:t>
-            </a:r>
-            <a:r>
-              <a:rPr lang="en-US" altLang="zh-TW" sz="3600" dirty="0" err="1">
-                <a:solidFill>
-                  <a:srgbClr val="92D050"/>
-                </a:solidFill>
-              </a:rPr>
-              <a:t>tfjs</a:t>
-            </a:r>
-            <a:r>
-              <a:rPr lang="zh-TW" altLang="en-US" sz="3600" dirty="0">
-                <a:solidFill>
-                  <a:srgbClr val="92D050"/>
-                </a:solidFill>
-              </a:rPr>
-              <a:t>深度學習自走車實</a:t>
-            </a:r>
-            <a:r>
-              <a:rPr lang="zh-TW" altLang="en-US" sz="3600" dirty="0" smtClean="0">
-                <a:solidFill>
-                  <a:srgbClr val="92D050"/>
-                </a:solidFill>
-              </a:rPr>
-              <a:t>作</a:t>
-            </a:r>
-            <a:endParaRPr lang="en-US" altLang="zh-TW" sz="3100" dirty="0" smtClean="0"/>
+            <a:endParaRPr lang="en-US" altLang="zh-TW" sz="2400" dirty="0" smtClean="0">
+              <a:solidFill>
+                <a:schemeClr val="accent2">
+                  <a:lumMod val="60000"/>
+                  <a:lumOff val="40000"/>
+                </a:schemeClr>
+              </a:solidFill>
+              <a:latin typeface="+mn-ea"/>
+              <a:ea typeface="+mn-ea"/>
+              <a:sym typeface="Salesforce Sans"/>
+            </a:endParaRPr>
           </a:p>
           <a:p>
             <a:pPr marL="0" indent="0">
               <a:buNone/>
             </a:pPr>
             <a:r>
-              <a:rPr lang="en-US" altLang="zh-TW" sz="3100" dirty="0">
-                <a:hlinkClick r:id="rId3"/>
-              </a:rPr>
-              <a:t>https://</a:t>
-            </a:r>
-            <a:r>
-              <a:rPr lang="en-US" altLang="zh-TW" sz="3100" dirty="0" err="1">
-                <a:hlinkClick r:id="rId3"/>
-              </a:rPr>
-              <a:t>github.com</a:t>
-            </a:r>
-            <a:r>
-              <a:rPr lang="en-US" altLang="zh-TW" sz="3100" dirty="0">
-                <a:hlinkClick r:id="rId3"/>
-              </a:rPr>
-              <a:t>/</a:t>
-            </a:r>
-            <a:r>
-              <a:rPr lang="en-US" altLang="zh-TW" sz="3100" dirty="0" err="1">
-                <a:hlinkClick r:id="rId3"/>
-              </a:rPr>
-              <a:t>fustyles</a:t>
-            </a:r>
-            <a:r>
-              <a:rPr lang="en-US" altLang="zh-TW" sz="3100" dirty="0">
-                <a:hlinkClick r:id="rId3"/>
-              </a:rPr>
-              <a:t>/Arduino/tree/master/</a:t>
-            </a:r>
-            <a:r>
-              <a:rPr lang="en-US" altLang="zh-TW" sz="3100" dirty="0" err="1">
-                <a:hlinkClick r:id="rId3"/>
-              </a:rPr>
-              <a:t>ESP32-CAM_Car</a:t>
-            </a:r>
-            <a:r>
-              <a:rPr lang="en-US" altLang="zh-TW" sz="3100" dirty="0">
-                <a:hlinkClick r:id="rId3"/>
-              </a:rPr>
-              <a:t>/</a:t>
-            </a:r>
-            <a:r>
-              <a:rPr lang="en-US" altLang="zh-TW" sz="3100" dirty="0" err="1">
-                <a:hlinkClick r:id="rId3"/>
-              </a:rPr>
-              <a:t>ESP32</a:t>
-            </a:r>
-            <a:r>
-              <a:rPr lang="en-US" altLang="zh-TW" sz="3100" dirty="0">
-                <a:hlinkClick r:id="rId3"/>
-              </a:rPr>
-              <a:t>-</a:t>
-            </a:r>
-            <a:r>
-              <a:rPr lang="en-US" altLang="zh-TW" sz="3100" dirty="0" err="1">
-                <a:hlinkClick r:id="rId3"/>
-              </a:rPr>
-              <a:t>CAM_CAR_2pwm_knn</a:t>
-            </a:r>
-            <a:r>
-              <a:rPr lang="en-US" altLang="zh-TW" sz="3100" dirty="0">
-                <a:hlinkClick r:id="rId3"/>
-              </a:rPr>
-              <a:t>-classifier</a:t>
-            </a:r>
-            <a:endParaRPr lang="en-US" altLang="zh-TW" sz="3100" dirty="0"/>
-          </a:p>
-          <a:p>
-            <a:pPr marL="0" indent="0">
-              <a:buNone/>
-            </a:pPr>
-            <a:r>
-              <a:rPr lang="zh-TW" altLang="en-US" sz="3600" dirty="0" smtClean="0">
-                <a:solidFill>
-                  <a:srgbClr val="00B0F0"/>
-                </a:solidFill>
-              </a:rPr>
-              <a:t>     </a:t>
-            </a:r>
-            <a:endParaRPr lang="en-US" altLang="zh-TW" sz="3600" dirty="0">
+              <a:rPr lang="en-US" altLang="zh-TW" sz="2000" dirty="0">
+                <a:solidFill>
+                  <a:schemeClr val="accent2">
+                    <a:lumMod val="60000"/>
+                    <a:lumOff val="40000"/>
+                  </a:schemeClr>
+                </a:solidFill>
+                <a:latin typeface="+mn-ea"/>
+                <a:ea typeface="+mn-ea"/>
+                <a:sym typeface="Salesforce Sans"/>
+              </a:rPr>
+              <a:t>	</a:t>
+            </a:r>
+            <a:endParaRPr lang="en-US" altLang="zh-TW" sz="2400" dirty="0" smtClean="0">
               <a:solidFill>
-                <a:srgbClr val="00B0F0"/>
+                <a:schemeClr val="accent2">
+                  <a:lumMod val="60000"/>
+                  <a:lumOff val="40000"/>
+                </a:schemeClr>
               </a:solidFill>
+              <a:latin typeface="+mn-ea"/>
+              <a:ea typeface="+mn-ea"/>
+              <a:sym typeface="Salesforce Sans"/>
             </a:endParaRPr>
           </a:p>
         </p:txBody>
@@ -19118,7 +19139,7 @@
     </p:spTree>
     <p:extLst>
       <p:ext uri="{BB962C8B-B14F-4D97-AF65-F5344CB8AC3E}">
-        <p14:creationId xmlns:p14="http://schemas.microsoft.com/office/powerpoint/2010/main" val="2422207188"/>
+        <p14:creationId xmlns:p14="http://schemas.microsoft.com/office/powerpoint/2010/main" val="1719850932"/>
       </p:ext>
     </p:extLst>
   </p:cSld>
@@ -19176,6 +19197,269 @@
         </p:nvSpPr>
         <p:spPr>
           <a:xfrm>
+            <a:off x="1485900" y="404664"/>
+            <a:ext cx="9937104" cy="2304256"/>
+          </a:xfrm>
+        </p:spPr>
+        <p:txBody>
+          <a:bodyPr rtlCol="0">
+            <a:normAutofit fontScale="92500"/>
+          </a:bodyPr>
+          <a:lstStyle/>
+          <a:p>
+            <a:pPr marL="0" indent="0">
+              <a:buNone/>
+            </a:pPr>
+            <a:r>
+              <a:rPr lang="en-US" altLang="zh-TW" sz="3600" dirty="0" smtClean="0">
+                <a:solidFill>
+                  <a:schemeClr val="accent6">
+                    <a:lumMod val="20000"/>
+                    <a:lumOff val="80000"/>
+                  </a:schemeClr>
+                </a:solidFill>
+              </a:rPr>
+              <a:t>14:00~15:00 </a:t>
+            </a:r>
+            <a:r>
+              <a:rPr lang="en-US" altLang="zh-TW" sz="3600" dirty="0" err="1">
+                <a:solidFill>
+                  <a:srgbClr val="92D050"/>
+                </a:solidFill>
+              </a:rPr>
+              <a:t>tfjs</a:t>
+            </a:r>
+            <a:r>
+              <a:rPr lang="zh-TW" altLang="en-US" sz="3600" dirty="0">
+                <a:solidFill>
+                  <a:srgbClr val="92D050"/>
+                </a:solidFill>
+              </a:rPr>
+              <a:t>深度學習自走車實</a:t>
+            </a:r>
+            <a:r>
+              <a:rPr lang="zh-TW" altLang="en-US" sz="3600" dirty="0" smtClean="0">
+                <a:solidFill>
+                  <a:srgbClr val="92D050"/>
+                </a:solidFill>
+              </a:rPr>
+              <a:t>作</a:t>
+            </a:r>
+            <a:endParaRPr lang="en-US" altLang="zh-TW" sz="3100" dirty="0" smtClean="0"/>
+          </a:p>
+          <a:p>
+            <a:pPr marL="0" indent="0">
+              <a:buNone/>
+            </a:pPr>
+            <a:r>
+              <a:rPr lang="en-US" altLang="zh-TW" sz="3100" dirty="0">
+                <a:hlinkClick r:id="rId3"/>
+              </a:rPr>
+              <a:t>https://</a:t>
+            </a:r>
+            <a:r>
+              <a:rPr lang="en-US" altLang="zh-TW" sz="3100" dirty="0" err="1">
+                <a:hlinkClick r:id="rId3"/>
+              </a:rPr>
+              <a:t>github.com</a:t>
+            </a:r>
+            <a:r>
+              <a:rPr lang="en-US" altLang="zh-TW" sz="3100" dirty="0">
+                <a:hlinkClick r:id="rId3"/>
+              </a:rPr>
+              <a:t>/</a:t>
+            </a:r>
+            <a:r>
+              <a:rPr lang="en-US" altLang="zh-TW" sz="3100" dirty="0" err="1">
+                <a:hlinkClick r:id="rId3"/>
+              </a:rPr>
+              <a:t>fustyles</a:t>
+            </a:r>
+            <a:r>
+              <a:rPr lang="en-US" altLang="zh-TW" sz="3100" dirty="0">
+                <a:hlinkClick r:id="rId3"/>
+              </a:rPr>
+              <a:t>/Arduino/tree/master/</a:t>
+            </a:r>
+            <a:r>
+              <a:rPr lang="en-US" altLang="zh-TW" sz="3100" dirty="0" err="1">
+                <a:hlinkClick r:id="rId3"/>
+              </a:rPr>
+              <a:t>ESP32-CAM_Car</a:t>
+            </a:r>
+            <a:r>
+              <a:rPr lang="en-US" altLang="zh-TW" sz="3100" dirty="0">
+                <a:hlinkClick r:id="rId3"/>
+              </a:rPr>
+              <a:t>/</a:t>
+            </a:r>
+            <a:r>
+              <a:rPr lang="en-US" altLang="zh-TW" sz="3100" dirty="0" err="1">
+                <a:hlinkClick r:id="rId3"/>
+              </a:rPr>
+              <a:t>ESP32</a:t>
+            </a:r>
+            <a:r>
+              <a:rPr lang="en-US" altLang="zh-TW" sz="3100" dirty="0">
+                <a:hlinkClick r:id="rId3"/>
+              </a:rPr>
+              <a:t>-</a:t>
+            </a:r>
+            <a:r>
+              <a:rPr lang="en-US" altLang="zh-TW" sz="3100" dirty="0" err="1">
+                <a:hlinkClick r:id="rId3"/>
+              </a:rPr>
+              <a:t>CAM_CAR_2pwm_knn</a:t>
+            </a:r>
+            <a:r>
+              <a:rPr lang="en-US" altLang="zh-TW" sz="3100" dirty="0">
+                <a:hlinkClick r:id="rId3"/>
+              </a:rPr>
+              <a:t>-classifier</a:t>
+            </a:r>
+            <a:endParaRPr lang="en-US" altLang="zh-TW" sz="3100" dirty="0"/>
+          </a:p>
+          <a:p>
+            <a:pPr marL="0" indent="0">
+              <a:buNone/>
+            </a:pPr>
+            <a:r>
+              <a:rPr lang="zh-TW" altLang="en-US" sz="3600" dirty="0" smtClean="0">
+                <a:solidFill>
+                  <a:srgbClr val="00B0F0"/>
+                </a:solidFill>
+              </a:rPr>
+              <a:t>     </a:t>
+            </a:r>
+            <a:endParaRPr lang="en-US" altLang="zh-TW" sz="3600" dirty="0">
+              <a:solidFill>
+                <a:srgbClr val="00B0F0"/>
+              </a:solidFill>
+            </a:endParaRPr>
+          </a:p>
+        </p:txBody>
+      </p:sp>
+      <p:pic>
+        <p:nvPicPr>
+          <p:cNvPr id="2" name="圖片 1"/>
+          <p:cNvPicPr>
+            <a:picLocks noChangeAspect="1"/>
+          </p:cNvPicPr>
+          <p:nvPr/>
+        </p:nvPicPr>
+        <p:blipFill>
+          <a:blip r:embed="rId4">
+            <a:extLst>
+              <a:ext uri="{28A0092B-C50C-407E-A947-70E740481C1C}">
+                <a14:useLocalDpi xmlns:a14="http://schemas.microsoft.com/office/drawing/2010/main" val="0"/>
+              </a:ext>
+            </a:extLst>
+          </a:blip>
+          <a:stretch>
+            <a:fillRect/>
+          </a:stretch>
+        </p:blipFill>
+        <p:spPr>
+          <a:xfrm>
+            <a:off x="1647213" y="2054007"/>
+            <a:ext cx="6036163" cy="4527122"/>
+          </a:xfrm>
+          <a:prstGeom prst="rect">
+            <a:avLst/>
+          </a:prstGeom>
+        </p:spPr>
+      </p:pic>
+      <p:pic>
+        <p:nvPicPr>
+          <p:cNvPr id="4" name="圖片 3"/>
+          <p:cNvPicPr>
+            <a:picLocks noChangeAspect="1"/>
+          </p:cNvPicPr>
+          <p:nvPr/>
+        </p:nvPicPr>
+        <p:blipFill>
+          <a:blip r:embed="rId5" cstate="print">
+            <a:extLst>
+              <a:ext uri="{28A0092B-C50C-407E-A947-70E740481C1C}">
+                <a14:useLocalDpi xmlns:a14="http://schemas.microsoft.com/office/drawing/2010/main" val="0"/>
+              </a:ext>
+            </a:extLst>
+          </a:blip>
+          <a:stretch>
+            <a:fillRect/>
+          </a:stretch>
+        </p:blipFill>
+        <p:spPr>
+          <a:xfrm>
+            <a:off x="8151330" y="2054007"/>
+            <a:ext cx="2263562" cy="4527122"/>
+          </a:xfrm>
+          <a:prstGeom prst="rect">
+            <a:avLst/>
+          </a:prstGeom>
+        </p:spPr>
+      </p:pic>
+    </p:spTree>
+    <p:extLst>
+      <p:ext uri="{BB962C8B-B14F-4D97-AF65-F5344CB8AC3E}">
+        <p14:creationId xmlns:p14="http://schemas.microsoft.com/office/powerpoint/2010/main" val="2422207188"/>
+      </p:ext>
+    </p:extLst>
+  </p:cSld>
+  <p:clrMapOvr>
+    <a:masterClrMapping/>
+  </p:clrMapOvr>
+  <mc:AlternateContent xmlns:mc="http://schemas.openxmlformats.org/markup-compatibility/2006" xmlns:p14="http://schemas.microsoft.com/office/powerpoint/2010/main">
+    <mc:Choice Requires="p14">
+      <p:transition spd="med" p14:dur="700">
+        <p:fade/>
+      </p:transition>
+    </mc:Choice>
+    <mc:Fallback xmlns="">
+      <p:transition spd="med">
+        <p:fade/>
+      </p:transition>
+    </mc:Fallback>
+  </mc:AlternateContent>
+  <p:timing>
+    <p:tnLst>
+      <p:par>
+        <p:cTn id="1" dur="indefinite" restart="never" nodeType="tmRoot"/>
+      </p:par>
+    </p:tnLst>
+  </p:timing>
+</p:sld>
+</file>
+
+<file path=ppt/slides/slide37.xml><?xml version="1.0" encoding="utf-8"?>
+<p:sld xmlns:a="http://schemas.openxmlformats.org/drawingml/2006/main" xmlns:r="http://schemas.openxmlformats.org/officeDocument/2006/relationships" xmlns:p="http://schemas.openxmlformats.org/presentationml/2006/main">
+  <p:cSld>
+    <p:spTree>
+      <p:nvGrpSpPr>
+        <p:cNvPr id="1" name=""/>
+        <p:cNvGrpSpPr/>
+        <p:nvPr/>
+      </p:nvGrpSpPr>
+      <p:grpSpPr>
+        <a:xfrm>
+          <a:off x="0" y="0"/>
+          <a:ext cx="0" cy="0"/>
+          <a:chOff x="0" y="0"/>
+          <a:chExt cx="0" cy="0"/>
+        </a:xfrm>
+      </p:grpSpPr>
+      <p:sp>
+        <p:nvSpPr>
+          <p:cNvPr id="3" name="內容預留位置 2"/>
+          <p:cNvSpPr>
+            <a:spLocks noGrp="1"/>
+          </p:cNvSpPr>
+          <p:nvPr>
+            <p:ph sz="half" idx="1"/>
+          </p:nvPr>
+        </p:nvSpPr>
+        <p:spPr>
+          <a:xfrm>
             <a:off x="1485900" y="1124744"/>
             <a:ext cx="9937104" cy="5400600"/>
           </a:xfrm>
@@ -19206,15 +19490,7 @@
                   <a:srgbClr val="92D050"/>
                 </a:solidFill>
               </a:rPr>
-              <a:t>綜合</a:t>
-            </a:r>
-            <a:r>
-              <a:rPr lang="zh-TW" altLang="en-US" sz="3600" smtClean="0">
-                <a:solidFill>
-                  <a:srgbClr val="92D050"/>
-                </a:solidFill>
-              </a:rPr>
-              <a:t>討論</a:t>
+              <a:t>綜合討論</a:t>
             </a:r>
             <a:endParaRPr lang="en-US" altLang="zh-TW" sz="3600" dirty="0" smtClean="0">
               <a:solidFill>
@@ -22631,6 +22907,15 @@
 </file>
 
 <file path=customXml/item2.xml><?xml version="1.0" encoding="utf-8"?>
+<?mso-contentType ?>
+<FormTemplates xmlns="http://schemas.microsoft.com/sharepoint/v3/contenttype/forms">
+  <Display>DocumentLibraryForm</Display>
+  <Edit>AssetEditForm</Edit>
+  <New>DocumentLibraryForm</New>
+</FormTemplates>
+</file>
+
+<file path=customXml/item3.xml><?xml version="1.0" encoding="utf-8"?>
 <ct:contentTypeSchema xmlns:ct="http://schemas.microsoft.com/office/2006/metadata/contentType" xmlns:ma="http://schemas.microsoft.com/office/2006/metadata/properties/metaAttributes" ct:_="" ma:_="" ma:contentTypeName="TemplateFile" ma:contentTypeID="0x0101006EDDDB5EE6D98C44930B742096920B300400F5B6D36B3EF94B4E9A635CDF2A18F5B8" ma:contentTypeVersion="72" ma:contentTypeDescription="Create a new document." ma:contentTypeScope="" ma:versionID="a23e56308344d904b51738559c3d67c9">
   <xsd:schema xmlns:xsd="http://www.w3.org/2001/XMLSchema" xmlns:xs="http://www.w3.org/2001/XMLSchema" xmlns:p="http://schemas.microsoft.com/office/2006/metadata/properties" xmlns:ns2="4873beb7-5857-4685-be1f-d57550cc96cc" targetNamespace="http://schemas.microsoft.com/office/2006/metadata/properties" ma:root="true" ma:fieldsID="cd0908cc4600e77bf5da051303e00c8d" ns2:_="">
     <xsd:import namespace="4873beb7-5857-4685-be1f-d57550cc96cc"/>
@@ -23670,15 +23955,6 @@
 </ct:contentTypeSchema>
 </file>
 
-<file path=customXml/item3.xml><?xml version="1.0" encoding="utf-8"?>
-<?mso-contentType ?>
-<FormTemplates xmlns="http://schemas.microsoft.com/sharepoint/v3/contenttype/forms">
-  <Display>DocumentLibraryForm</Display>
-  <Edit>AssetEditForm</Edit>
-  <New>DocumentLibraryForm</New>
-</FormTemplates>
-</file>
-
 <file path=customXml/itemProps1.xml><?xml version="1.0" encoding="utf-8"?>
 <ds:datastoreItem xmlns:ds="http://schemas.openxmlformats.org/officeDocument/2006/customXml" ds:itemID="{60C67BEE-D13F-4BD2-98A5-34D8A0977F68}">
   <ds:schemaRefs>
@@ -23696,6 +23972,14 @@
 </file>
 
 <file path=customXml/itemProps2.xml><?xml version="1.0" encoding="utf-8"?>
+<ds:datastoreItem xmlns:ds="http://schemas.openxmlformats.org/officeDocument/2006/customXml" ds:itemID="{3836F65B-1B07-41EE-A0E8-BC6EF3855225}">
+  <ds:schemaRefs>
+    <ds:schemaRef ds:uri="http://schemas.microsoft.com/sharepoint/v3/contenttype/forms"/>
+  </ds:schemaRefs>
+</ds:datastoreItem>
+</file>
+
+<file path=customXml/itemProps3.xml><?xml version="1.0" encoding="utf-8"?>
 <ds:datastoreItem xmlns:ds="http://schemas.openxmlformats.org/officeDocument/2006/customXml" ds:itemID="{A09BF4D4-EF60-4196-BFC3-9462D607978C}">
   <ds:schemaRefs>
     <ds:schemaRef ds:uri="http://schemas.microsoft.com/office/2006/metadata/contentType"/>
@@ -23711,12 +23995,4 @@
     <ds:schemaRef ds:uri="http://schemas.microsoft.com/internal/obd"/>
   </ds:schemaRefs>
 </ds:datastoreItem>
-</file>
-
-<file path=customXml/itemProps3.xml><?xml version="1.0" encoding="utf-8"?>
-<ds:datastoreItem xmlns:ds="http://schemas.openxmlformats.org/officeDocument/2006/customXml" ds:itemID="{3836F65B-1B07-41EE-A0E8-BC6EF3855225}">
-  <ds:schemaRefs>
-    <ds:schemaRef ds:uri="http://schemas.microsoft.com/sharepoint/v3/contenttype/forms"/>
-  </ds:schemaRefs>
-</ds:datastoreItem>
 </file>
--- a/2019.12.20_esp32-cam/ESP32-CAM-AI影像辨識應用.pptx
+++ b/2019.12.20_esp32-cam/ESP32-CAM-AI影像辨識應用.pptx
@@ -11036,10 +11036,6 @@
               </a:rPr>
               <a:t>)</a:t>
             </a:r>
-            <a:endParaRPr lang="en-US" altLang="zh-TW" sz="2400" dirty="0" smtClean="0">
-              <a:latin typeface="+mn-ea"/>
-              <a:ea typeface="+mn-ea"/>
-            </a:endParaRPr>
           </a:p>
           <a:p>
             <a:r>
@@ -15025,10 +15021,10 @@
                   </a:schemeClr>
                 </a:solidFill>
               </a:rPr>
-              <a:t>人臉辨識</a:t>
-            </a:r>
-            <a:r>
-              <a:rPr lang="en-US" altLang="zh-TW" sz="3100" dirty="0" smtClean="0">
+              <a:t>人</a:t>
+            </a:r>
+            <a:r>
+              <a:rPr lang="zh-TW" altLang="en-US" sz="3100" smtClean="0">
                 <a:solidFill>
                   <a:schemeClr val="accent4">
                     <a:lumMod val="60000"/>
@@ -15036,8 +15032,38 @@
                   </a:schemeClr>
                 </a:solidFill>
               </a:rPr>
+              <a:t>臉</a:t>
+            </a:r>
+            <a:r>
+              <a:rPr lang="zh-TW" altLang="en-US" sz="3100" smtClean="0">
+                <a:solidFill>
+                  <a:schemeClr val="accent4">
+                    <a:lumMod val="60000"/>
+                    <a:lumOff val="40000"/>
+                  </a:schemeClr>
+                </a:solidFill>
+              </a:rPr>
+              <a:t>辨識實作</a:t>
+            </a:r>
+            <a:r>
+              <a:rPr lang="en-US" altLang="zh-TW" sz="3100" smtClean="0">
+                <a:solidFill>
+                  <a:schemeClr val="accent4">
+                    <a:lumMod val="60000"/>
+                    <a:lumOff val="40000"/>
+                  </a:schemeClr>
+                </a:solidFill>
+              </a:rPr>
               <a:t>)</a:t>
             </a:r>
+            <a:endParaRPr lang="en-US" altLang="zh-TW" sz="3100" dirty="0" smtClean="0">
+              <a:solidFill>
+                <a:schemeClr val="accent4">
+                  <a:lumMod val="60000"/>
+                  <a:lumOff val="40000"/>
+                </a:schemeClr>
+              </a:solidFill>
+            </a:endParaRPr>
           </a:p>
           <a:p>
             <a:pPr marL="0" indent="0">
@@ -16404,18 +16430,7 @@
                   </a:schemeClr>
                 </a:solidFill>
               </a:rPr>
-              <a:t>物件辨識模組程式</a:t>
-            </a:r>
-            <a:r>
-              <a:rPr lang="zh-TW" altLang="en-US" sz="3600" dirty="0" smtClean="0">
-                <a:solidFill>
-                  <a:schemeClr val="accent2">
-                    <a:lumMod val="60000"/>
-                    <a:lumOff val="40000"/>
-                  </a:schemeClr>
-                </a:solidFill>
-              </a:rPr>
-              <a:t>解說</a:t>
+              <a:t>物件辨識模組程式解說</a:t>
             </a:r>
             <a:endParaRPr lang="en-US" altLang="zh-TW" sz="3600" dirty="0" smtClean="0">
               <a:solidFill>
@@ -16959,18 +16974,7 @@
                   </a:schemeClr>
                 </a:solidFill>
               </a:rPr>
-              <a:t>姿態辨識模組程式</a:t>
-            </a:r>
-            <a:r>
-              <a:rPr lang="zh-TW" altLang="en-US" sz="3600" dirty="0" smtClean="0">
-                <a:solidFill>
-                  <a:schemeClr val="accent2">
-                    <a:lumMod val="60000"/>
-                    <a:lumOff val="40000"/>
-                  </a:schemeClr>
-                </a:solidFill>
-              </a:rPr>
-              <a:t>解說</a:t>
+              <a:t>姿態辨識模組程式解說</a:t>
             </a:r>
             <a:endParaRPr lang="en-US" altLang="zh-TW" sz="3600" dirty="0" smtClean="0">
               <a:solidFill>
@@ -22771,6 +22775,15 @@
 </file>
 
 <file path=customXml/item1.xml><?xml version="1.0" encoding="utf-8"?>
+<?mso-contentType ?>
+<FormTemplates xmlns="http://schemas.microsoft.com/sharepoint/v3/contenttype/forms">
+  <Display>DocumentLibraryForm</Display>
+  <Edit>AssetEditForm</Edit>
+  <New>DocumentLibraryForm</New>
+</FormTemplates>
+</file>
+
+<file path=customXml/item2.xml><?xml version="1.0" encoding="utf-8"?>
 <p:properties xmlns:p="http://schemas.microsoft.com/office/2006/metadata/properties" xmlns:xsi="http://www.w3.org/2001/XMLSchema-instance" xmlns:pc="http://schemas.microsoft.com/office/infopath/2007/PartnerControls">
   <documentManagement>
     <LocPublishedLinkedAssetsLookup xmlns="4873beb7-5857-4685-be1f-d57550cc96cc" xsi:nil="true"/>
@@ -22904,15 +22917,6 @@
     <LocMarketGroupTiers2 xmlns="4873beb7-5857-4685-be1f-d57550cc96cc" xsi:nil="true"/>
   </documentManagement>
 </p:properties>
-</file>
-
-<file path=customXml/item2.xml><?xml version="1.0" encoding="utf-8"?>
-<?mso-contentType ?>
-<FormTemplates xmlns="http://schemas.microsoft.com/sharepoint/v3/contenttype/forms">
-  <Display>DocumentLibraryForm</Display>
-  <Edit>AssetEditForm</Edit>
-  <New>DocumentLibraryForm</New>
-</FormTemplates>
 </file>
 
 <file path=customXml/item3.xml><?xml version="1.0" encoding="utf-8"?>
@@ -23956,6 +23960,14 @@
 </file>
 
 <file path=customXml/itemProps1.xml><?xml version="1.0" encoding="utf-8"?>
+<ds:datastoreItem xmlns:ds="http://schemas.openxmlformats.org/officeDocument/2006/customXml" ds:itemID="{3836F65B-1B07-41EE-A0E8-BC6EF3855225}">
+  <ds:schemaRefs>
+    <ds:schemaRef ds:uri="http://schemas.microsoft.com/sharepoint/v3/contenttype/forms"/>
+  </ds:schemaRefs>
+</ds:datastoreItem>
+</file>
+
+<file path=customXml/itemProps2.xml><?xml version="1.0" encoding="utf-8"?>
 <ds:datastoreItem xmlns:ds="http://schemas.openxmlformats.org/officeDocument/2006/customXml" ds:itemID="{60C67BEE-D13F-4BD2-98A5-34D8A0977F68}">
   <ds:schemaRefs>
     <ds:schemaRef ds:uri="http://purl.org/dc/elements/1.1/"/>
@@ -23967,14 +23979,6 @@
     <ds:schemaRef ds:uri="http://schemas.openxmlformats.org/package/2006/metadata/core-properties"/>
     <ds:schemaRef ds:uri="http://schemas.microsoft.com/office/infopath/2007/PartnerControls"/>
     <ds:schemaRef ds:uri="4873beb7-5857-4685-be1f-d57550cc96cc"/>
-  </ds:schemaRefs>
-</ds:datastoreItem>
-</file>
-
-<file path=customXml/itemProps2.xml><?xml version="1.0" encoding="utf-8"?>
-<ds:datastoreItem xmlns:ds="http://schemas.openxmlformats.org/officeDocument/2006/customXml" ds:itemID="{3836F65B-1B07-41EE-A0E8-BC6EF3855225}">
-  <ds:schemaRefs>
-    <ds:schemaRef ds:uri="http://schemas.microsoft.com/sharepoint/v3/contenttype/forms"/>
   </ds:schemaRefs>
 </ds:datastoreItem>
 </file>

--- a/2019.12.20_esp32-cam/ESP32-CAM-AI影像辨識應用.pptx
+++ b/2019.12.20_esp32-cam/ESP32-CAM-AI影像辨識應用.pptx
@@ -270,7 +270,7 @@
                 <a:ea typeface="+mj-ea"/>
               </a:rPr>
               <a:pPr algn="r" rtl="0"/>
-              <a:t>2019/12/22</a:t>
+              <a:t>2019/12/23</a:t>
             </a:fld>
             <a:endParaRPr lang="zh-TW" altLang="en-US" dirty="0">
               <a:latin typeface="+mj-ea"/>
@@ -552,7 +552,7 @@
                 <a:ea typeface="+mj-ea"/>
               </a:rPr>
               <a:pPr algn="r" rtl="0"/>
-              <a:t>2019/12/22</a:t>
+              <a:t>2019/12/23</a:t>
             </a:fld>
             <a:endParaRPr lang="zh-TW" altLang="en-US" dirty="0">
               <a:latin typeface="+mj-ea"/>
@@ -5029,7 +5029,7 @@
             <a:fld id="{9648EAF3-A6E8-4E9A-8D84-778422506FC2}" type="datetime1">
               <a:rPr lang="zh-TW" altLang="en-US" smtClean="0"/>
               <a:pPr/>
-              <a:t>2019/12/22</a:t>
+              <a:t>2019/12/23</a:t>
             </a:fld>
             <a:endParaRPr lang="zh-TW" altLang="en-US" dirty="0"/>
           </a:p>
@@ -5244,7 +5244,7 @@
             <a:fld id="{9648EAF3-A6E8-4E9A-8D84-778422506FC2}" type="datetime1">
               <a:rPr lang="zh-TW" altLang="en-US" smtClean="0"/>
               <a:pPr/>
-              <a:t>2019/12/22</a:t>
+              <a:t>2019/12/23</a:t>
             </a:fld>
             <a:endParaRPr lang="zh-TW" altLang="en-US" dirty="0"/>
           </a:p>
@@ -5456,7 +5456,7 @@
             <a:fld id="{9648EAF3-A6E8-4E9A-8D84-778422506FC2}" type="datetime1">
               <a:rPr lang="zh-TW" altLang="en-US" smtClean="0"/>
               <a:pPr/>
-              <a:t>2019/12/22</a:t>
+              <a:t>2019/12/23</a:t>
             </a:fld>
             <a:endParaRPr lang="zh-TW" altLang="en-US" dirty="0"/>
           </a:p>
@@ -5658,7 +5658,7 @@
             <a:fld id="{9648EAF3-A6E8-4E9A-8D84-778422506FC2}" type="datetime1">
               <a:rPr lang="zh-TW" altLang="en-US" smtClean="0"/>
               <a:pPr/>
-              <a:t>2019/12/22</a:t>
+              <a:t>2019/12/23</a:t>
             </a:fld>
             <a:endParaRPr lang="zh-TW" altLang="en-US" dirty="0"/>
           </a:p>
@@ -6112,7 +6112,7 @@
             <a:fld id="{9648EAF3-A6E8-4E9A-8D84-778422506FC2}" type="datetime1">
               <a:rPr lang="zh-TW" altLang="en-US" smtClean="0"/>
               <a:pPr/>
-              <a:t>2019/12/22</a:t>
+              <a:t>2019/12/23</a:t>
             </a:fld>
             <a:endParaRPr lang="zh-TW" altLang="en-US" dirty="0"/>
           </a:p>
@@ -6464,7 +6464,7 @@
             <a:fld id="{9648EAF3-A6E8-4E9A-8D84-778422506FC2}" type="datetime1">
               <a:rPr lang="zh-TW" altLang="en-US" smtClean="0"/>
               <a:pPr/>
-              <a:t>2019/12/22</a:t>
+              <a:t>2019/12/23</a:t>
             </a:fld>
             <a:endParaRPr lang="zh-TW" altLang="en-US" dirty="0"/>
           </a:p>
@@ -6937,7 +6937,7 @@
             <a:fld id="{9648EAF3-A6E8-4E9A-8D84-778422506FC2}" type="datetime1">
               <a:rPr lang="zh-TW" altLang="en-US" smtClean="0"/>
               <a:pPr/>
-              <a:t>2019/12/22</a:t>
+              <a:t>2019/12/23</a:t>
             </a:fld>
             <a:endParaRPr lang="zh-TW" altLang="en-US" dirty="0"/>
           </a:p>
@@ -7071,7 +7071,7 @@
             <a:fld id="{9648EAF3-A6E8-4E9A-8D84-778422506FC2}" type="datetime1">
               <a:rPr lang="zh-TW" altLang="en-US" smtClean="0"/>
               <a:pPr/>
-              <a:t>2019/12/22</a:t>
+              <a:t>2019/12/23</a:t>
             </a:fld>
             <a:endParaRPr lang="zh-TW" altLang="en-US" dirty="0"/>
           </a:p>
@@ -7181,7 +7181,7 @@
             <a:fld id="{9648EAF3-A6E8-4E9A-8D84-778422506FC2}" type="datetime1">
               <a:rPr lang="zh-TW" altLang="en-US" smtClean="0"/>
               <a:pPr/>
-              <a:t>2019/12/22</a:t>
+              <a:t>2019/12/23</a:t>
             </a:fld>
             <a:endParaRPr lang="zh-TW" altLang="en-US" dirty="0"/>
           </a:p>
@@ -7484,7 +7484,7 @@
             <a:fld id="{9648EAF3-A6E8-4E9A-8D84-778422506FC2}" type="datetime1">
               <a:rPr lang="zh-TW" altLang="en-US" smtClean="0"/>
               <a:pPr/>
-              <a:t>2019/12/22</a:t>
+              <a:t>2019/12/23</a:t>
             </a:fld>
             <a:endParaRPr lang="zh-TW" altLang="en-US" dirty="0"/>
           </a:p>
@@ -7777,7 +7777,7 @@
             <a:fld id="{9648EAF3-A6E8-4E9A-8D84-778422506FC2}" type="datetime1">
               <a:rPr lang="zh-TW" altLang="en-US" smtClean="0"/>
               <a:pPr/>
-              <a:t>2019/12/22</a:t>
+              <a:t>2019/12/23</a:t>
             </a:fld>
             <a:endParaRPr lang="zh-TW" altLang="en-US" dirty="0"/>
           </a:p>
@@ -8412,7 +8412,7 @@
             <a:fld id="{9648EAF3-A6E8-4E9A-8D84-778422506FC2}" type="datetime1">
               <a:rPr lang="zh-TW" altLang="en-US" smtClean="0"/>
               <a:pPr/>
-              <a:t>2019/12/22</a:t>
+              <a:t>2019/12/23</a:t>
             </a:fld>
             <a:endParaRPr lang="zh-TW" altLang="en-US" dirty="0"/>
           </a:p>
@@ -15021,10 +15021,10 @@
                   </a:schemeClr>
                 </a:solidFill>
               </a:rPr>
-              <a:t>人</a:t>
-            </a:r>
-            <a:r>
-              <a:rPr lang="zh-TW" altLang="en-US" sz="3100" smtClean="0">
+              <a:t>人臉辨識實作</a:t>
+            </a:r>
+            <a:r>
+              <a:rPr lang="en-US" altLang="zh-TW" sz="3100" dirty="0" smtClean="0">
                 <a:solidFill>
                   <a:schemeClr val="accent4">
                     <a:lumMod val="60000"/>
@@ -15032,98 +15032,62 @@
                   </a:schemeClr>
                 </a:solidFill>
               </a:rPr>
-              <a:t>臉</a:t>
-            </a:r>
-            <a:r>
-              <a:rPr lang="zh-TW" altLang="en-US" sz="3100" smtClean="0">
-                <a:solidFill>
-                  <a:schemeClr val="accent4">
-                    <a:lumMod val="60000"/>
-                    <a:lumOff val="40000"/>
-                  </a:schemeClr>
-                </a:solidFill>
-              </a:rPr>
-              <a:t>辨識實作</a:t>
-            </a:r>
-            <a:r>
-              <a:rPr lang="en-US" altLang="zh-TW" sz="3100" smtClean="0">
-                <a:solidFill>
-                  <a:schemeClr val="accent4">
-                    <a:lumMod val="60000"/>
-                    <a:lumOff val="40000"/>
-                  </a:schemeClr>
-                </a:solidFill>
-              </a:rPr>
               <a:t>)</a:t>
             </a:r>
-            <a:endParaRPr lang="en-US" altLang="zh-TW" sz="3100" dirty="0" smtClean="0">
-              <a:solidFill>
-                <a:schemeClr val="accent4">
-                  <a:lumMod val="60000"/>
-                  <a:lumOff val="40000"/>
-                </a:schemeClr>
-              </a:solidFill>
-            </a:endParaRPr>
           </a:p>
           <a:p>
             <a:pPr marL="0" indent="0">
               <a:buNone/>
             </a:pPr>
             <a:r>
-              <a:rPr lang="en-US" altLang="zh-TW" sz="3100" dirty="0" smtClean="0">
+              <a:rPr lang="en-US" altLang="zh-TW" sz="3200" dirty="0">
                 <a:hlinkClick r:id="rId3"/>
               </a:rPr>
-              <a:t>https</a:t>
-            </a:r>
-            <a:r>
-              <a:rPr lang="en-US" altLang="zh-TW" sz="3100" dirty="0">
+              <a:t>https://</a:t>
+            </a:r>
+            <a:r>
+              <a:rPr lang="en-US" altLang="zh-TW" sz="3200" dirty="0" err="1" smtClean="0">
                 <a:hlinkClick r:id="rId3"/>
               </a:rPr>
-              <a:t>://</a:t>
-            </a:r>
-            <a:r>
-              <a:rPr lang="en-US" altLang="zh-TW" sz="3100" dirty="0" err="1" smtClean="0">
+              <a:t>github.com</a:t>
+            </a:r>
+            <a:r>
+              <a:rPr lang="en-US" altLang="zh-TW" sz="3200" dirty="0" smtClean="0">
                 <a:hlinkClick r:id="rId3"/>
               </a:rPr>
-              <a:t>github.com</a:t>
-            </a:r>
-            <a:r>
-              <a:rPr lang="en-US" altLang="zh-TW" sz="3100" dirty="0" smtClean="0">
+              <a:t>/</a:t>
+            </a:r>
+            <a:r>
+              <a:rPr lang="en-US" altLang="zh-TW" sz="3200" dirty="0" err="1" smtClean="0">
                 <a:hlinkClick r:id="rId3"/>
               </a:rPr>
-              <a:t>/</a:t>
-            </a:r>
-            <a:r>
-              <a:rPr lang="en-US" altLang="zh-TW" sz="3100" dirty="0" err="1" smtClean="0">
+              <a:t>fustyles</a:t>
+            </a:r>
+            <a:r>
+              <a:rPr lang="en-US" altLang="zh-TW" sz="3200" dirty="0" smtClean="0">
                 <a:hlinkClick r:id="rId3"/>
               </a:rPr>
-              <a:t>fustyles</a:t>
-            </a:r>
-            <a:r>
-              <a:rPr lang="en-US" altLang="zh-TW" sz="3100" dirty="0" smtClean="0">
+              <a:t>/Workshop/tree/master/</a:t>
+            </a:r>
+            <a:r>
+              <a:rPr lang="en-US" altLang="zh-TW" sz="3200" dirty="0" err="1" smtClean="0">
                 <a:hlinkClick r:id="rId3"/>
               </a:rPr>
-              <a:t>/Workshop/tree/master/</a:t>
-            </a:r>
-            <a:r>
-              <a:rPr lang="en-US" altLang="zh-TW" sz="3100" dirty="0" err="1" smtClean="0">
+              <a:t>2019.12.20_esp32</a:t>
+            </a:r>
+            <a:r>
+              <a:rPr lang="en-US" altLang="zh-TW" sz="3200" dirty="0" smtClean="0">
                 <a:hlinkClick r:id="rId3"/>
               </a:rPr>
-              <a:t>2019.12.20_esp32</a:t>
-            </a:r>
-            <a:r>
-              <a:rPr lang="en-US" altLang="zh-TW" sz="3100" dirty="0" smtClean="0">
+              <a:t>-cam/</a:t>
+            </a:r>
+            <a:r>
+              <a:rPr lang="en-US" altLang="zh-TW" sz="3200" dirty="0" err="1" smtClean="0">
                 <a:hlinkClick r:id="rId3"/>
               </a:rPr>
-              <a:t>-cam/</a:t>
-            </a:r>
-            <a:r>
-              <a:rPr lang="en-US" altLang="zh-TW" sz="3100" dirty="0" err="1" smtClean="0">
-                <a:hlinkClick r:id="rId3"/>
-              </a:rPr>
-              <a:t>CameraWebServer</a:t>
-            </a:r>
-            <a:endParaRPr lang="en-US" altLang="zh-TW" sz="3100" dirty="0" smtClean="0"/>
+              <a:t>ESP32-CAM_FaceDetection_PAGE</a:t>
+            </a:r>
+            <a:endParaRPr lang="en-US" altLang="zh-TW" sz="3200" dirty="0" smtClean="0"/>
           </a:p>
           <a:p>
             <a:pPr marL="0" indent="0">
@@ -22775,15 +22739,6 @@
 </file>
 
 <file path=customXml/item1.xml><?xml version="1.0" encoding="utf-8"?>
-<?mso-contentType ?>
-<FormTemplates xmlns="http://schemas.microsoft.com/sharepoint/v3/contenttype/forms">
-  <Display>DocumentLibraryForm</Display>
-  <Edit>AssetEditForm</Edit>
-  <New>DocumentLibraryForm</New>
-</FormTemplates>
-</file>
-
-<file path=customXml/item2.xml><?xml version="1.0" encoding="utf-8"?>
 <p:properties xmlns:p="http://schemas.microsoft.com/office/2006/metadata/properties" xmlns:xsi="http://www.w3.org/2001/XMLSchema-instance" xmlns:pc="http://schemas.microsoft.com/office/infopath/2007/PartnerControls">
   <documentManagement>
     <LocPublishedLinkedAssetsLookup xmlns="4873beb7-5857-4685-be1f-d57550cc96cc" xsi:nil="true"/>
@@ -22917,6 +22872,15 @@
     <LocMarketGroupTiers2 xmlns="4873beb7-5857-4685-be1f-d57550cc96cc" xsi:nil="true"/>
   </documentManagement>
 </p:properties>
+</file>
+
+<file path=customXml/item2.xml><?xml version="1.0" encoding="utf-8"?>
+<?mso-contentType ?>
+<FormTemplates xmlns="http://schemas.microsoft.com/sharepoint/v3/contenttype/forms">
+  <Display>DocumentLibraryForm</Display>
+  <Edit>AssetEditForm</Edit>
+  <New>DocumentLibraryForm</New>
+</FormTemplates>
 </file>
 
 <file path=customXml/item3.xml><?xml version="1.0" encoding="utf-8"?>
@@ -23960,14 +23924,6 @@
 </file>
 
 <file path=customXml/itemProps1.xml><?xml version="1.0" encoding="utf-8"?>
-<ds:datastoreItem xmlns:ds="http://schemas.openxmlformats.org/officeDocument/2006/customXml" ds:itemID="{3836F65B-1B07-41EE-A0E8-BC6EF3855225}">
-  <ds:schemaRefs>
-    <ds:schemaRef ds:uri="http://schemas.microsoft.com/sharepoint/v3/contenttype/forms"/>
-  </ds:schemaRefs>
-</ds:datastoreItem>
-</file>
-
-<file path=customXml/itemProps2.xml><?xml version="1.0" encoding="utf-8"?>
 <ds:datastoreItem xmlns:ds="http://schemas.openxmlformats.org/officeDocument/2006/customXml" ds:itemID="{60C67BEE-D13F-4BD2-98A5-34D8A0977F68}">
   <ds:schemaRefs>
     <ds:schemaRef ds:uri="http://purl.org/dc/elements/1.1/"/>
@@ -23979,6 +23935,14 @@
     <ds:schemaRef ds:uri="http://schemas.openxmlformats.org/package/2006/metadata/core-properties"/>
     <ds:schemaRef ds:uri="http://schemas.microsoft.com/office/infopath/2007/PartnerControls"/>
     <ds:schemaRef ds:uri="4873beb7-5857-4685-be1f-d57550cc96cc"/>
+  </ds:schemaRefs>
+</ds:datastoreItem>
+</file>
+
+<file path=customXml/itemProps2.xml><?xml version="1.0" encoding="utf-8"?>
+<ds:datastoreItem xmlns:ds="http://schemas.openxmlformats.org/officeDocument/2006/customXml" ds:itemID="{3836F65B-1B07-41EE-A0E8-BC6EF3855225}">
+  <ds:schemaRefs>
+    <ds:schemaRef ds:uri="http://schemas.microsoft.com/sharepoint/v3/contenttype/forms"/>
   </ds:schemaRefs>
 </ds:datastoreItem>
 </file>

--- a/2019.12.20_esp32-cam/ESP32-CAM-AI影像辨識應用.pptx
+++ b/2019.12.20_esp32-cam/ESP32-CAM-AI影像辨識應用.pptx
@@ -270,7 +270,7 @@
                 <a:ea typeface="+mj-ea"/>
               </a:rPr>
               <a:pPr algn="r" rtl="0"/>
-              <a:t>2019/12/23</a:t>
+              <a:t>2019/12/25</a:t>
             </a:fld>
             <a:endParaRPr lang="zh-TW" altLang="en-US" dirty="0">
               <a:latin typeface="+mj-ea"/>
@@ -552,7 +552,7 @@
                 <a:ea typeface="+mj-ea"/>
               </a:rPr>
               <a:pPr algn="r" rtl="0"/>
-              <a:t>2019/12/23</a:t>
+              <a:t>2019/12/25</a:t>
             </a:fld>
             <a:endParaRPr lang="zh-TW" altLang="en-US" dirty="0">
               <a:latin typeface="+mj-ea"/>
@@ -5029,7 +5029,7 @@
             <a:fld id="{9648EAF3-A6E8-4E9A-8D84-778422506FC2}" type="datetime1">
               <a:rPr lang="zh-TW" altLang="en-US" smtClean="0"/>
               <a:pPr/>
-              <a:t>2019/12/23</a:t>
+              <a:t>2019/12/25</a:t>
             </a:fld>
             <a:endParaRPr lang="zh-TW" altLang="en-US" dirty="0"/>
           </a:p>
@@ -5244,7 +5244,7 @@
             <a:fld id="{9648EAF3-A6E8-4E9A-8D84-778422506FC2}" type="datetime1">
               <a:rPr lang="zh-TW" altLang="en-US" smtClean="0"/>
               <a:pPr/>
-              <a:t>2019/12/23</a:t>
+              <a:t>2019/12/25</a:t>
             </a:fld>
             <a:endParaRPr lang="zh-TW" altLang="en-US" dirty="0"/>
           </a:p>
@@ -5456,7 +5456,7 @@
             <a:fld id="{9648EAF3-A6E8-4E9A-8D84-778422506FC2}" type="datetime1">
               <a:rPr lang="zh-TW" altLang="en-US" smtClean="0"/>
               <a:pPr/>
-              <a:t>2019/12/23</a:t>
+              <a:t>2019/12/25</a:t>
             </a:fld>
             <a:endParaRPr lang="zh-TW" altLang="en-US" dirty="0"/>
           </a:p>
@@ -5658,7 +5658,7 @@
             <a:fld id="{9648EAF3-A6E8-4E9A-8D84-778422506FC2}" type="datetime1">
               <a:rPr lang="zh-TW" altLang="en-US" smtClean="0"/>
               <a:pPr/>
-              <a:t>2019/12/23</a:t>
+              <a:t>2019/12/25</a:t>
             </a:fld>
             <a:endParaRPr lang="zh-TW" altLang="en-US" dirty="0"/>
           </a:p>
@@ -6112,7 +6112,7 @@
             <a:fld id="{9648EAF3-A6E8-4E9A-8D84-778422506FC2}" type="datetime1">
               <a:rPr lang="zh-TW" altLang="en-US" smtClean="0"/>
               <a:pPr/>
-              <a:t>2019/12/23</a:t>
+              <a:t>2019/12/25</a:t>
             </a:fld>
             <a:endParaRPr lang="zh-TW" altLang="en-US" dirty="0"/>
           </a:p>
@@ -6464,7 +6464,7 @@
             <a:fld id="{9648EAF3-A6E8-4E9A-8D84-778422506FC2}" type="datetime1">
               <a:rPr lang="zh-TW" altLang="en-US" smtClean="0"/>
               <a:pPr/>
-              <a:t>2019/12/23</a:t>
+              <a:t>2019/12/25</a:t>
             </a:fld>
             <a:endParaRPr lang="zh-TW" altLang="en-US" dirty="0"/>
           </a:p>
@@ -6937,7 +6937,7 @@
             <a:fld id="{9648EAF3-A6E8-4E9A-8D84-778422506FC2}" type="datetime1">
               <a:rPr lang="zh-TW" altLang="en-US" smtClean="0"/>
               <a:pPr/>
-              <a:t>2019/12/23</a:t>
+              <a:t>2019/12/25</a:t>
             </a:fld>
             <a:endParaRPr lang="zh-TW" altLang="en-US" dirty="0"/>
           </a:p>
@@ -7071,7 +7071,7 @@
             <a:fld id="{9648EAF3-A6E8-4E9A-8D84-778422506FC2}" type="datetime1">
               <a:rPr lang="zh-TW" altLang="en-US" smtClean="0"/>
               <a:pPr/>
-              <a:t>2019/12/23</a:t>
+              <a:t>2019/12/25</a:t>
             </a:fld>
             <a:endParaRPr lang="zh-TW" altLang="en-US" dirty="0"/>
           </a:p>
@@ -7181,7 +7181,7 @@
             <a:fld id="{9648EAF3-A6E8-4E9A-8D84-778422506FC2}" type="datetime1">
               <a:rPr lang="zh-TW" altLang="en-US" smtClean="0"/>
               <a:pPr/>
-              <a:t>2019/12/23</a:t>
+              <a:t>2019/12/25</a:t>
             </a:fld>
             <a:endParaRPr lang="zh-TW" altLang="en-US" dirty="0"/>
           </a:p>
@@ -7484,7 +7484,7 @@
             <a:fld id="{9648EAF3-A6E8-4E9A-8D84-778422506FC2}" type="datetime1">
               <a:rPr lang="zh-TW" altLang="en-US" smtClean="0"/>
               <a:pPr/>
-              <a:t>2019/12/23</a:t>
+              <a:t>2019/12/25</a:t>
             </a:fld>
             <a:endParaRPr lang="zh-TW" altLang="en-US" dirty="0"/>
           </a:p>
@@ -7777,7 +7777,7 @@
             <a:fld id="{9648EAF3-A6E8-4E9A-8D84-778422506FC2}" type="datetime1">
               <a:rPr lang="zh-TW" altLang="en-US" smtClean="0"/>
               <a:pPr/>
-              <a:t>2019/12/23</a:t>
+              <a:t>2019/12/25</a:t>
             </a:fld>
             <a:endParaRPr lang="zh-TW" altLang="en-US" dirty="0"/>
           </a:p>
@@ -8412,7 +8412,7 @@
             <a:fld id="{9648EAF3-A6E8-4E9A-8D84-778422506FC2}" type="datetime1">
               <a:rPr lang="zh-TW" altLang="en-US" smtClean="0"/>
               <a:pPr/>
-              <a:t>2019/12/23</a:t>
+              <a:t>2019/12/25</a:t>
             </a:fld>
             <a:endParaRPr lang="zh-TW" altLang="en-US" dirty="0"/>
           </a:p>
@@ -15046,46 +15046,46 @@
               <a:t>https://</a:t>
             </a:r>
             <a:r>
-              <a:rPr lang="en-US" altLang="zh-TW" sz="3200" dirty="0" err="1" smtClean="0">
+              <a:rPr lang="en-US" altLang="zh-TW" sz="3200" dirty="0" err="1">
                 <a:hlinkClick r:id="rId3"/>
               </a:rPr>
               <a:t>github.com</a:t>
             </a:r>
             <a:r>
-              <a:rPr lang="en-US" altLang="zh-TW" sz="3200" dirty="0" smtClean="0">
+              <a:rPr lang="en-US" altLang="zh-TW" sz="3200" dirty="0">
                 <a:hlinkClick r:id="rId3"/>
               </a:rPr>
               <a:t>/</a:t>
             </a:r>
             <a:r>
-              <a:rPr lang="en-US" altLang="zh-TW" sz="3200" dirty="0" err="1" smtClean="0">
+              <a:rPr lang="en-US" altLang="zh-TW" sz="3200" dirty="0" err="1">
                 <a:hlinkClick r:id="rId3"/>
               </a:rPr>
               <a:t>fustyles</a:t>
             </a:r>
             <a:r>
-              <a:rPr lang="en-US" altLang="zh-TW" sz="3200" dirty="0" smtClean="0">
+              <a:rPr lang="en-US" altLang="zh-TW" sz="3200" dirty="0">
                 <a:hlinkClick r:id="rId3"/>
               </a:rPr>
               <a:t>/Workshop/tree/master/</a:t>
             </a:r>
             <a:r>
-              <a:rPr lang="en-US" altLang="zh-TW" sz="3200" dirty="0" err="1" smtClean="0">
+              <a:rPr lang="en-US" altLang="zh-TW" sz="3200" dirty="0" err="1">
                 <a:hlinkClick r:id="rId3"/>
               </a:rPr>
               <a:t>2019.12.20_esp32</a:t>
             </a:r>
             <a:r>
-              <a:rPr lang="en-US" altLang="zh-TW" sz="3200" dirty="0" smtClean="0">
+              <a:rPr lang="en-US" altLang="zh-TW" sz="3200" dirty="0">
                 <a:hlinkClick r:id="rId3"/>
               </a:rPr>
               <a:t>-cam/</a:t>
             </a:r>
             <a:r>
-              <a:rPr lang="en-US" altLang="zh-TW" sz="3200" dirty="0" err="1" smtClean="0">
+              <a:rPr lang="en-US" altLang="zh-TW" sz="3200" dirty="0" err="1">
                 <a:hlinkClick r:id="rId3"/>
               </a:rPr>
-              <a:t>ESP32-CAM_FaceDetection_PAGE</a:t>
+              <a:t>ESP32-CAM_FaceRecognition_PAGE</a:t>
             </a:r>
             <a:endParaRPr lang="en-US" altLang="zh-TW" sz="3200" dirty="0" smtClean="0"/>
           </a:p>
@@ -22739,6 +22739,15 @@
 </file>
 
 <file path=customXml/item1.xml><?xml version="1.0" encoding="utf-8"?>
+<?mso-contentType ?>
+<FormTemplates xmlns="http://schemas.microsoft.com/sharepoint/v3/contenttype/forms">
+  <Display>DocumentLibraryForm</Display>
+  <Edit>AssetEditForm</Edit>
+  <New>DocumentLibraryForm</New>
+</FormTemplates>
+</file>
+
+<file path=customXml/item2.xml><?xml version="1.0" encoding="utf-8"?>
 <p:properties xmlns:p="http://schemas.microsoft.com/office/2006/metadata/properties" xmlns:xsi="http://www.w3.org/2001/XMLSchema-instance" xmlns:pc="http://schemas.microsoft.com/office/infopath/2007/PartnerControls">
   <documentManagement>
     <LocPublishedLinkedAssetsLookup xmlns="4873beb7-5857-4685-be1f-d57550cc96cc" xsi:nil="true"/>
@@ -22872,15 +22881,6 @@
     <LocMarketGroupTiers2 xmlns="4873beb7-5857-4685-be1f-d57550cc96cc" xsi:nil="true"/>
   </documentManagement>
 </p:properties>
-</file>
-
-<file path=customXml/item2.xml><?xml version="1.0" encoding="utf-8"?>
-<?mso-contentType ?>
-<FormTemplates xmlns="http://schemas.microsoft.com/sharepoint/v3/contenttype/forms">
-  <Display>DocumentLibraryForm</Display>
-  <Edit>AssetEditForm</Edit>
-  <New>DocumentLibraryForm</New>
-</FormTemplates>
 </file>
 
 <file path=customXml/item3.xml><?xml version="1.0" encoding="utf-8"?>
@@ -23924,6 +23924,14 @@
 </file>
 
 <file path=customXml/itemProps1.xml><?xml version="1.0" encoding="utf-8"?>
+<ds:datastoreItem xmlns:ds="http://schemas.openxmlformats.org/officeDocument/2006/customXml" ds:itemID="{3836F65B-1B07-41EE-A0E8-BC6EF3855225}">
+  <ds:schemaRefs>
+    <ds:schemaRef ds:uri="http://schemas.microsoft.com/sharepoint/v3/contenttype/forms"/>
+  </ds:schemaRefs>
+</ds:datastoreItem>
+</file>
+
+<file path=customXml/itemProps2.xml><?xml version="1.0" encoding="utf-8"?>
 <ds:datastoreItem xmlns:ds="http://schemas.openxmlformats.org/officeDocument/2006/customXml" ds:itemID="{60C67BEE-D13F-4BD2-98A5-34D8A0977F68}">
   <ds:schemaRefs>
     <ds:schemaRef ds:uri="http://purl.org/dc/elements/1.1/"/>
@@ -23935,14 +23943,6 @@
     <ds:schemaRef ds:uri="http://schemas.openxmlformats.org/package/2006/metadata/core-properties"/>
     <ds:schemaRef ds:uri="http://schemas.microsoft.com/office/infopath/2007/PartnerControls"/>
     <ds:schemaRef ds:uri="4873beb7-5857-4685-be1f-d57550cc96cc"/>
-  </ds:schemaRefs>
-</ds:datastoreItem>
-</file>
-
-<file path=customXml/itemProps2.xml><?xml version="1.0" encoding="utf-8"?>
-<ds:datastoreItem xmlns:ds="http://schemas.openxmlformats.org/officeDocument/2006/customXml" ds:itemID="{3836F65B-1B07-41EE-A0E8-BC6EF3855225}">
-  <ds:schemaRefs>
-    <ds:schemaRef ds:uri="http://schemas.microsoft.com/sharepoint/v3/contenttype/forms"/>
   </ds:schemaRefs>
 </ds:datastoreItem>
 </file>
